--- a/dv-lec1-intro.pptx
+++ b/dv-lec1-intro.pptx
@@ -5,47 +5,48 @@
     <p:sldMasterId id="2147483648" r:id="rId1"/>
   </p:sldMasterIdLst>
   <p:notesMasterIdLst>
-    <p:notesMasterId r:id="rId40"/>
+    <p:notesMasterId r:id="rId41"/>
   </p:notesMasterIdLst>
   <p:sldIdLst>
-    <p:sldId id="256" r:id="rId2"/>
-    <p:sldId id="257" r:id="rId3"/>
-    <p:sldId id="258" r:id="rId4"/>
-    <p:sldId id="260" r:id="rId5"/>
-    <p:sldId id="294" r:id="rId6"/>
-    <p:sldId id="261" r:id="rId7"/>
-    <p:sldId id="262" r:id="rId8"/>
-    <p:sldId id="263" r:id="rId9"/>
-    <p:sldId id="264" r:id="rId10"/>
-    <p:sldId id="265" r:id="rId11"/>
-    <p:sldId id="266" r:id="rId12"/>
-    <p:sldId id="267" r:id="rId13"/>
-    <p:sldId id="268" r:id="rId14"/>
-    <p:sldId id="269" r:id="rId15"/>
-    <p:sldId id="270" r:id="rId16"/>
-    <p:sldId id="271" r:id="rId17"/>
-    <p:sldId id="272" r:id="rId18"/>
-    <p:sldId id="273" r:id="rId19"/>
-    <p:sldId id="274" r:id="rId20"/>
-    <p:sldId id="275" r:id="rId21"/>
-    <p:sldId id="276" r:id="rId22"/>
-    <p:sldId id="277" r:id="rId23"/>
-    <p:sldId id="278" r:id="rId24"/>
-    <p:sldId id="279" r:id="rId25"/>
-    <p:sldId id="280" r:id="rId26"/>
-    <p:sldId id="281" r:id="rId27"/>
-    <p:sldId id="282" r:id="rId28"/>
-    <p:sldId id="283" r:id="rId29"/>
-    <p:sldId id="284" r:id="rId30"/>
-    <p:sldId id="285" r:id="rId31"/>
-    <p:sldId id="286" r:id="rId32"/>
-    <p:sldId id="287" r:id="rId33"/>
-    <p:sldId id="288" r:id="rId34"/>
-    <p:sldId id="289" r:id="rId35"/>
-    <p:sldId id="290" r:id="rId36"/>
-    <p:sldId id="292" r:id="rId37"/>
-    <p:sldId id="295" r:id="rId38"/>
-    <p:sldId id="293" r:id="rId39"/>
+    <p:sldId id="296" r:id="rId2"/>
+    <p:sldId id="297" r:id="rId3"/>
+    <p:sldId id="257" r:id="rId4"/>
+    <p:sldId id="258" r:id="rId5"/>
+    <p:sldId id="260" r:id="rId6"/>
+    <p:sldId id="294" r:id="rId7"/>
+    <p:sldId id="261" r:id="rId8"/>
+    <p:sldId id="262" r:id="rId9"/>
+    <p:sldId id="263" r:id="rId10"/>
+    <p:sldId id="264" r:id="rId11"/>
+    <p:sldId id="265" r:id="rId12"/>
+    <p:sldId id="266" r:id="rId13"/>
+    <p:sldId id="267" r:id="rId14"/>
+    <p:sldId id="268" r:id="rId15"/>
+    <p:sldId id="269" r:id="rId16"/>
+    <p:sldId id="270" r:id="rId17"/>
+    <p:sldId id="271" r:id="rId18"/>
+    <p:sldId id="272" r:id="rId19"/>
+    <p:sldId id="273" r:id="rId20"/>
+    <p:sldId id="274" r:id="rId21"/>
+    <p:sldId id="275" r:id="rId22"/>
+    <p:sldId id="276" r:id="rId23"/>
+    <p:sldId id="277" r:id="rId24"/>
+    <p:sldId id="278" r:id="rId25"/>
+    <p:sldId id="279" r:id="rId26"/>
+    <p:sldId id="280" r:id="rId27"/>
+    <p:sldId id="281" r:id="rId28"/>
+    <p:sldId id="282" r:id="rId29"/>
+    <p:sldId id="283" r:id="rId30"/>
+    <p:sldId id="284" r:id="rId31"/>
+    <p:sldId id="285" r:id="rId32"/>
+    <p:sldId id="286" r:id="rId33"/>
+    <p:sldId id="287" r:id="rId34"/>
+    <p:sldId id="288" r:id="rId35"/>
+    <p:sldId id="289" r:id="rId36"/>
+    <p:sldId id="290" r:id="rId37"/>
+    <p:sldId id="292" r:id="rId38"/>
+    <p:sldId id="295" r:id="rId39"/>
+    <p:sldId id="293" r:id="rId40"/>
   </p:sldIdLst>
   <p:sldSz cx="9144000" cy="6858000" type="screen4x3"/>
   <p:notesSz cx="6858000" cy="9144000"/>
@@ -294,7 +295,7 @@
       </p15:sldGuideLst>
     </p:ext>
     <p:ext uri="http://customooxmlschemas.google.com/">
-      <go:slidesCustomData xmlns="" xmlns:mc="http://schemas.openxmlformats.org/markup-compatibility/2006" xmlns:mv="urn:schemas-microsoft-com:mac:vml" xmlns:c="http://schemas.openxmlformats.org/drawingml/2006/chart" xmlns:dgm="http://schemas.openxmlformats.org/drawingml/2006/diagram" xmlns:o="urn:schemas-microsoft-com:office:office" xmlns:v="urn:schemas-microsoft-com:vml" xmlns:pvml="urn:schemas-microsoft-com:office:powerpoint" xmlns:com="http://schemas.openxmlformats.org/drawingml/2006/compatibility" xmlns:p14="http://schemas.microsoft.com/office/powerpoint/2010/main" xmlns:p15="http://schemas.microsoft.com/office/powerpoint/2012/main" xmlns:ahyp="http://schemas.microsoft.com/office/drawing/2018/hyperlinkcolor" xmlns:go="http://customooxmlschemas.google.com/" r:id="rId45" roundtripDataSignature="AMtx7mgIGR3ntyoAQsQDdHIErqETKSKA3Q=="/>
+      <go:slidesCustomData xmlns:go="http://customooxmlschemas.google.com/" xmlns:ahyp="http://schemas.microsoft.com/office/drawing/2018/hyperlinkcolor" xmlns:p15="http://schemas.microsoft.com/office/powerpoint/2012/main" xmlns:p14="http://schemas.microsoft.com/office/powerpoint/2010/main" xmlns:com="http://schemas.openxmlformats.org/drawingml/2006/compatibility" xmlns:pvml="urn:schemas-microsoft-com:office:powerpoint" xmlns:v="urn:schemas-microsoft-com:vml" xmlns:o="urn:schemas-microsoft-com:office:office" xmlns:dgm="http://schemas.openxmlformats.org/drawingml/2006/diagram" xmlns:c="http://schemas.openxmlformats.org/drawingml/2006/chart" xmlns:mv="urn:schemas-microsoft-com:mac:vml" xmlns:mc="http://schemas.openxmlformats.org/markup-compatibility/2006" xmlns="" r:id="rId45" roundtripDataSignature="AMtx7mgIGR3ntyoAQsQDdHIErqETKSKA3Q=="/>
     </p:ext>
   </p:extLst>
 </p:presentation>
@@ -746,7 +747,7 @@
   <p:cSld>
     <p:spTree>
       <p:nvGrpSpPr>
-        <p:cNvPr id="1" name="Shape 85"/>
+        <p:cNvPr id="1" name="Shape 91"/>
         <p:cNvGrpSpPr/>
         <p:nvPr/>
       </p:nvGrpSpPr>
@@ -760,7 +761,7 @@
       </p:grpSpPr>
       <p:sp>
         <p:nvSpPr>
-          <p:cNvPr id="86" name="Google Shape;86;p1:notes"/>
+          <p:cNvPr id="92" name="Google Shape;92;p2:notes"/>
           <p:cNvSpPr txBox="1">
             <a:spLocks noGrp="1"/>
           </p:cNvSpPr>
@@ -798,7 +799,7 @@
       </p:sp>
       <p:sp>
         <p:nvSpPr>
-          <p:cNvPr id="87" name="Google Shape;87;p1:notes"/>
+          <p:cNvPr id="93" name="Google Shape;93;p2:notes"/>
           <p:cNvSpPr>
             <a:spLocks noGrp="1" noRot="1" noChangeAspect="1"/>
           </p:cNvSpPr>
@@ -808,8 +809,8 @@
         </p:nvSpPr>
         <p:spPr>
           <a:xfrm>
-            <a:off x="1143225" y="685800"/>
-            <a:ext cx="4572225" cy="3429000"/>
+            <a:off x="1143000" y="685800"/>
+            <a:ext cx="4572000" cy="3429000"/>
           </a:xfrm>
           <a:custGeom>
             <a:avLst/>
@@ -846,6 +847,3438 @@
 </file>
 
 <file path=ppt/notesSlides/notesSlide10.xml><?xml version="1.0" encoding="utf-8"?>
+<p:notes xmlns:a="http://schemas.openxmlformats.org/drawingml/2006/main" xmlns:r="http://schemas.openxmlformats.org/officeDocument/2006/relationships" xmlns:p="http://schemas.openxmlformats.org/presentationml/2006/main" showMasterSp="0" showMasterPhAnim="0">
+  <p:cSld>
+    <p:spTree>
+      <p:nvGrpSpPr>
+        <p:cNvPr id="1" name="Shape 157"/>
+        <p:cNvGrpSpPr/>
+        <p:nvPr/>
+      </p:nvGrpSpPr>
+      <p:grpSpPr>
+        <a:xfrm>
+          <a:off x="0" y="0"/>
+          <a:ext cx="0" cy="0"/>
+          <a:chOff x="0" y="0"/>
+          <a:chExt cx="0" cy="0"/>
+        </a:xfrm>
+      </p:grpSpPr>
+      <p:sp>
+        <p:nvSpPr>
+          <p:cNvPr id="158" name="Google Shape;158;p12:notes"/>
+          <p:cNvSpPr txBox="1">
+            <a:spLocks noGrp="1"/>
+          </p:cNvSpPr>
+          <p:nvPr>
+            <p:ph type="body" idx="1"/>
+          </p:nvPr>
+        </p:nvSpPr>
+        <p:spPr>
+          <a:xfrm>
+            <a:off x="685800" y="4343400"/>
+            <a:ext cx="5486400" cy="4114800"/>
+          </a:xfrm>
+          <a:prstGeom prst="rect">
+            <a:avLst/>
+          </a:prstGeom>
+        </p:spPr>
+        <p:txBody>
+          <a:bodyPr spcFirstLastPara="1" wrap="square" lIns="91425" tIns="91425" rIns="91425" bIns="91425" anchor="t" anchorCtr="0">
+            <a:noAutofit/>
+          </a:bodyPr>
+          <a:lstStyle/>
+          <a:p>
+            <a:pPr marL="0" lvl="0" indent="0" algn="l" rtl="0">
+              <a:spcBef>
+                <a:spcPts val="0"/>
+              </a:spcBef>
+              <a:spcAft>
+                <a:spcPts val="0"/>
+              </a:spcAft>
+              <a:buNone/>
+            </a:pPr>
+            <a:endParaRPr/>
+          </a:p>
+        </p:txBody>
+      </p:sp>
+      <p:sp>
+        <p:nvSpPr>
+          <p:cNvPr id="159" name="Google Shape;159;p12:notes"/>
+          <p:cNvSpPr>
+            <a:spLocks noGrp="1" noRot="1" noChangeAspect="1"/>
+          </p:cNvSpPr>
+          <p:nvPr>
+            <p:ph type="sldImg" idx="2"/>
+          </p:nvPr>
+        </p:nvSpPr>
+        <p:spPr>
+          <a:xfrm>
+            <a:off x="1143000" y="685800"/>
+            <a:ext cx="4572000" cy="3429000"/>
+          </a:xfrm>
+          <a:custGeom>
+            <a:avLst/>
+            <a:gdLst/>
+            <a:ahLst/>
+            <a:cxnLst/>
+            <a:rect l="l" t="t" r="r" b="b"/>
+            <a:pathLst>
+              <a:path w="120000" h="120000" extrusionOk="0">
+                <a:moveTo>
+                  <a:pt x="0" y="0"/>
+                </a:moveTo>
+                <a:lnTo>
+                  <a:pt x="120000" y="0"/>
+                </a:lnTo>
+                <a:lnTo>
+                  <a:pt x="120000" y="120000"/>
+                </a:lnTo>
+                <a:lnTo>
+                  <a:pt x="0" y="120000"/>
+                </a:lnTo>
+                <a:close/>
+              </a:path>
+            </a:pathLst>
+          </a:custGeom>
+        </p:spPr>
+      </p:sp>
+    </p:spTree>
+  </p:cSld>
+  <p:clrMapOvr>
+    <a:masterClrMapping/>
+  </p:clrMapOvr>
+</p:notes>
+</file>
+
+<file path=ppt/notesSlides/notesSlide11.xml><?xml version="1.0" encoding="utf-8"?>
+<p:notes xmlns:a="http://schemas.openxmlformats.org/drawingml/2006/main" xmlns:r="http://schemas.openxmlformats.org/officeDocument/2006/relationships" xmlns:p="http://schemas.openxmlformats.org/presentationml/2006/main" showMasterSp="0" showMasterPhAnim="0">
+  <p:cSld>
+    <p:spTree>
+      <p:nvGrpSpPr>
+        <p:cNvPr id="1" name="Shape 165"/>
+        <p:cNvGrpSpPr/>
+        <p:nvPr/>
+      </p:nvGrpSpPr>
+      <p:grpSpPr>
+        <a:xfrm>
+          <a:off x="0" y="0"/>
+          <a:ext cx="0" cy="0"/>
+          <a:chOff x="0" y="0"/>
+          <a:chExt cx="0" cy="0"/>
+        </a:xfrm>
+      </p:grpSpPr>
+      <p:sp>
+        <p:nvSpPr>
+          <p:cNvPr id="166" name="Google Shape;166;p13:notes"/>
+          <p:cNvSpPr txBox="1">
+            <a:spLocks noGrp="1"/>
+          </p:cNvSpPr>
+          <p:nvPr>
+            <p:ph type="body" idx="1"/>
+          </p:nvPr>
+        </p:nvSpPr>
+        <p:spPr>
+          <a:xfrm>
+            <a:off x="685800" y="4343400"/>
+            <a:ext cx="5486400" cy="4114800"/>
+          </a:xfrm>
+          <a:prstGeom prst="rect">
+            <a:avLst/>
+          </a:prstGeom>
+        </p:spPr>
+        <p:txBody>
+          <a:bodyPr spcFirstLastPara="1" wrap="square" lIns="91425" tIns="91425" rIns="91425" bIns="91425" anchor="t" anchorCtr="0">
+            <a:noAutofit/>
+          </a:bodyPr>
+          <a:lstStyle/>
+          <a:p>
+            <a:pPr marL="0" lvl="0" indent="0" algn="l" rtl="0">
+              <a:spcBef>
+                <a:spcPts val="0"/>
+              </a:spcBef>
+              <a:spcAft>
+                <a:spcPts val="0"/>
+              </a:spcAft>
+              <a:buNone/>
+            </a:pPr>
+            <a:endParaRPr/>
+          </a:p>
+        </p:txBody>
+      </p:sp>
+      <p:sp>
+        <p:nvSpPr>
+          <p:cNvPr id="167" name="Google Shape;167;p13:notes"/>
+          <p:cNvSpPr>
+            <a:spLocks noGrp="1" noRot="1" noChangeAspect="1"/>
+          </p:cNvSpPr>
+          <p:nvPr>
+            <p:ph type="sldImg" idx="2"/>
+          </p:nvPr>
+        </p:nvSpPr>
+        <p:spPr>
+          <a:xfrm>
+            <a:off x="1143000" y="685800"/>
+            <a:ext cx="4572000" cy="3429000"/>
+          </a:xfrm>
+          <a:custGeom>
+            <a:avLst/>
+            <a:gdLst/>
+            <a:ahLst/>
+            <a:cxnLst/>
+            <a:rect l="l" t="t" r="r" b="b"/>
+            <a:pathLst>
+              <a:path w="120000" h="120000" extrusionOk="0">
+                <a:moveTo>
+                  <a:pt x="0" y="0"/>
+                </a:moveTo>
+                <a:lnTo>
+                  <a:pt x="120000" y="0"/>
+                </a:lnTo>
+                <a:lnTo>
+                  <a:pt x="120000" y="120000"/>
+                </a:lnTo>
+                <a:lnTo>
+                  <a:pt x="0" y="120000"/>
+                </a:lnTo>
+                <a:close/>
+              </a:path>
+            </a:pathLst>
+          </a:custGeom>
+        </p:spPr>
+      </p:sp>
+    </p:spTree>
+  </p:cSld>
+  <p:clrMapOvr>
+    <a:masterClrMapping/>
+  </p:clrMapOvr>
+</p:notes>
+</file>
+
+<file path=ppt/notesSlides/notesSlide12.xml><?xml version="1.0" encoding="utf-8"?>
+<p:notes xmlns:a="http://schemas.openxmlformats.org/drawingml/2006/main" xmlns:r="http://schemas.openxmlformats.org/officeDocument/2006/relationships" xmlns:p="http://schemas.openxmlformats.org/presentationml/2006/main" showMasterSp="0" showMasterPhAnim="0">
+  <p:cSld>
+    <p:spTree>
+      <p:nvGrpSpPr>
+        <p:cNvPr id="1" name="Shape 171"/>
+        <p:cNvGrpSpPr/>
+        <p:nvPr/>
+      </p:nvGrpSpPr>
+      <p:grpSpPr>
+        <a:xfrm>
+          <a:off x="0" y="0"/>
+          <a:ext cx="0" cy="0"/>
+          <a:chOff x="0" y="0"/>
+          <a:chExt cx="0" cy="0"/>
+        </a:xfrm>
+      </p:grpSpPr>
+      <p:sp>
+        <p:nvSpPr>
+          <p:cNvPr id="172" name="Google Shape;172;p14:notes"/>
+          <p:cNvSpPr txBox="1">
+            <a:spLocks noGrp="1"/>
+          </p:cNvSpPr>
+          <p:nvPr>
+            <p:ph type="body" idx="1"/>
+          </p:nvPr>
+        </p:nvSpPr>
+        <p:spPr>
+          <a:xfrm>
+            <a:off x="685800" y="4343400"/>
+            <a:ext cx="5486400" cy="4114800"/>
+          </a:xfrm>
+          <a:prstGeom prst="rect">
+            <a:avLst/>
+          </a:prstGeom>
+        </p:spPr>
+        <p:txBody>
+          <a:bodyPr spcFirstLastPara="1" wrap="square" lIns="91425" tIns="91425" rIns="91425" bIns="91425" anchor="t" anchorCtr="0">
+            <a:noAutofit/>
+          </a:bodyPr>
+          <a:lstStyle/>
+          <a:p>
+            <a:pPr marL="0" lvl="0" indent="0" algn="l" rtl="0">
+              <a:spcBef>
+                <a:spcPts val="0"/>
+              </a:spcBef>
+              <a:spcAft>
+                <a:spcPts val="0"/>
+              </a:spcAft>
+              <a:buNone/>
+            </a:pPr>
+            <a:endParaRPr/>
+          </a:p>
+        </p:txBody>
+      </p:sp>
+      <p:sp>
+        <p:nvSpPr>
+          <p:cNvPr id="173" name="Google Shape;173;p14:notes"/>
+          <p:cNvSpPr>
+            <a:spLocks noGrp="1" noRot="1" noChangeAspect="1"/>
+          </p:cNvSpPr>
+          <p:nvPr>
+            <p:ph type="sldImg" idx="2"/>
+          </p:nvPr>
+        </p:nvSpPr>
+        <p:spPr>
+          <a:xfrm>
+            <a:off x="1143225" y="685800"/>
+            <a:ext cx="4572225" cy="3429000"/>
+          </a:xfrm>
+          <a:custGeom>
+            <a:avLst/>
+            <a:gdLst/>
+            <a:ahLst/>
+            <a:cxnLst/>
+            <a:rect l="l" t="t" r="r" b="b"/>
+            <a:pathLst>
+              <a:path w="120000" h="120000" extrusionOk="0">
+                <a:moveTo>
+                  <a:pt x="0" y="0"/>
+                </a:moveTo>
+                <a:lnTo>
+                  <a:pt x="120000" y="0"/>
+                </a:lnTo>
+                <a:lnTo>
+                  <a:pt x="120000" y="120000"/>
+                </a:lnTo>
+                <a:lnTo>
+                  <a:pt x="0" y="120000"/>
+                </a:lnTo>
+                <a:close/>
+              </a:path>
+            </a:pathLst>
+          </a:custGeom>
+        </p:spPr>
+      </p:sp>
+    </p:spTree>
+  </p:cSld>
+  <p:clrMapOvr>
+    <a:masterClrMapping/>
+  </p:clrMapOvr>
+</p:notes>
+</file>
+
+<file path=ppt/notesSlides/notesSlide13.xml><?xml version="1.0" encoding="utf-8"?>
+<p:notes xmlns:a="http://schemas.openxmlformats.org/drawingml/2006/main" xmlns:r="http://schemas.openxmlformats.org/officeDocument/2006/relationships" xmlns:p="http://schemas.openxmlformats.org/presentationml/2006/main" showMasterSp="0" showMasterPhAnim="0">
+  <p:cSld>
+    <p:spTree>
+      <p:nvGrpSpPr>
+        <p:cNvPr id="1" name="Shape 179"/>
+        <p:cNvGrpSpPr/>
+        <p:nvPr/>
+      </p:nvGrpSpPr>
+      <p:grpSpPr>
+        <a:xfrm>
+          <a:off x="0" y="0"/>
+          <a:ext cx="0" cy="0"/>
+          <a:chOff x="0" y="0"/>
+          <a:chExt cx="0" cy="0"/>
+        </a:xfrm>
+      </p:grpSpPr>
+      <p:sp>
+        <p:nvSpPr>
+          <p:cNvPr id="180" name="Google Shape;180;p15:notes"/>
+          <p:cNvSpPr txBox="1">
+            <a:spLocks noGrp="1"/>
+          </p:cNvSpPr>
+          <p:nvPr>
+            <p:ph type="body" idx="1"/>
+          </p:nvPr>
+        </p:nvSpPr>
+        <p:spPr>
+          <a:xfrm>
+            <a:off x="685800" y="4343400"/>
+            <a:ext cx="5486400" cy="4114800"/>
+          </a:xfrm>
+          <a:prstGeom prst="rect">
+            <a:avLst/>
+          </a:prstGeom>
+        </p:spPr>
+        <p:txBody>
+          <a:bodyPr spcFirstLastPara="1" wrap="square" lIns="91425" tIns="91425" rIns="91425" bIns="91425" anchor="t" anchorCtr="0">
+            <a:noAutofit/>
+          </a:bodyPr>
+          <a:lstStyle/>
+          <a:p>
+            <a:pPr marL="0" lvl="0" indent="0" algn="l" rtl="0">
+              <a:spcBef>
+                <a:spcPts val="0"/>
+              </a:spcBef>
+              <a:spcAft>
+                <a:spcPts val="0"/>
+              </a:spcAft>
+              <a:buNone/>
+            </a:pPr>
+            <a:endParaRPr/>
+          </a:p>
+        </p:txBody>
+      </p:sp>
+      <p:sp>
+        <p:nvSpPr>
+          <p:cNvPr id="181" name="Google Shape;181;p15:notes"/>
+          <p:cNvSpPr>
+            <a:spLocks noGrp="1" noRot="1" noChangeAspect="1"/>
+          </p:cNvSpPr>
+          <p:nvPr>
+            <p:ph type="sldImg" idx="2"/>
+          </p:nvPr>
+        </p:nvSpPr>
+        <p:spPr>
+          <a:xfrm>
+            <a:off x="1143000" y="685800"/>
+            <a:ext cx="4572000" cy="3429000"/>
+          </a:xfrm>
+          <a:custGeom>
+            <a:avLst/>
+            <a:gdLst/>
+            <a:ahLst/>
+            <a:cxnLst/>
+            <a:rect l="l" t="t" r="r" b="b"/>
+            <a:pathLst>
+              <a:path w="120000" h="120000" extrusionOk="0">
+                <a:moveTo>
+                  <a:pt x="0" y="0"/>
+                </a:moveTo>
+                <a:lnTo>
+                  <a:pt x="120000" y="0"/>
+                </a:lnTo>
+                <a:lnTo>
+                  <a:pt x="120000" y="120000"/>
+                </a:lnTo>
+                <a:lnTo>
+                  <a:pt x="0" y="120000"/>
+                </a:lnTo>
+                <a:close/>
+              </a:path>
+            </a:pathLst>
+          </a:custGeom>
+        </p:spPr>
+      </p:sp>
+    </p:spTree>
+  </p:cSld>
+  <p:clrMapOvr>
+    <a:masterClrMapping/>
+  </p:clrMapOvr>
+</p:notes>
+</file>
+
+<file path=ppt/notesSlides/notesSlide14.xml><?xml version="1.0" encoding="utf-8"?>
+<p:notes xmlns:a="http://schemas.openxmlformats.org/drawingml/2006/main" xmlns:r="http://schemas.openxmlformats.org/officeDocument/2006/relationships" xmlns:p="http://schemas.openxmlformats.org/presentationml/2006/main" showMasterSp="0" showMasterPhAnim="0">
+  <p:cSld>
+    <p:spTree>
+      <p:nvGrpSpPr>
+        <p:cNvPr id="1" name="Shape 187"/>
+        <p:cNvGrpSpPr/>
+        <p:nvPr/>
+      </p:nvGrpSpPr>
+      <p:grpSpPr>
+        <a:xfrm>
+          <a:off x="0" y="0"/>
+          <a:ext cx="0" cy="0"/>
+          <a:chOff x="0" y="0"/>
+          <a:chExt cx="0" cy="0"/>
+        </a:xfrm>
+      </p:grpSpPr>
+      <p:sp>
+        <p:nvSpPr>
+          <p:cNvPr id="188" name="Google Shape;188;p16:notes"/>
+          <p:cNvSpPr txBox="1">
+            <a:spLocks noGrp="1"/>
+          </p:cNvSpPr>
+          <p:nvPr>
+            <p:ph type="body" idx="1"/>
+          </p:nvPr>
+        </p:nvSpPr>
+        <p:spPr>
+          <a:xfrm>
+            <a:off x="685800" y="4343400"/>
+            <a:ext cx="5486400" cy="4114800"/>
+          </a:xfrm>
+          <a:prstGeom prst="rect">
+            <a:avLst/>
+          </a:prstGeom>
+        </p:spPr>
+        <p:txBody>
+          <a:bodyPr spcFirstLastPara="1" wrap="square" lIns="91425" tIns="91425" rIns="91425" bIns="91425" anchor="t" anchorCtr="0">
+            <a:noAutofit/>
+          </a:bodyPr>
+          <a:lstStyle/>
+          <a:p>
+            <a:pPr marL="0" lvl="0" indent="0" algn="l" rtl="0">
+              <a:spcBef>
+                <a:spcPts val="0"/>
+              </a:spcBef>
+              <a:spcAft>
+                <a:spcPts val="0"/>
+              </a:spcAft>
+              <a:buNone/>
+            </a:pPr>
+            <a:endParaRPr/>
+          </a:p>
+        </p:txBody>
+      </p:sp>
+      <p:sp>
+        <p:nvSpPr>
+          <p:cNvPr id="189" name="Google Shape;189;p16:notes"/>
+          <p:cNvSpPr>
+            <a:spLocks noGrp="1" noRot="1" noChangeAspect="1"/>
+          </p:cNvSpPr>
+          <p:nvPr>
+            <p:ph type="sldImg" idx="2"/>
+          </p:nvPr>
+        </p:nvSpPr>
+        <p:spPr>
+          <a:xfrm>
+            <a:off x="1143225" y="685800"/>
+            <a:ext cx="4572225" cy="3429000"/>
+          </a:xfrm>
+          <a:custGeom>
+            <a:avLst/>
+            <a:gdLst/>
+            <a:ahLst/>
+            <a:cxnLst/>
+            <a:rect l="l" t="t" r="r" b="b"/>
+            <a:pathLst>
+              <a:path w="120000" h="120000" extrusionOk="0">
+                <a:moveTo>
+                  <a:pt x="0" y="0"/>
+                </a:moveTo>
+                <a:lnTo>
+                  <a:pt x="120000" y="0"/>
+                </a:lnTo>
+                <a:lnTo>
+                  <a:pt x="120000" y="120000"/>
+                </a:lnTo>
+                <a:lnTo>
+                  <a:pt x="0" y="120000"/>
+                </a:lnTo>
+                <a:close/>
+              </a:path>
+            </a:pathLst>
+          </a:custGeom>
+        </p:spPr>
+      </p:sp>
+    </p:spTree>
+  </p:cSld>
+  <p:clrMapOvr>
+    <a:masterClrMapping/>
+  </p:clrMapOvr>
+</p:notes>
+</file>
+
+<file path=ppt/notesSlides/notesSlide15.xml><?xml version="1.0" encoding="utf-8"?>
+<p:notes xmlns:a="http://schemas.openxmlformats.org/drawingml/2006/main" xmlns:r="http://schemas.openxmlformats.org/officeDocument/2006/relationships" xmlns:p="http://schemas.openxmlformats.org/presentationml/2006/main" showMasterSp="0" showMasterPhAnim="0">
+  <p:cSld>
+    <p:spTree>
+      <p:nvGrpSpPr>
+        <p:cNvPr id="1" name="Shape 194"/>
+        <p:cNvGrpSpPr/>
+        <p:nvPr/>
+      </p:nvGrpSpPr>
+      <p:grpSpPr>
+        <a:xfrm>
+          <a:off x="0" y="0"/>
+          <a:ext cx="0" cy="0"/>
+          <a:chOff x="0" y="0"/>
+          <a:chExt cx="0" cy="0"/>
+        </a:xfrm>
+      </p:grpSpPr>
+      <p:sp>
+        <p:nvSpPr>
+          <p:cNvPr id="195" name="Google Shape;195;p17:notes"/>
+          <p:cNvSpPr txBox="1">
+            <a:spLocks noGrp="1"/>
+          </p:cNvSpPr>
+          <p:nvPr>
+            <p:ph type="body" idx="1"/>
+          </p:nvPr>
+        </p:nvSpPr>
+        <p:spPr>
+          <a:xfrm>
+            <a:off x="685800" y="4343400"/>
+            <a:ext cx="5486400" cy="4114800"/>
+          </a:xfrm>
+          <a:prstGeom prst="rect">
+            <a:avLst/>
+          </a:prstGeom>
+        </p:spPr>
+        <p:txBody>
+          <a:bodyPr spcFirstLastPara="1" wrap="square" lIns="91425" tIns="91425" rIns="91425" bIns="91425" anchor="t" anchorCtr="0">
+            <a:noAutofit/>
+          </a:bodyPr>
+          <a:lstStyle/>
+          <a:p>
+            <a:pPr marL="0" lvl="0" indent="0" algn="l" rtl="0">
+              <a:spcBef>
+                <a:spcPts val="0"/>
+              </a:spcBef>
+              <a:spcAft>
+                <a:spcPts val="0"/>
+              </a:spcAft>
+              <a:buNone/>
+            </a:pPr>
+            <a:endParaRPr/>
+          </a:p>
+        </p:txBody>
+      </p:sp>
+      <p:sp>
+        <p:nvSpPr>
+          <p:cNvPr id="196" name="Google Shape;196;p17:notes"/>
+          <p:cNvSpPr>
+            <a:spLocks noGrp="1" noRot="1" noChangeAspect="1"/>
+          </p:cNvSpPr>
+          <p:nvPr>
+            <p:ph type="sldImg" idx="2"/>
+          </p:nvPr>
+        </p:nvSpPr>
+        <p:spPr>
+          <a:xfrm>
+            <a:off x="1143000" y="685800"/>
+            <a:ext cx="4572000" cy="3429000"/>
+          </a:xfrm>
+          <a:custGeom>
+            <a:avLst/>
+            <a:gdLst/>
+            <a:ahLst/>
+            <a:cxnLst/>
+            <a:rect l="l" t="t" r="r" b="b"/>
+            <a:pathLst>
+              <a:path w="120000" h="120000" extrusionOk="0">
+                <a:moveTo>
+                  <a:pt x="0" y="0"/>
+                </a:moveTo>
+                <a:lnTo>
+                  <a:pt x="120000" y="0"/>
+                </a:lnTo>
+                <a:lnTo>
+                  <a:pt x="120000" y="120000"/>
+                </a:lnTo>
+                <a:lnTo>
+                  <a:pt x="0" y="120000"/>
+                </a:lnTo>
+                <a:close/>
+              </a:path>
+            </a:pathLst>
+          </a:custGeom>
+        </p:spPr>
+      </p:sp>
+    </p:spTree>
+  </p:cSld>
+  <p:clrMapOvr>
+    <a:masterClrMapping/>
+  </p:clrMapOvr>
+</p:notes>
+</file>
+
+<file path=ppt/notesSlides/notesSlide16.xml><?xml version="1.0" encoding="utf-8"?>
+<p:notes xmlns:a="http://schemas.openxmlformats.org/drawingml/2006/main" xmlns:r="http://schemas.openxmlformats.org/officeDocument/2006/relationships" xmlns:p="http://schemas.openxmlformats.org/presentationml/2006/main" showMasterSp="0" showMasterPhAnim="0">
+  <p:cSld>
+    <p:spTree>
+      <p:nvGrpSpPr>
+        <p:cNvPr id="1" name="Shape 201"/>
+        <p:cNvGrpSpPr/>
+        <p:nvPr/>
+      </p:nvGrpSpPr>
+      <p:grpSpPr>
+        <a:xfrm>
+          <a:off x="0" y="0"/>
+          <a:ext cx="0" cy="0"/>
+          <a:chOff x="0" y="0"/>
+          <a:chExt cx="0" cy="0"/>
+        </a:xfrm>
+      </p:grpSpPr>
+      <p:sp>
+        <p:nvSpPr>
+          <p:cNvPr id="202" name="Google Shape;202;p18:notes"/>
+          <p:cNvSpPr txBox="1">
+            <a:spLocks noGrp="1"/>
+          </p:cNvSpPr>
+          <p:nvPr>
+            <p:ph type="body" idx="1"/>
+          </p:nvPr>
+        </p:nvSpPr>
+        <p:spPr>
+          <a:xfrm>
+            <a:off x="685800" y="4343400"/>
+            <a:ext cx="5486400" cy="4114800"/>
+          </a:xfrm>
+          <a:prstGeom prst="rect">
+            <a:avLst/>
+          </a:prstGeom>
+        </p:spPr>
+        <p:txBody>
+          <a:bodyPr spcFirstLastPara="1" wrap="square" lIns="91425" tIns="91425" rIns="91425" bIns="91425" anchor="t" anchorCtr="0">
+            <a:noAutofit/>
+          </a:bodyPr>
+          <a:lstStyle/>
+          <a:p>
+            <a:pPr marL="0" lvl="0" indent="0" algn="l" rtl="0">
+              <a:spcBef>
+                <a:spcPts val="0"/>
+              </a:spcBef>
+              <a:spcAft>
+                <a:spcPts val="0"/>
+              </a:spcAft>
+              <a:buNone/>
+            </a:pPr>
+            <a:endParaRPr/>
+          </a:p>
+        </p:txBody>
+      </p:sp>
+      <p:sp>
+        <p:nvSpPr>
+          <p:cNvPr id="203" name="Google Shape;203;p18:notes"/>
+          <p:cNvSpPr>
+            <a:spLocks noGrp="1" noRot="1" noChangeAspect="1"/>
+          </p:cNvSpPr>
+          <p:nvPr>
+            <p:ph type="sldImg" idx="2"/>
+          </p:nvPr>
+        </p:nvSpPr>
+        <p:spPr>
+          <a:xfrm>
+            <a:off x="1143000" y="685800"/>
+            <a:ext cx="4572000" cy="3429000"/>
+          </a:xfrm>
+          <a:custGeom>
+            <a:avLst/>
+            <a:gdLst/>
+            <a:ahLst/>
+            <a:cxnLst/>
+            <a:rect l="l" t="t" r="r" b="b"/>
+            <a:pathLst>
+              <a:path w="120000" h="120000" extrusionOk="0">
+                <a:moveTo>
+                  <a:pt x="0" y="0"/>
+                </a:moveTo>
+                <a:lnTo>
+                  <a:pt x="120000" y="0"/>
+                </a:lnTo>
+                <a:lnTo>
+                  <a:pt x="120000" y="120000"/>
+                </a:lnTo>
+                <a:lnTo>
+                  <a:pt x="0" y="120000"/>
+                </a:lnTo>
+                <a:close/>
+              </a:path>
+            </a:pathLst>
+          </a:custGeom>
+        </p:spPr>
+      </p:sp>
+    </p:spTree>
+  </p:cSld>
+  <p:clrMapOvr>
+    <a:masterClrMapping/>
+  </p:clrMapOvr>
+</p:notes>
+</file>
+
+<file path=ppt/notesSlides/notesSlide17.xml><?xml version="1.0" encoding="utf-8"?>
+<p:notes xmlns:a="http://schemas.openxmlformats.org/drawingml/2006/main" xmlns:r="http://schemas.openxmlformats.org/officeDocument/2006/relationships" xmlns:p="http://schemas.openxmlformats.org/presentationml/2006/main" showMasterSp="0" showMasterPhAnim="0">
+  <p:cSld>
+    <p:spTree>
+      <p:nvGrpSpPr>
+        <p:cNvPr id="1" name="Shape 208"/>
+        <p:cNvGrpSpPr/>
+        <p:nvPr/>
+      </p:nvGrpSpPr>
+      <p:grpSpPr>
+        <a:xfrm>
+          <a:off x="0" y="0"/>
+          <a:ext cx="0" cy="0"/>
+          <a:chOff x="0" y="0"/>
+          <a:chExt cx="0" cy="0"/>
+        </a:xfrm>
+      </p:grpSpPr>
+      <p:sp>
+        <p:nvSpPr>
+          <p:cNvPr id="209" name="Google Shape;209;p19:notes"/>
+          <p:cNvSpPr txBox="1">
+            <a:spLocks noGrp="1"/>
+          </p:cNvSpPr>
+          <p:nvPr>
+            <p:ph type="body" idx="1"/>
+          </p:nvPr>
+        </p:nvSpPr>
+        <p:spPr>
+          <a:xfrm>
+            <a:off x="685800" y="4343400"/>
+            <a:ext cx="5486400" cy="4114800"/>
+          </a:xfrm>
+          <a:prstGeom prst="rect">
+            <a:avLst/>
+          </a:prstGeom>
+        </p:spPr>
+        <p:txBody>
+          <a:bodyPr spcFirstLastPara="1" wrap="square" lIns="91425" tIns="91425" rIns="91425" bIns="91425" anchor="t" anchorCtr="0">
+            <a:noAutofit/>
+          </a:bodyPr>
+          <a:lstStyle/>
+          <a:p>
+            <a:pPr marL="0" lvl="0" indent="0" algn="l" rtl="0">
+              <a:spcBef>
+                <a:spcPts val="0"/>
+              </a:spcBef>
+              <a:spcAft>
+                <a:spcPts val="0"/>
+              </a:spcAft>
+              <a:buNone/>
+            </a:pPr>
+            <a:endParaRPr/>
+          </a:p>
+        </p:txBody>
+      </p:sp>
+      <p:sp>
+        <p:nvSpPr>
+          <p:cNvPr id="210" name="Google Shape;210;p19:notes"/>
+          <p:cNvSpPr>
+            <a:spLocks noGrp="1" noRot="1" noChangeAspect="1"/>
+          </p:cNvSpPr>
+          <p:nvPr>
+            <p:ph type="sldImg" idx="2"/>
+          </p:nvPr>
+        </p:nvSpPr>
+        <p:spPr>
+          <a:xfrm>
+            <a:off x="1143225" y="685800"/>
+            <a:ext cx="4572225" cy="3429000"/>
+          </a:xfrm>
+          <a:custGeom>
+            <a:avLst/>
+            <a:gdLst/>
+            <a:ahLst/>
+            <a:cxnLst/>
+            <a:rect l="l" t="t" r="r" b="b"/>
+            <a:pathLst>
+              <a:path w="120000" h="120000" extrusionOk="0">
+                <a:moveTo>
+                  <a:pt x="0" y="0"/>
+                </a:moveTo>
+                <a:lnTo>
+                  <a:pt x="120000" y="0"/>
+                </a:lnTo>
+                <a:lnTo>
+                  <a:pt x="120000" y="120000"/>
+                </a:lnTo>
+                <a:lnTo>
+                  <a:pt x="0" y="120000"/>
+                </a:lnTo>
+                <a:close/>
+              </a:path>
+            </a:pathLst>
+          </a:custGeom>
+        </p:spPr>
+      </p:sp>
+    </p:spTree>
+  </p:cSld>
+  <p:clrMapOvr>
+    <a:masterClrMapping/>
+  </p:clrMapOvr>
+</p:notes>
+</file>
+
+<file path=ppt/notesSlides/notesSlide18.xml><?xml version="1.0" encoding="utf-8"?>
+<p:notes xmlns:a="http://schemas.openxmlformats.org/drawingml/2006/main" xmlns:r="http://schemas.openxmlformats.org/officeDocument/2006/relationships" xmlns:p="http://schemas.openxmlformats.org/presentationml/2006/main" showMasterSp="0" showMasterPhAnim="0">
+  <p:cSld>
+    <p:spTree>
+      <p:nvGrpSpPr>
+        <p:cNvPr id="1" name="Shape 215"/>
+        <p:cNvGrpSpPr/>
+        <p:nvPr/>
+      </p:nvGrpSpPr>
+      <p:grpSpPr>
+        <a:xfrm>
+          <a:off x="0" y="0"/>
+          <a:ext cx="0" cy="0"/>
+          <a:chOff x="0" y="0"/>
+          <a:chExt cx="0" cy="0"/>
+        </a:xfrm>
+      </p:grpSpPr>
+      <p:sp>
+        <p:nvSpPr>
+          <p:cNvPr id="216" name="Google Shape;216;p20:notes"/>
+          <p:cNvSpPr txBox="1">
+            <a:spLocks noGrp="1"/>
+          </p:cNvSpPr>
+          <p:nvPr>
+            <p:ph type="body" idx="1"/>
+          </p:nvPr>
+        </p:nvSpPr>
+        <p:spPr>
+          <a:xfrm>
+            <a:off x="685800" y="4343400"/>
+            <a:ext cx="5486400" cy="4114800"/>
+          </a:xfrm>
+          <a:prstGeom prst="rect">
+            <a:avLst/>
+          </a:prstGeom>
+        </p:spPr>
+        <p:txBody>
+          <a:bodyPr spcFirstLastPara="1" wrap="square" lIns="91425" tIns="91425" rIns="91425" bIns="91425" anchor="t" anchorCtr="0">
+            <a:noAutofit/>
+          </a:bodyPr>
+          <a:lstStyle/>
+          <a:p>
+            <a:pPr marL="0" lvl="0" indent="0" algn="l" rtl="0">
+              <a:spcBef>
+                <a:spcPts val="0"/>
+              </a:spcBef>
+              <a:spcAft>
+                <a:spcPts val="0"/>
+              </a:spcAft>
+              <a:buNone/>
+            </a:pPr>
+            <a:endParaRPr/>
+          </a:p>
+        </p:txBody>
+      </p:sp>
+      <p:sp>
+        <p:nvSpPr>
+          <p:cNvPr id="217" name="Google Shape;217;p20:notes"/>
+          <p:cNvSpPr>
+            <a:spLocks noGrp="1" noRot="1" noChangeAspect="1"/>
+          </p:cNvSpPr>
+          <p:nvPr>
+            <p:ph type="sldImg" idx="2"/>
+          </p:nvPr>
+        </p:nvSpPr>
+        <p:spPr>
+          <a:xfrm>
+            <a:off x="1143000" y="685800"/>
+            <a:ext cx="4572000" cy="3429000"/>
+          </a:xfrm>
+          <a:custGeom>
+            <a:avLst/>
+            <a:gdLst/>
+            <a:ahLst/>
+            <a:cxnLst/>
+            <a:rect l="l" t="t" r="r" b="b"/>
+            <a:pathLst>
+              <a:path w="120000" h="120000" extrusionOk="0">
+                <a:moveTo>
+                  <a:pt x="0" y="0"/>
+                </a:moveTo>
+                <a:lnTo>
+                  <a:pt x="120000" y="0"/>
+                </a:lnTo>
+                <a:lnTo>
+                  <a:pt x="120000" y="120000"/>
+                </a:lnTo>
+                <a:lnTo>
+                  <a:pt x="0" y="120000"/>
+                </a:lnTo>
+                <a:close/>
+              </a:path>
+            </a:pathLst>
+          </a:custGeom>
+        </p:spPr>
+      </p:sp>
+    </p:spTree>
+  </p:cSld>
+  <p:clrMapOvr>
+    <a:masterClrMapping/>
+  </p:clrMapOvr>
+</p:notes>
+</file>
+
+<file path=ppt/notesSlides/notesSlide19.xml><?xml version="1.0" encoding="utf-8"?>
+<p:notes xmlns:a="http://schemas.openxmlformats.org/drawingml/2006/main" xmlns:r="http://schemas.openxmlformats.org/officeDocument/2006/relationships" xmlns:p="http://schemas.openxmlformats.org/presentationml/2006/main" showMasterSp="0" showMasterPhAnim="0">
+  <p:cSld>
+    <p:spTree>
+      <p:nvGrpSpPr>
+        <p:cNvPr id="1" name="Shape 222"/>
+        <p:cNvGrpSpPr/>
+        <p:nvPr/>
+      </p:nvGrpSpPr>
+      <p:grpSpPr>
+        <a:xfrm>
+          <a:off x="0" y="0"/>
+          <a:ext cx="0" cy="0"/>
+          <a:chOff x="0" y="0"/>
+          <a:chExt cx="0" cy="0"/>
+        </a:xfrm>
+      </p:grpSpPr>
+      <p:sp>
+        <p:nvSpPr>
+          <p:cNvPr id="223" name="Google Shape;223;p21:notes"/>
+          <p:cNvSpPr txBox="1">
+            <a:spLocks noGrp="1"/>
+          </p:cNvSpPr>
+          <p:nvPr>
+            <p:ph type="body" idx="1"/>
+          </p:nvPr>
+        </p:nvSpPr>
+        <p:spPr>
+          <a:xfrm>
+            <a:off x="685800" y="4343400"/>
+            <a:ext cx="5486400" cy="4114800"/>
+          </a:xfrm>
+          <a:prstGeom prst="rect">
+            <a:avLst/>
+          </a:prstGeom>
+        </p:spPr>
+        <p:txBody>
+          <a:bodyPr spcFirstLastPara="1" wrap="square" lIns="91425" tIns="91425" rIns="91425" bIns="91425" anchor="t" anchorCtr="0">
+            <a:noAutofit/>
+          </a:bodyPr>
+          <a:lstStyle/>
+          <a:p>
+            <a:pPr marL="0" lvl="0" indent="0" algn="l" rtl="0">
+              <a:spcBef>
+                <a:spcPts val="0"/>
+              </a:spcBef>
+              <a:spcAft>
+                <a:spcPts val="0"/>
+              </a:spcAft>
+              <a:buNone/>
+            </a:pPr>
+            <a:endParaRPr/>
+          </a:p>
+        </p:txBody>
+      </p:sp>
+      <p:sp>
+        <p:nvSpPr>
+          <p:cNvPr id="224" name="Google Shape;224;p21:notes"/>
+          <p:cNvSpPr>
+            <a:spLocks noGrp="1" noRot="1" noChangeAspect="1"/>
+          </p:cNvSpPr>
+          <p:nvPr>
+            <p:ph type="sldImg" idx="2"/>
+          </p:nvPr>
+        </p:nvSpPr>
+        <p:spPr>
+          <a:xfrm>
+            <a:off x="1143225" y="685800"/>
+            <a:ext cx="4572225" cy="3429000"/>
+          </a:xfrm>
+          <a:custGeom>
+            <a:avLst/>
+            <a:gdLst/>
+            <a:ahLst/>
+            <a:cxnLst/>
+            <a:rect l="l" t="t" r="r" b="b"/>
+            <a:pathLst>
+              <a:path w="120000" h="120000" extrusionOk="0">
+                <a:moveTo>
+                  <a:pt x="0" y="0"/>
+                </a:moveTo>
+                <a:lnTo>
+                  <a:pt x="120000" y="0"/>
+                </a:lnTo>
+                <a:lnTo>
+                  <a:pt x="120000" y="120000"/>
+                </a:lnTo>
+                <a:lnTo>
+                  <a:pt x="0" y="120000"/>
+                </a:lnTo>
+                <a:close/>
+              </a:path>
+            </a:pathLst>
+          </a:custGeom>
+        </p:spPr>
+      </p:sp>
+    </p:spTree>
+  </p:cSld>
+  <p:clrMapOvr>
+    <a:masterClrMapping/>
+  </p:clrMapOvr>
+</p:notes>
+</file>
+
+<file path=ppt/notesSlides/notesSlide2.xml><?xml version="1.0" encoding="utf-8"?>
+<p:notes xmlns:a="http://schemas.openxmlformats.org/drawingml/2006/main" xmlns:r="http://schemas.openxmlformats.org/officeDocument/2006/relationships" xmlns:p="http://schemas.openxmlformats.org/presentationml/2006/main" showMasterSp="0" showMasterPhAnim="0">
+  <p:cSld>
+    <p:spTree>
+      <p:nvGrpSpPr>
+        <p:cNvPr id="1" name="Shape 97"/>
+        <p:cNvGrpSpPr/>
+        <p:nvPr/>
+      </p:nvGrpSpPr>
+      <p:grpSpPr>
+        <a:xfrm>
+          <a:off x="0" y="0"/>
+          <a:ext cx="0" cy="0"/>
+          <a:chOff x="0" y="0"/>
+          <a:chExt cx="0" cy="0"/>
+        </a:xfrm>
+      </p:grpSpPr>
+      <p:sp>
+        <p:nvSpPr>
+          <p:cNvPr id="98" name="Google Shape;98;p3:notes"/>
+          <p:cNvSpPr txBox="1">
+            <a:spLocks noGrp="1"/>
+          </p:cNvSpPr>
+          <p:nvPr>
+            <p:ph type="body" idx="1"/>
+          </p:nvPr>
+        </p:nvSpPr>
+        <p:spPr>
+          <a:xfrm>
+            <a:off x="685800" y="4343400"/>
+            <a:ext cx="5486400" cy="4114800"/>
+          </a:xfrm>
+          <a:prstGeom prst="rect">
+            <a:avLst/>
+          </a:prstGeom>
+        </p:spPr>
+        <p:txBody>
+          <a:bodyPr spcFirstLastPara="1" wrap="square" lIns="91425" tIns="91425" rIns="91425" bIns="91425" anchor="t" anchorCtr="0">
+            <a:noAutofit/>
+          </a:bodyPr>
+          <a:lstStyle/>
+          <a:p>
+            <a:pPr marL="0" lvl="0" indent="0" algn="l" rtl="0">
+              <a:spcBef>
+                <a:spcPts val="0"/>
+              </a:spcBef>
+              <a:spcAft>
+                <a:spcPts val="0"/>
+              </a:spcAft>
+              <a:buNone/>
+            </a:pPr>
+            <a:endParaRPr/>
+          </a:p>
+        </p:txBody>
+      </p:sp>
+      <p:sp>
+        <p:nvSpPr>
+          <p:cNvPr id="99" name="Google Shape;99;p3:notes"/>
+          <p:cNvSpPr>
+            <a:spLocks noGrp="1" noRot="1" noChangeAspect="1"/>
+          </p:cNvSpPr>
+          <p:nvPr>
+            <p:ph type="sldImg" idx="2"/>
+          </p:nvPr>
+        </p:nvSpPr>
+        <p:spPr>
+          <a:xfrm>
+            <a:off x="1143225" y="685800"/>
+            <a:ext cx="4572225" cy="3429000"/>
+          </a:xfrm>
+          <a:custGeom>
+            <a:avLst/>
+            <a:gdLst/>
+            <a:ahLst/>
+            <a:cxnLst/>
+            <a:rect l="l" t="t" r="r" b="b"/>
+            <a:pathLst>
+              <a:path w="120000" h="120000" extrusionOk="0">
+                <a:moveTo>
+                  <a:pt x="0" y="0"/>
+                </a:moveTo>
+                <a:lnTo>
+                  <a:pt x="120000" y="0"/>
+                </a:lnTo>
+                <a:lnTo>
+                  <a:pt x="120000" y="120000"/>
+                </a:lnTo>
+                <a:lnTo>
+                  <a:pt x="0" y="120000"/>
+                </a:lnTo>
+                <a:close/>
+              </a:path>
+            </a:pathLst>
+          </a:custGeom>
+        </p:spPr>
+      </p:sp>
+    </p:spTree>
+  </p:cSld>
+  <p:clrMapOvr>
+    <a:masterClrMapping/>
+  </p:clrMapOvr>
+</p:notes>
+</file>
+
+<file path=ppt/notesSlides/notesSlide20.xml><?xml version="1.0" encoding="utf-8"?>
+<p:notes xmlns:a="http://schemas.openxmlformats.org/drawingml/2006/main" xmlns:r="http://schemas.openxmlformats.org/officeDocument/2006/relationships" xmlns:p="http://schemas.openxmlformats.org/presentationml/2006/main" showMasterSp="0" showMasterPhAnim="0">
+  <p:cSld>
+    <p:spTree>
+      <p:nvGrpSpPr>
+        <p:cNvPr id="1" name="Shape 229"/>
+        <p:cNvGrpSpPr/>
+        <p:nvPr/>
+      </p:nvGrpSpPr>
+      <p:grpSpPr>
+        <a:xfrm>
+          <a:off x="0" y="0"/>
+          <a:ext cx="0" cy="0"/>
+          <a:chOff x="0" y="0"/>
+          <a:chExt cx="0" cy="0"/>
+        </a:xfrm>
+      </p:grpSpPr>
+      <p:sp>
+        <p:nvSpPr>
+          <p:cNvPr id="230" name="Google Shape;230;p22:notes"/>
+          <p:cNvSpPr txBox="1">
+            <a:spLocks noGrp="1"/>
+          </p:cNvSpPr>
+          <p:nvPr>
+            <p:ph type="body" idx="1"/>
+          </p:nvPr>
+        </p:nvSpPr>
+        <p:spPr>
+          <a:xfrm>
+            <a:off x="685800" y="4343400"/>
+            <a:ext cx="5486400" cy="4114800"/>
+          </a:xfrm>
+          <a:prstGeom prst="rect">
+            <a:avLst/>
+          </a:prstGeom>
+        </p:spPr>
+        <p:txBody>
+          <a:bodyPr spcFirstLastPara="1" wrap="square" lIns="91425" tIns="91425" rIns="91425" bIns="91425" anchor="t" anchorCtr="0">
+            <a:noAutofit/>
+          </a:bodyPr>
+          <a:lstStyle/>
+          <a:p>
+            <a:pPr marL="0" lvl="0" indent="0" algn="l" rtl="0">
+              <a:spcBef>
+                <a:spcPts val="0"/>
+              </a:spcBef>
+              <a:spcAft>
+                <a:spcPts val="0"/>
+              </a:spcAft>
+              <a:buNone/>
+            </a:pPr>
+            <a:endParaRPr/>
+          </a:p>
+        </p:txBody>
+      </p:sp>
+      <p:sp>
+        <p:nvSpPr>
+          <p:cNvPr id="231" name="Google Shape;231;p22:notes"/>
+          <p:cNvSpPr>
+            <a:spLocks noGrp="1" noRot="1" noChangeAspect="1"/>
+          </p:cNvSpPr>
+          <p:nvPr>
+            <p:ph type="sldImg" idx="2"/>
+          </p:nvPr>
+        </p:nvSpPr>
+        <p:spPr>
+          <a:xfrm>
+            <a:off x="1143000" y="685800"/>
+            <a:ext cx="4572000" cy="3429000"/>
+          </a:xfrm>
+          <a:custGeom>
+            <a:avLst/>
+            <a:gdLst/>
+            <a:ahLst/>
+            <a:cxnLst/>
+            <a:rect l="l" t="t" r="r" b="b"/>
+            <a:pathLst>
+              <a:path w="120000" h="120000" extrusionOk="0">
+                <a:moveTo>
+                  <a:pt x="0" y="0"/>
+                </a:moveTo>
+                <a:lnTo>
+                  <a:pt x="120000" y="0"/>
+                </a:lnTo>
+                <a:lnTo>
+                  <a:pt x="120000" y="120000"/>
+                </a:lnTo>
+                <a:lnTo>
+                  <a:pt x="0" y="120000"/>
+                </a:lnTo>
+                <a:close/>
+              </a:path>
+            </a:pathLst>
+          </a:custGeom>
+        </p:spPr>
+      </p:sp>
+    </p:spTree>
+  </p:cSld>
+  <p:clrMapOvr>
+    <a:masterClrMapping/>
+  </p:clrMapOvr>
+</p:notes>
+</file>
+
+<file path=ppt/notesSlides/notesSlide21.xml><?xml version="1.0" encoding="utf-8"?>
+<p:notes xmlns:a="http://schemas.openxmlformats.org/drawingml/2006/main" xmlns:r="http://schemas.openxmlformats.org/officeDocument/2006/relationships" xmlns:p="http://schemas.openxmlformats.org/presentationml/2006/main" showMasterSp="0" showMasterPhAnim="0">
+  <p:cSld>
+    <p:spTree>
+      <p:nvGrpSpPr>
+        <p:cNvPr id="1" name="Shape 238"/>
+        <p:cNvGrpSpPr/>
+        <p:nvPr/>
+      </p:nvGrpSpPr>
+      <p:grpSpPr>
+        <a:xfrm>
+          <a:off x="0" y="0"/>
+          <a:ext cx="0" cy="0"/>
+          <a:chOff x="0" y="0"/>
+          <a:chExt cx="0" cy="0"/>
+        </a:xfrm>
+      </p:grpSpPr>
+      <p:sp>
+        <p:nvSpPr>
+          <p:cNvPr id="239" name="Google Shape;239;p23:notes"/>
+          <p:cNvSpPr txBox="1">
+            <a:spLocks noGrp="1"/>
+          </p:cNvSpPr>
+          <p:nvPr>
+            <p:ph type="body" idx="1"/>
+          </p:nvPr>
+        </p:nvSpPr>
+        <p:spPr>
+          <a:xfrm>
+            <a:off x="685800" y="4343400"/>
+            <a:ext cx="5486400" cy="4114800"/>
+          </a:xfrm>
+          <a:prstGeom prst="rect">
+            <a:avLst/>
+          </a:prstGeom>
+        </p:spPr>
+        <p:txBody>
+          <a:bodyPr spcFirstLastPara="1" wrap="square" lIns="91425" tIns="91425" rIns="91425" bIns="91425" anchor="t" anchorCtr="0">
+            <a:noAutofit/>
+          </a:bodyPr>
+          <a:lstStyle/>
+          <a:p>
+            <a:pPr marL="0" lvl="0" indent="0" algn="l" rtl="0">
+              <a:spcBef>
+                <a:spcPts val="0"/>
+              </a:spcBef>
+              <a:spcAft>
+                <a:spcPts val="0"/>
+              </a:spcAft>
+              <a:buNone/>
+            </a:pPr>
+            <a:endParaRPr/>
+          </a:p>
+        </p:txBody>
+      </p:sp>
+      <p:sp>
+        <p:nvSpPr>
+          <p:cNvPr id="240" name="Google Shape;240;p23:notes"/>
+          <p:cNvSpPr>
+            <a:spLocks noGrp="1" noRot="1" noChangeAspect="1"/>
+          </p:cNvSpPr>
+          <p:nvPr>
+            <p:ph type="sldImg" idx="2"/>
+          </p:nvPr>
+        </p:nvSpPr>
+        <p:spPr>
+          <a:xfrm>
+            <a:off x="1143225" y="685800"/>
+            <a:ext cx="4572225" cy="3429000"/>
+          </a:xfrm>
+          <a:custGeom>
+            <a:avLst/>
+            <a:gdLst/>
+            <a:ahLst/>
+            <a:cxnLst/>
+            <a:rect l="l" t="t" r="r" b="b"/>
+            <a:pathLst>
+              <a:path w="120000" h="120000" extrusionOk="0">
+                <a:moveTo>
+                  <a:pt x="0" y="0"/>
+                </a:moveTo>
+                <a:lnTo>
+                  <a:pt x="120000" y="0"/>
+                </a:lnTo>
+                <a:lnTo>
+                  <a:pt x="120000" y="120000"/>
+                </a:lnTo>
+                <a:lnTo>
+                  <a:pt x="0" y="120000"/>
+                </a:lnTo>
+                <a:close/>
+              </a:path>
+            </a:pathLst>
+          </a:custGeom>
+        </p:spPr>
+      </p:sp>
+    </p:spTree>
+  </p:cSld>
+  <p:clrMapOvr>
+    <a:masterClrMapping/>
+  </p:clrMapOvr>
+</p:notes>
+</file>
+
+<file path=ppt/notesSlides/notesSlide22.xml><?xml version="1.0" encoding="utf-8"?>
+<p:notes xmlns:a="http://schemas.openxmlformats.org/drawingml/2006/main" xmlns:r="http://schemas.openxmlformats.org/officeDocument/2006/relationships" xmlns:p="http://schemas.openxmlformats.org/presentationml/2006/main" showMasterSp="0" showMasterPhAnim="0">
+  <p:cSld>
+    <p:spTree>
+      <p:nvGrpSpPr>
+        <p:cNvPr id="1" name="Shape 245"/>
+        <p:cNvGrpSpPr/>
+        <p:nvPr/>
+      </p:nvGrpSpPr>
+      <p:grpSpPr>
+        <a:xfrm>
+          <a:off x="0" y="0"/>
+          <a:ext cx="0" cy="0"/>
+          <a:chOff x="0" y="0"/>
+          <a:chExt cx="0" cy="0"/>
+        </a:xfrm>
+      </p:grpSpPr>
+      <p:sp>
+        <p:nvSpPr>
+          <p:cNvPr id="246" name="Google Shape;246;p24:notes"/>
+          <p:cNvSpPr txBox="1">
+            <a:spLocks noGrp="1"/>
+          </p:cNvSpPr>
+          <p:nvPr>
+            <p:ph type="body" idx="1"/>
+          </p:nvPr>
+        </p:nvSpPr>
+        <p:spPr>
+          <a:xfrm>
+            <a:off x="685800" y="4343400"/>
+            <a:ext cx="5486400" cy="4114800"/>
+          </a:xfrm>
+          <a:prstGeom prst="rect">
+            <a:avLst/>
+          </a:prstGeom>
+        </p:spPr>
+        <p:txBody>
+          <a:bodyPr spcFirstLastPara="1" wrap="square" lIns="91425" tIns="91425" rIns="91425" bIns="91425" anchor="t" anchorCtr="0">
+            <a:noAutofit/>
+          </a:bodyPr>
+          <a:lstStyle/>
+          <a:p>
+            <a:pPr marL="0" lvl="0" indent="0" algn="l" rtl="0">
+              <a:spcBef>
+                <a:spcPts val="0"/>
+              </a:spcBef>
+              <a:spcAft>
+                <a:spcPts val="0"/>
+              </a:spcAft>
+              <a:buNone/>
+            </a:pPr>
+            <a:endParaRPr/>
+          </a:p>
+        </p:txBody>
+      </p:sp>
+      <p:sp>
+        <p:nvSpPr>
+          <p:cNvPr id="247" name="Google Shape;247;p24:notes"/>
+          <p:cNvSpPr>
+            <a:spLocks noGrp="1" noRot="1" noChangeAspect="1"/>
+          </p:cNvSpPr>
+          <p:nvPr>
+            <p:ph type="sldImg" idx="2"/>
+          </p:nvPr>
+        </p:nvSpPr>
+        <p:spPr>
+          <a:xfrm>
+            <a:off x="1143000" y="685800"/>
+            <a:ext cx="4572000" cy="3429000"/>
+          </a:xfrm>
+          <a:custGeom>
+            <a:avLst/>
+            <a:gdLst/>
+            <a:ahLst/>
+            <a:cxnLst/>
+            <a:rect l="l" t="t" r="r" b="b"/>
+            <a:pathLst>
+              <a:path w="120000" h="120000" extrusionOk="0">
+                <a:moveTo>
+                  <a:pt x="0" y="0"/>
+                </a:moveTo>
+                <a:lnTo>
+                  <a:pt x="120000" y="0"/>
+                </a:lnTo>
+                <a:lnTo>
+                  <a:pt x="120000" y="120000"/>
+                </a:lnTo>
+                <a:lnTo>
+                  <a:pt x="0" y="120000"/>
+                </a:lnTo>
+                <a:close/>
+              </a:path>
+            </a:pathLst>
+          </a:custGeom>
+        </p:spPr>
+      </p:sp>
+    </p:spTree>
+  </p:cSld>
+  <p:clrMapOvr>
+    <a:masterClrMapping/>
+  </p:clrMapOvr>
+</p:notes>
+</file>
+
+<file path=ppt/notesSlides/notesSlide23.xml><?xml version="1.0" encoding="utf-8"?>
+<p:notes xmlns:a="http://schemas.openxmlformats.org/drawingml/2006/main" xmlns:r="http://schemas.openxmlformats.org/officeDocument/2006/relationships" xmlns:p="http://schemas.openxmlformats.org/presentationml/2006/main" showMasterSp="0" showMasterPhAnim="0">
+  <p:cSld>
+    <p:spTree>
+      <p:nvGrpSpPr>
+        <p:cNvPr id="1" name="Shape 253"/>
+        <p:cNvGrpSpPr/>
+        <p:nvPr/>
+      </p:nvGrpSpPr>
+      <p:grpSpPr>
+        <a:xfrm>
+          <a:off x="0" y="0"/>
+          <a:ext cx="0" cy="0"/>
+          <a:chOff x="0" y="0"/>
+          <a:chExt cx="0" cy="0"/>
+        </a:xfrm>
+      </p:grpSpPr>
+      <p:sp>
+        <p:nvSpPr>
+          <p:cNvPr id="254" name="Google Shape;254;p25:notes"/>
+          <p:cNvSpPr txBox="1">
+            <a:spLocks noGrp="1"/>
+          </p:cNvSpPr>
+          <p:nvPr>
+            <p:ph type="body" idx="1"/>
+          </p:nvPr>
+        </p:nvSpPr>
+        <p:spPr>
+          <a:xfrm>
+            <a:off x="685800" y="4343400"/>
+            <a:ext cx="5486400" cy="4114800"/>
+          </a:xfrm>
+          <a:prstGeom prst="rect">
+            <a:avLst/>
+          </a:prstGeom>
+        </p:spPr>
+        <p:txBody>
+          <a:bodyPr spcFirstLastPara="1" wrap="square" lIns="91425" tIns="91425" rIns="91425" bIns="91425" anchor="t" anchorCtr="0">
+            <a:noAutofit/>
+          </a:bodyPr>
+          <a:lstStyle/>
+          <a:p>
+            <a:pPr marL="0" lvl="0" indent="0" algn="l" rtl="0">
+              <a:spcBef>
+                <a:spcPts val="0"/>
+              </a:spcBef>
+              <a:spcAft>
+                <a:spcPts val="0"/>
+              </a:spcAft>
+              <a:buNone/>
+            </a:pPr>
+            <a:endParaRPr/>
+          </a:p>
+        </p:txBody>
+      </p:sp>
+      <p:sp>
+        <p:nvSpPr>
+          <p:cNvPr id="255" name="Google Shape;255;p25:notes"/>
+          <p:cNvSpPr>
+            <a:spLocks noGrp="1" noRot="1" noChangeAspect="1"/>
+          </p:cNvSpPr>
+          <p:nvPr>
+            <p:ph type="sldImg" idx="2"/>
+          </p:nvPr>
+        </p:nvSpPr>
+        <p:spPr>
+          <a:xfrm>
+            <a:off x="1143000" y="685800"/>
+            <a:ext cx="4572000" cy="3429000"/>
+          </a:xfrm>
+          <a:custGeom>
+            <a:avLst/>
+            <a:gdLst/>
+            <a:ahLst/>
+            <a:cxnLst/>
+            <a:rect l="l" t="t" r="r" b="b"/>
+            <a:pathLst>
+              <a:path w="120000" h="120000" extrusionOk="0">
+                <a:moveTo>
+                  <a:pt x="0" y="0"/>
+                </a:moveTo>
+                <a:lnTo>
+                  <a:pt x="120000" y="0"/>
+                </a:lnTo>
+                <a:lnTo>
+                  <a:pt x="120000" y="120000"/>
+                </a:lnTo>
+                <a:lnTo>
+                  <a:pt x="0" y="120000"/>
+                </a:lnTo>
+                <a:close/>
+              </a:path>
+            </a:pathLst>
+          </a:custGeom>
+        </p:spPr>
+      </p:sp>
+    </p:spTree>
+  </p:cSld>
+  <p:clrMapOvr>
+    <a:masterClrMapping/>
+  </p:clrMapOvr>
+</p:notes>
+</file>
+
+<file path=ppt/notesSlides/notesSlide24.xml><?xml version="1.0" encoding="utf-8"?>
+<p:notes xmlns:a="http://schemas.openxmlformats.org/drawingml/2006/main" xmlns:r="http://schemas.openxmlformats.org/officeDocument/2006/relationships" xmlns:p="http://schemas.openxmlformats.org/presentationml/2006/main" showMasterSp="0" showMasterPhAnim="0">
+  <p:cSld>
+    <p:spTree>
+      <p:nvGrpSpPr>
+        <p:cNvPr id="1" name="Shape 259"/>
+        <p:cNvGrpSpPr/>
+        <p:nvPr/>
+      </p:nvGrpSpPr>
+      <p:grpSpPr>
+        <a:xfrm>
+          <a:off x="0" y="0"/>
+          <a:ext cx="0" cy="0"/>
+          <a:chOff x="0" y="0"/>
+          <a:chExt cx="0" cy="0"/>
+        </a:xfrm>
+      </p:grpSpPr>
+      <p:sp>
+        <p:nvSpPr>
+          <p:cNvPr id="260" name="Google Shape;260;p26:notes"/>
+          <p:cNvSpPr txBox="1">
+            <a:spLocks noGrp="1"/>
+          </p:cNvSpPr>
+          <p:nvPr>
+            <p:ph type="body" idx="1"/>
+          </p:nvPr>
+        </p:nvSpPr>
+        <p:spPr>
+          <a:xfrm>
+            <a:off x="685800" y="4343400"/>
+            <a:ext cx="5486400" cy="4114800"/>
+          </a:xfrm>
+          <a:prstGeom prst="rect">
+            <a:avLst/>
+          </a:prstGeom>
+        </p:spPr>
+        <p:txBody>
+          <a:bodyPr spcFirstLastPara="1" wrap="square" lIns="91425" tIns="91425" rIns="91425" bIns="91425" anchor="t" anchorCtr="0">
+            <a:noAutofit/>
+          </a:bodyPr>
+          <a:lstStyle/>
+          <a:p>
+            <a:pPr marL="0" lvl="0" indent="0" algn="l" rtl="0">
+              <a:spcBef>
+                <a:spcPts val="0"/>
+              </a:spcBef>
+              <a:spcAft>
+                <a:spcPts val="0"/>
+              </a:spcAft>
+              <a:buNone/>
+            </a:pPr>
+            <a:endParaRPr/>
+          </a:p>
+        </p:txBody>
+      </p:sp>
+      <p:sp>
+        <p:nvSpPr>
+          <p:cNvPr id="261" name="Google Shape;261;p26:notes"/>
+          <p:cNvSpPr>
+            <a:spLocks noGrp="1" noRot="1" noChangeAspect="1"/>
+          </p:cNvSpPr>
+          <p:nvPr>
+            <p:ph type="sldImg" idx="2"/>
+          </p:nvPr>
+        </p:nvSpPr>
+        <p:spPr>
+          <a:xfrm>
+            <a:off x="1143225" y="685800"/>
+            <a:ext cx="4572225" cy="3429000"/>
+          </a:xfrm>
+          <a:custGeom>
+            <a:avLst/>
+            <a:gdLst/>
+            <a:ahLst/>
+            <a:cxnLst/>
+            <a:rect l="l" t="t" r="r" b="b"/>
+            <a:pathLst>
+              <a:path w="120000" h="120000" extrusionOk="0">
+                <a:moveTo>
+                  <a:pt x="0" y="0"/>
+                </a:moveTo>
+                <a:lnTo>
+                  <a:pt x="120000" y="0"/>
+                </a:lnTo>
+                <a:lnTo>
+                  <a:pt x="120000" y="120000"/>
+                </a:lnTo>
+                <a:lnTo>
+                  <a:pt x="0" y="120000"/>
+                </a:lnTo>
+                <a:close/>
+              </a:path>
+            </a:pathLst>
+          </a:custGeom>
+        </p:spPr>
+      </p:sp>
+    </p:spTree>
+  </p:cSld>
+  <p:clrMapOvr>
+    <a:masterClrMapping/>
+  </p:clrMapOvr>
+</p:notes>
+</file>
+
+<file path=ppt/notesSlides/notesSlide25.xml><?xml version="1.0" encoding="utf-8"?>
+<p:notes xmlns:a="http://schemas.openxmlformats.org/drawingml/2006/main" xmlns:r="http://schemas.openxmlformats.org/officeDocument/2006/relationships" xmlns:p="http://schemas.openxmlformats.org/presentationml/2006/main" showMasterSp="0" showMasterPhAnim="0">
+  <p:cSld>
+    <p:spTree>
+      <p:nvGrpSpPr>
+        <p:cNvPr id="1" name="Shape 268"/>
+        <p:cNvGrpSpPr/>
+        <p:nvPr/>
+      </p:nvGrpSpPr>
+      <p:grpSpPr>
+        <a:xfrm>
+          <a:off x="0" y="0"/>
+          <a:ext cx="0" cy="0"/>
+          <a:chOff x="0" y="0"/>
+          <a:chExt cx="0" cy="0"/>
+        </a:xfrm>
+      </p:grpSpPr>
+      <p:sp>
+        <p:nvSpPr>
+          <p:cNvPr id="269" name="Google Shape;269;p27:notes"/>
+          <p:cNvSpPr txBox="1">
+            <a:spLocks noGrp="1"/>
+          </p:cNvSpPr>
+          <p:nvPr>
+            <p:ph type="body" idx="1"/>
+          </p:nvPr>
+        </p:nvSpPr>
+        <p:spPr>
+          <a:xfrm>
+            <a:off x="685800" y="4343400"/>
+            <a:ext cx="5486400" cy="4114800"/>
+          </a:xfrm>
+          <a:prstGeom prst="rect">
+            <a:avLst/>
+          </a:prstGeom>
+        </p:spPr>
+        <p:txBody>
+          <a:bodyPr spcFirstLastPara="1" wrap="square" lIns="91425" tIns="91425" rIns="91425" bIns="91425" anchor="t" anchorCtr="0">
+            <a:noAutofit/>
+          </a:bodyPr>
+          <a:lstStyle/>
+          <a:p>
+            <a:pPr marL="0" lvl="0" indent="0" algn="l" rtl="0">
+              <a:spcBef>
+                <a:spcPts val="0"/>
+              </a:spcBef>
+              <a:spcAft>
+                <a:spcPts val="0"/>
+              </a:spcAft>
+              <a:buNone/>
+            </a:pPr>
+            <a:endParaRPr/>
+          </a:p>
+        </p:txBody>
+      </p:sp>
+      <p:sp>
+        <p:nvSpPr>
+          <p:cNvPr id="270" name="Google Shape;270;p27:notes"/>
+          <p:cNvSpPr>
+            <a:spLocks noGrp="1" noRot="1" noChangeAspect="1"/>
+          </p:cNvSpPr>
+          <p:nvPr>
+            <p:ph type="sldImg" idx="2"/>
+          </p:nvPr>
+        </p:nvSpPr>
+        <p:spPr>
+          <a:xfrm>
+            <a:off x="1143225" y="685800"/>
+            <a:ext cx="4572225" cy="3429000"/>
+          </a:xfrm>
+          <a:custGeom>
+            <a:avLst/>
+            <a:gdLst/>
+            <a:ahLst/>
+            <a:cxnLst/>
+            <a:rect l="l" t="t" r="r" b="b"/>
+            <a:pathLst>
+              <a:path w="120000" h="120000" extrusionOk="0">
+                <a:moveTo>
+                  <a:pt x="0" y="0"/>
+                </a:moveTo>
+                <a:lnTo>
+                  <a:pt x="120000" y="0"/>
+                </a:lnTo>
+                <a:lnTo>
+                  <a:pt x="120000" y="120000"/>
+                </a:lnTo>
+                <a:lnTo>
+                  <a:pt x="0" y="120000"/>
+                </a:lnTo>
+                <a:close/>
+              </a:path>
+            </a:pathLst>
+          </a:custGeom>
+        </p:spPr>
+      </p:sp>
+    </p:spTree>
+  </p:cSld>
+  <p:clrMapOvr>
+    <a:masterClrMapping/>
+  </p:clrMapOvr>
+</p:notes>
+</file>
+
+<file path=ppt/notesSlides/notesSlide26.xml><?xml version="1.0" encoding="utf-8"?>
+<p:notes xmlns:a="http://schemas.openxmlformats.org/drawingml/2006/main" xmlns:r="http://schemas.openxmlformats.org/officeDocument/2006/relationships" xmlns:p="http://schemas.openxmlformats.org/presentationml/2006/main" showMasterSp="0" showMasterPhAnim="0">
+  <p:cSld>
+    <p:spTree>
+      <p:nvGrpSpPr>
+        <p:cNvPr id="1" name="Shape 276"/>
+        <p:cNvGrpSpPr/>
+        <p:nvPr/>
+      </p:nvGrpSpPr>
+      <p:grpSpPr>
+        <a:xfrm>
+          <a:off x="0" y="0"/>
+          <a:ext cx="0" cy="0"/>
+          <a:chOff x="0" y="0"/>
+          <a:chExt cx="0" cy="0"/>
+        </a:xfrm>
+      </p:grpSpPr>
+      <p:sp>
+        <p:nvSpPr>
+          <p:cNvPr id="277" name="Google Shape;277;p28:notes"/>
+          <p:cNvSpPr txBox="1">
+            <a:spLocks noGrp="1"/>
+          </p:cNvSpPr>
+          <p:nvPr>
+            <p:ph type="body" idx="1"/>
+          </p:nvPr>
+        </p:nvSpPr>
+        <p:spPr>
+          <a:xfrm>
+            <a:off x="685800" y="4343400"/>
+            <a:ext cx="5486400" cy="4114800"/>
+          </a:xfrm>
+          <a:prstGeom prst="rect">
+            <a:avLst/>
+          </a:prstGeom>
+        </p:spPr>
+        <p:txBody>
+          <a:bodyPr spcFirstLastPara="1" wrap="square" lIns="91425" tIns="91425" rIns="91425" bIns="91425" anchor="t" anchorCtr="0">
+            <a:noAutofit/>
+          </a:bodyPr>
+          <a:lstStyle/>
+          <a:p>
+            <a:pPr marL="0" lvl="0" indent="0" algn="l" rtl="0">
+              <a:spcBef>
+                <a:spcPts val="0"/>
+              </a:spcBef>
+              <a:spcAft>
+                <a:spcPts val="0"/>
+              </a:spcAft>
+              <a:buNone/>
+            </a:pPr>
+            <a:endParaRPr/>
+          </a:p>
+        </p:txBody>
+      </p:sp>
+      <p:sp>
+        <p:nvSpPr>
+          <p:cNvPr id="278" name="Google Shape;278;p28:notes"/>
+          <p:cNvSpPr>
+            <a:spLocks noGrp="1" noRot="1" noChangeAspect="1"/>
+          </p:cNvSpPr>
+          <p:nvPr>
+            <p:ph type="sldImg" idx="2"/>
+          </p:nvPr>
+        </p:nvSpPr>
+        <p:spPr>
+          <a:xfrm>
+            <a:off x="1143225" y="685800"/>
+            <a:ext cx="4572225" cy="3429000"/>
+          </a:xfrm>
+          <a:custGeom>
+            <a:avLst/>
+            <a:gdLst/>
+            <a:ahLst/>
+            <a:cxnLst/>
+            <a:rect l="l" t="t" r="r" b="b"/>
+            <a:pathLst>
+              <a:path w="120000" h="120000" extrusionOk="0">
+                <a:moveTo>
+                  <a:pt x="0" y="0"/>
+                </a:moveTo>
+                <a:lnTo>
+                  <a:pt x="120000" y="0"/>
+                </a:lnTo>
+                <a:lnTo>
+                  <a:pt x="120000" y="120000"/>
+                </a:lnTo>
+                <a:lnTo>
+                  <a:pt x="0" y="120000"/>
+                </a:lnTo>
+                <a:close/>
+              </a:path>
+            </a:pathLst>
+          </a:custGeom>
+        </p:spPr>
+      </p:sp>
+    </p:spTree>
+  </p:cSld>
+  <p:clrMapOvr>
+    <a:masterClrMapping/>
+  </p:clrMapOvr>
+</p:notes>
+</file>
+
+<file path=ppt/notesSlides/notesSlide27.xml><?xml version="1.0" encoding="utf-8"?>
+<p:notes xmlns:a="http://schemas.openxmlformats.org/drawingml/2006/main" xmlns:r="http://schemas.openxmlformats.org/officeDocument/2006/relationships" xmlns:p="http://schemas.openxmlformats.org/presentationml/2006/main" showMasterSp="0" showMasterPhAnim="0">
+  <p:cSld>
+    <p:spTree>
+      <p:nvGrpSpPr>
+        <p:cNvPr id="1" name="Shape 284"/>
+        <p:cNvGrpSpPr/>
+        <p:nvPr/>
+      </p:nvGrpSpPr>
+      <p:grpSpPr>
+        <a:xfrm>
+          <a:off x="0" y="0"/>
+          <a:ext cx="0" cy="0"/>
+          <a:chOff x="0" y="0"/>
+          <a:chExt cx="0" cy="0"/>
+        </a:xfrm>
+      </p:grpSpPr>
+      <p:sp>
+        <p:nvSpPr>
+          <p:cNvPr id="285" name="Google Shape;285;p29:notes"/>
+          <p:cNvSpPr txBox="1">
+            <a:spLocks noGrp="1"/>
+          </p:cNvSpPr>
+          <p:nvPr>
+            <p:ph type="body" idx="1"/>
+          </p:nvPr>
+        </p:nvSpPr>
+        <p:spPr>
+          <a:xfrm>
+            <a:off x="685800" y="4343400"/>
+            <a:ext cx="5486400" cy="4114800"/>
+          </a:xfrm>
+          <a:prstGeom prst="rect">
+            <a:avLst/>
+          </a:prstGeom>
+        </p:spPr>
+        <p:txBody>
+          <a:bodyPr spcFirstLastPara="1" wrap="square" lIns="91425" tIns="91425" rIns="91425" bIns="91425" anchor="t" anchorCtr="0">
+            <a:noAutofit/>
+          </a:bodyPr>
+          <a:lstStyle/>
+          <a:p>
+            <a:pPr marL="0" lvl="0" indent="0" algn="l" rtl="0">
+              <a:spcBef>
+                <a:spcPts val="0"/>
+              </a:spcBef>
+              <a:spcAft>
+                <a:spcPts val="0"/>
+              </a:spcAft>
+              <a:buNone/>
+            </a:pPr>
+            <a:endParaRPr/>
+          </a:p>
+        </p:txBody>
+      </p:sp>
+      <p:sp>
+        <p:nvSpPr>
+          <p:cNvPr id="286" name="Google Shape;286;p29:notes"/>
+          <p:cNvSpPr>
+            <a:spLocks noGrp="1" noRot="1" noChangeAspect="1"/>
+          </p:cNvSpPr>
+          <p:nvPr>
+            <p:ph type="sldImg" idx="2"/>
+          </p:nvPr>
+        </p:nvSpPr>
+        <p:spPr>
+          <a:xfrm>
+            <a:off x="1143000" y="685800"/>
+            <a:ext cx="4572000" cy="3429000"/>
+          </a:xfrm>
+          <a:custGeom>
+            <a:avLst/>
+            <a:gdLst/>
+            <a:ahLst/>
+            <a:cxnLst/>
+            <a:rect l="l" t="t" r="r" b="b"/>
+            <a:pathLst>
+              <a:path w="120000" h="120000" extrusionOk="0">
+                <a:moveTo>
+                  <a:pt x="0" y="0"/>
+                </a:moveTo>
+                <a:lnTo>
+                  <a:pt x="120000" y="0"/>
+                </a:lnTo>
+                <a:lnTo>
+                  <a:pt x="120000" y="120000"/>
+                </a:lnTo>
+                <a:lnTo>
+                  <a:pt x="0" y="120000"/>
+                </a:lnTo>
+                <a:close/>
+              </a:path>
+            </a:pathLst>
+          </a:custGeom>
+        </p:spPr>
+      </p:sp>
+    </p:spTree>
+  </p:cSld>
+  <p:clrMapOvr>
+    <a:masterClrMapping/>
+  </p:clrMapOvr>
+</p:notes>
+</file>
+
+<file path=ppt/notesSlides/notesSlide28.xml><?xml version="1.0" encoding="utf-8"?>
+<p:notes xmlns:a="http://schemas.openxmlformats.org/drawingml/2006/main" xmlns:r="http://schemas.openxmlformats.org/officeDocument/2006/relationships" xmlns:p="http://schemas.openxmlformats.org/presentationml/2006/main" showMasterSp="0" showMasterPhAnim="0">
+  <p:cSld>
+    <p:spTree>
+      <p:nvGrpSpPr>
+        <p:cNvPr id="1" name="Shape 291"/>
+        <p:cNvGrpSpPr/>
+        <p:nvPr/>
+      </p:nvGrpSpPr>
+      <p:grpSpPr>
+        <a:xfrm>
+          <a:off x="0" y="0"/>
+          <a:ext cx="0" cy="0"/>
+          <a:chOff x="0" y="0"/>
+          <a:chExt cx="0" cy="0"/>
+        </a:xfrm>
+      </p:grpSpPr>
+      <p:sp>
+        <p:nvSpPr>
+          <p:cNvPr id="292" name="Google Shape;292;p30:notes"/>
+          <p:cNvSpPr txBox="1">
+            <a:spLocks noGrp="1"/>
+          </p:cNvSpPr>
+          <p:nvPr>
+            <p:ph type="body" idx="1"/>
+          </p:nvPr>
+        </p:nvSpPr>
+        <p:spPr>
+          <a:xfrm>
+            <a:off x="685800" y="4343400"/>
+            <a:ext cx="5486400" cy="4114800"/>
+          </a:xfrm>
+          <a:prstGeom prst="rect">
+            <a:avLst/>
+          </a:prstGeom>
+        </p:spPr>
+        <p:txBody>
+          <a:bodyPr spcFirstLastPara="1" wrap="square" lIns="91425" tIns="91425" rIns="91425" bIns="91425" anchor="t" anchorCtr="0">
+            <a:noAutofit/>
+          </a:bodyPr>
+          <a:lstStyle/>
+          <a:p>
+            <a:pPr marL="0" lvl="0" indent="0" algn="l" rtl="0">
+              <a:spcBef>
+                <a:spcPts val="0"/>
+              </a:spcBef>
+              <a:spcAft>
+                <a:spcPts val="0"/>
+              </a:spcAft>
+              <a:buNone/>
+            </a:pPr>
+            <a:endParaRPr/>
+          </a:p>
+        </p:txBody>
+      </p:sp>
+      <p:sp>
+        <p:nvSpPr>
+          <p:cNvPr id="293" name="Google Shape;293;p30:notes"/>
+          <p:cNvSpPr>
+            <a:spLocks noGrp="1" noRot="1" noChangeAspect="1"/>
+          </p:cNvSpPr>
+          <p:nvPr>
+            <p:ph type="sldImg" idx="2"/>
+          </p:nvPr>
+        </p:nvSpPr>
+        <p:spPr>
+          <a:xfrm>
+            <a:off x="1143000" y="685800"/>
+            <a:ext cx="4572000" cy="3429000"/>
+          </a:xfrm>
+          <a:custGeom>
+            <a:avLst/>
+            <a:gdLst/>
+            <a:ahLst/>
+            <a:cxnLst/>
+            <a:rect l="l" t="t" r="r" b="b"/>
+            <a:pathLst>
+              <a:path w="120000" h="120000" extrusionOk="0">
+                <a:moveTo>
+                  <a:pt x="0" y="0"/>
+                </a:moveTo>
+                <a:lnTo>
+                  <a:pt x="120000" y="0"/>
+                </a:lnTo>
+                <a:lnTo>
+                  <a:pt x="120000" y="120000"/>
+                </a:lnTo>
+                <a:lnTo>
+                  <a:pt x="0" y="120000"/>
+                </a:lnTo>
+                <a:close/>
+              </a:path>
+            </a:pathLst>
+          </a:custGeom>
+        </p:spPr>
+      </p:sp>
+    </p:spTree>
+  </p:cSld>
+  <p:clrMapOvr>
+    <a:masterClrMapping/>
+  </p:clrMapOvr>
+</p:notes>
+</file>
+
+<file path=ppt/notesSlides/notesSlide29.xml><?xml version="1.0" encoding="utf-8"?>
+<p:notes xmlns:a="http://schemas.openxmlformats.org/drawingml/2006/main" xmlns:r="http://schemas.openxmlformats.org/officeDocument/2006/relationships" xmlns:p="http://schemas.openxmlformats.org/presentationml/2006/main" showMasterSp="0" showMasterPhAnim="0">
+  <p:cSld>
+    <p:spTree>
+      <p:nvGrpSpPr>
+        <p:cNvPr id="1" name="Shape 299"/>
+        <p:cNvGrpSpPr/>
+        <p:nvPr/>
+      </p:nvGrpSpPr>
+      <p:grpSpPr>
+        <a:xfrm>
+          <a:off x="0" y="0"/>
+          <a:ext cx="0" cy="0"/>
+          <a:chOff x="0" y="0"/>
+          <a:chExt cx="0" cy="0"/>
+        </a:xfrm>
+      </p:grpSpPr>
+      <p:sp>
+        <p:nvSpPr>
+          <p:cNvPr id="300" name="Google Shape;300;p31:notes"/>
+          <p:cNvSpPr txBox="1">
+            <a:spLocks noGrp="1"/>
+          </p:cNvSpPr>
+          <p:nvPr>
+            <p:ph type="body" idx="1"/>
+          </p:nvPr>
+        </p:nvSpPr>
+        <p:spPr>
+          <a:xfrm>
+            <a:off x="685800" y="4343400"/>
+            <a:ext cx="5486400" cy="4114800"/>
+          </a:xfrm>
+          <a:prstGeom prst="rect">
+            <a:avLst/>
+          </a:prstGeom>
+        </p:spPr>
+        <p:txBody>
+          <a:bodyPr spcFirstLastPara="1" wrap="square" lIns="91425" tIns="91425" rIns="91425" bIns="91425" anchor="t" anchorCtr="0">
+            <a:noAutofit/>
+          </a:bodyPr>
+          <a:lstStyle/>
+          <a:p>
+            <a:pPr marL="0" lvl="0" indent="0" algn="l" rtl="0">
+              <a:spcBef>
+                <a:spcPts val="0"/>
+              </a:spcBef>
+              <a:spcAft>
+                <a:spcPts val="0"/>
+              </a:spcAft>
+              <a:buNone/>
+            </a:pPr>
+            <a:endParaRPr/>
+          </a:p>
+        </p:txBody>
+      </p:sp>
+      <p:sp>
+        <p:nvSpPr>
+          <p:cNvPr id="301" name="Google Shape;301;p31:notes"/>
+          <p:cNvSpPr>
+            <a:spLocks noGrp="1" noRot="1" noChangeAspect="1"/>
+          </p:cNvSpPr>
+          <p:nvPr>
+            <p:ph type="sldImg" idx="2"/>
+          </p:nvPr>
+        </p:nvSpPr>
+        <p:spPr>
+          <a:xfrm>
+            <a:off x="1143225" y="685800"/>
+            <a:ext cx="4572225" cy="3429000"/>
+          </a:xfrm>
+          <a:custGeom>
+            <a:avLst/>
+            <a:gdLst/>
+            <a:ahLst/>
+            <a:cxnLst/>
+            <a:rect l="l" t="t" r="r" b="b"/>
+            <a:pathLst>
+              <a:path w="120000" h="120000" extrusionOk="0">
+                <a:moveTo>
+                  <a:pt x="0" y="0"/>
+                </a:moveTo>
+                <a:lnTo>
+                  <a:pt x="120000" y="0"/>
+                </a:lnTo>
+                <a:lnTo>
+                  <a:pt x="120000" y="120000"/>
+                </a:lnTo>
+                <a:lnTo>
+                  <a:pt x="0" y="120000"/>
+                </a:lnTo>
+                <a:close/>
+              </a:path>
+            </a:pathLst>
+          </a:custGeom>
+        </p:spPr>
+      </p:sp>
+    </p:spTree>
+  </p:cSld>
+  <p:clrMapOvr>
+    <a:masterClrMapping/>
+  </p:clrMapOvr>
+</p:notes>
+</file>
+
+<file path=ppt/notesSlides/notesSlide3.xml><?xml version="1.0" encoding="utf-8"?>
+<p:notes xmlns:a="http://schemas.openxmlformats.org/drawingml/2006/main" xmlns:r="http://schemas.openxmlformats.org/officeDocument/2006/relationships" xmlns:p="http://schemas.openxmlformats.org/presentationml/2006/main" showMasterSp="0" showMasterPhAnim="0">
+  <p:cSld>
+    <p:spTree>
+      <p:nvGrpSpPr>
+        <p:cNvPr id="1" name="Shape 109"/>
+        <p:cNvGrpSpPr/>
+        <p:nvPr/>
+      </p:nvGrpSpPr>
+      <p:grpSpPr>
+        <a:xfrm>
+          <a:off x="0" y="0"/>
+          <a:ext cx="0" cy="0"/>
+          <a:chOff x="0" y="0"/>
+          <a:chExt cx="0" cy="0"/>
+        </a:xfrm>
+      </p:grpSpPr>
+      <p:sp>
+        <p:nvSpPr>
+          <p:cNvPr id="110" name="Google Shape;110;p5:notes"/>
+          <p:cNvSpPr txBox="1">
+            <a:spLocks noGrp="1"/>
+          </p:cNvSpPr>
+          <p:nvPr>
+            <p:ph type="body" idx="1"/>
+          </p:nvPr>
+        </p:nvSpPr>
+        <p:spPr>
+          <a:xfrm>
+            <a:off x="685800" y="4343400"/>
+            <a:ext cx="5486400" cy="4114800"/>
+          </a:xfrm>
+          <a:prstGeom prst="rect">
+            <a:avLst/>
+          </a:prstGeom>
+        </p:spPr>
+        <p:txBody>
+          <a:bodyPr spcFirstLastPara="1" wrap="square" lIns="91425" tIns="91425" rIns="91425" bIns="91425" anchor="t" anchorCtr="0">
+            <a:noAutofit/>
+          </a:bodyPr>
+          <a:lstStyle/>
+          <a:p>
+            <a:pPr marL="0" lvl="0" indent="0" algn="l" rtl="0">
+              <a:spcBef>
+                <a:spcPts val="0"/>
+              </a:spcBef>
+              <a:spcAft>
+                <a:spcPts val="0"/>
+              </a:spcAft>
+              <a:buNone/>
+            </a:pPr>
+            <a:endParaRPr/>
+          </a:p>
+        </p:txBody>
+      </p:sp>
+      <p:sp>
+        <p:nvSpPr>
+          <p:cNvPr id="111" name="Google Shape;111;p5:notes"/>
+          <p:cNvSpPr>
+            <a:spLocks noGrp="1" noRot="1" noChangeAspect="1"/>
+          </p:cNvSpPr>
+          <p:nvPr>
+            <p:ph type="sldImg" idx="2"/>
+          </p:nvPr>
+        </p:nvSpPr>
+        <p:spPr>
+          <a:xfrm>
+            <a:off x="1143000" y="685800"/>
+            <a:ext cx="4572000" cy="3429000"/>
+          </a:xfrm>
+          <a:custGeom>
+            <a:avLst/>
+            <a:gdLst/>
+            <a:ahLst/>
+            <a:cxnLst/>
+            <a:rect l="l" t="t" r="r" b="b"/>
+            <a:pathLst>
+              <a:path w="120000" h="120000" extrusionOk="0">
+                <a:moveTo>
+                  <a:pt x="0" y="0"/>
+                </a:moveTo>
+                <a:lnTo>
+                  <a:pt x="120000" y="0"/>
+                </a:lnTo>
+                <a:lnTo>
+                  <a:pt x="120000" y="120000"/>
+                </a:lnTo>
+                <a:lnTo>
+                  <a:pt x="0" y="120000"/>
+                </a:lnTo>
+                <a:close/>
+              </a:path>
+            </a:pathLst>
+          </a:custGeom>
+        </p:spPr>
+      </p:sp>
+    </p:spTree>
+  </p:cSld>
+  <p:clrMapOvr>
+    <a:masterClrMapping/>
+  </p:clrMapOvr>
+</p:notes>
+</file>
+
+<file path=ppt/notesSlides/notesSlide30.xml><?xml version="1.0" encoding="utf-8"?>
+<p:notes xmlns:a="http://schemas.openxmlformats.org/drawingml/2006/main" xmlns:r="http://schemas.openxmlformats.org/officeDocument/2006/relationships" xmlns:p="http://schemas.openxmlformats.org/presentationml/2006/main" showMasterSp="0" showMasterPhAnim="0">
+  <p:cSld>
+    <p:spTree>
+      <p:nvGrpSpPr>
+        <p:cNvPr id="1" name="Shape 306"/>
+        <p:cNvGrpSpPr/>
+        <p:nvPr/>
+      </p:nvGrpSpPr>
+      <p:grpSpPr>
+        <a:xfrm>
+          <a:off x="0" y="0"/>
+          <a:ext cx="0" cy="0"/>
+          <a:chOff x="0" y="0"/>
+          <a:chExt cx="0" cy="0"/>
+        </a:xfrm>
+      </p:grpSpPr>
+      <p:sp>
+        <p:nvSpPr>
+          <p:cNvPr id="307" name="Google Shape;307;p32:notes"/>
+          <p:cNvSpPr txBox="1">
+            <a:spLocks noGrp="1"/>
+          </p:cNvSpPr>
+          <p:nvPr>
+            <p:ph type="body" idx="1"/>
+          </p:nvPr>
+        </p:nvSpPr>
+        <p:spPr>
+          <a:xfrm>
+            <a:off x="685800" y="4343400"/>
+            <a:ext cx="5486400" cy="4114800"/>
+          </a:xfrm>
+          <a:prstGeom prst="rect">
+            <a:avLst/>
+          </a:prstGeom>
+        </p:spPr>
+        <p:txBody>
+          <a:bodyPr spcFirstLastPara="1" wrap="square" lIns="91425" tIns="91425" rIns="91425" bIns="91425" anchor="t" anchorCtr="0">
+            <a:noAutofit/>
+          </a:bodyPr>
+          <a:lstStyle/>
+          <a:p>
+            <a:pPr marL="0" lvl="0" indent="0" algn="l" rtl="0">
+              <a:spcBef>
+                <a:spcPts val="0"/>
+              </a:spcBef>
+              <a:spcAft>
+                <a:spcPts val="0"/>
+              </a:spcAft>
+              <a:buNone/>
+            </a:pPr>
+            <a:endParaRPr/>
+          </a:p>
+        </p:txBody>
+      </p:sp>
+      <p:sp>
+        <p:nvSpPr>
+          <p:cNvPr id="308" name="Google Shape;308;p32:notes"/>
+          <p:cNvSpPr>
+            <a:spLocks noGrp="1" noRot="1" noChangeAspect="1"/>
+          </p:cNvSpPr>
+          <p:nvPr>
+            <p:ph type="sldImg" idx="2"/>
+          </p:nvPr>
+        </p:nvSpPr>
+        <p:spPr>
+          <a:xfrm>
+            <a:off x="1143225" y="685800"/>
+            <a:ext cx="4572225" cy="3429000"/>
+          </a:xfrm>
+          <a:custGeom>
+            <a:avLst/>
+            <a:gdLst/>
+            <a:ahLst/>
+            <a:cxnLst/>
+            <a:rect l="l" t="t" r="r" b="b"/>
+            <a:pathLst>
+              <a:path w="120000" h="120000" extrusionOk="0">
+                <a:moveTo>
+                  <a:pt x="0" y="0"/>
+                </a:moveTo>
+                <a:lnTo>
+                  <a:pt x="120000" y="0"/>
+                </a:lnTo>
+                <a:lnTo>
+                  <a:pt x="120000" y="120000"/>
+                </a:lnTo>
+                <a:lnTo>
+                  <a:pt x="0" y="120000"/>
+                </a:lnTo>
+                <a:close/>
+              </a:path>
+            </a:pathLst>
+          </a:custGeom>
+        </p:spPr>
+      </p:sp>
+    </p:spTree>
+  </p:cSld>
+  <p:clrMapOvr>
+    <a:masterClrMapping/>
+  </p:clrMapOvr>
+</p:notes>
+</file>
+
+<file path=ppt/notesSlides/notesSlide31.xml><?xml version="1.0" encoding="utf-8"?>
+<p:notes xmlns:a="http://schemas.openxmlformats.org/drawingml/2006/main" xmlns:r="http://schemas.openxmlformats.org/officeDocument/2006/relationships" xmlns:p="http://schemas.openxmlformats.org/presentationml/2006/main" showMasterSp="0" showMasterPhAnim="0">
+  <p:cSld>
+    <p:spTree>
+      <p:nvGrpSpPr>
+        <p:cNvPr id="1" name="Shape 313"/>
+        <p:cNvGrpSpPr/>
+        <p:nvPr/>
+      </p:nvGrpSpPr>
+      <p:grpSpPr>
+        <a:xfrm>
+          <a:off x="0" y="0"/>
+          <a:ext cx="0" cy="0"/>
+          <a:chOff x="0" y="0"/>
+          <a:chExt cx="0" cy="0"/>
+        </a:xfrm>
+      </p:grpSpPr>
+      <p:sp>
+        <p:nvSpPr>
+          <p:cNvPr id="314" name="Google Shape;314;p33:notes"/>
+          <p:cNvSpPr txBox="1">
+            <a:spLocks noGrp="1"/>
+          </p:cNvSpPr>
+          <p:nvPr>
+            <p:ph type="body" idx="1"/>
+          </p:nvPr>
+        </p:nvSpPr>
+        <p:spPr>
+          <a:xfrm>
+            <a:off x="685800" y="4343400"/>
+            <a:ext cx="5486400" cy="4114800"/>
+          </a:xfrm>
+          <a:prstGeom prst="rect">
+            <a:avLst/>
+          </a:prstGeom>
+        </p:spPr>
+        <p:txBody>
+          <a:bodyPr spcFirstLastPara="1" wrap="square" lIns="91425" tIns="91425" rIns="91425" bIns="91425" anchor="t" anchorCtr="0">
+            <a:noAutofit/>
+          </a:bodyPr>
+          <a:lstStyle/>
+          <a:p>
+            <a:pPr marL="0" lvl="0" indent="0" algn="l" rtl="0">
+              <a:spcBef>
+                <a:spcPts val="0"/>
+              </a:spcBef>
+              <a:spcAft>
+                <a:spcPts val="0"/>
+              </a:spcAft>
+              <a:buNone/>
+            </a:pPr>
+            <a:endParaRPr/>
+          </a:p>
+        </p:txBody>
+      </p:sp>
+      <p:sp>
+        <p:nvSpPr>
+          <p:cNvPr id="315" name="Google Shape;315;p33:notes"/>
+          <p:cNvSpPr>
+            <a:spLocks noGrp="1" noRot="1" noChangeAspect="1"/>
+          </p:cNvSpPr>
+          <p:nvPr>
+            <p:ph type="sldImg" idx="2"/>
+          </p:nvPr>
+        </p:nvSpPr>
+        <p:spPr>
+          <a:xfrm>
+            <a:off x="1143225" y="685800"/>
+            <a:ext cx="4572225" cy="3429000"/>
+          </a:xfrm>
+          <a:custGeom>
+            <a:avLst/>
+            <a:gdLst/>
+            <a:ahLst/>
+            <a:cxnLst/>
+            <a:rect l="l" t="t" r="r" b="b"/>
+            <a:pathLst>
+              <a:path w="120000" h="120000" extrusionOk="0">
+                <a:moveTo>
+                  <a:pt x="0" y="0"/>
+                </a:moveTo>
+                <a:lnTo>
+                  <a:pt x="120000" y="0"/>
+                </a:lnTo>
+                <a:lnTo>
+                  <a:pt x="120000" y="120000"/>
+                </a:lnTo>
+                <a:lnTo>
+                  <a:pt x="0" y="120000"/>
+                </a:lnTo>
+                <a:close/>
+              </a:path>
+            </a:pathLst>
+          </a:custGeom>
+        </p:spPr>
+      </p:sp>
+    </p:spTree>
+  </p:cSld>
+  <p:clrMapOvr>
+    <a:masterClrMapping/>
+  </p:clrMapOvr>
+</p:notes>
+</file>
+
+<file path=ppt/notesSlides/notesSlide32.xml><?xml version="1.0" encoding="utf-8"?>
+<p:notes xmlns:a="http://schemas.openxmlformats.org/drawingml/2006/main" xmlns:r="http://schemas.openxmlformats.org/officeDocument/2006/relationships" xmlns:p="http://schemas.openxmlformats.org/presentationml/2006/main" showMasterSp="0" showMasterPhAnim="0">
+  <p:cSld>
+    <p:spTree>
+      <p:nvGrpSpPr>
+        <p:cNvPr id="1" name="Shape 320"/>
+        <p:cNvGrpSpPr/>
+        <p:nvPr/>
+      </p:nvGrpSpPr>
+      <p:grpSpPr>
+        <a:xfrm>
+          <a:off x="0" y="0"/>
+          <a:ext cx="0" cy="0"/>
+          <a:chOff x="0" y="0"/>
+          <a:chExt cx="0" cy="0"/>
+        </a:xfrm>
+      </p:grpSpPr>
+      <p:sp>
+        <p:nvSpPr>
+          <p:cNvPr id="321" name="Google Shape;321;p34:notes"/>
+          <p:cNvSpPr txBox="1">
+            <a:spLocks noGrp="1"/>
+          </p:cNvSpPr>
+          <p:nvPr>
+            <p:ph type="body" idx="1"/>
+          </p:nvPr>
+        </p:nvSpPr>
+        <p:spPr>
+          <a:xfrm>
+            <a:off x="685800" y="4343400"/>
+            <a:ext cx="5486400" cy="4114800"/>
+          </a:xfrm>
+          <a:prstGeom prst="rect">
+            <a:avLst/>
+          </a:prstGeom>
+        </p:spPr>
+        <p:txBody>
+          <a:bodyPr spcFirstLastPara="1" wrap="square" lIns="91425" tIns="91425" rIns="91425" bIns="91425" anchor="t" anchorCtr="0">
+            <a:noAutofit/>
+          </a:bodyPr>
+          <a:lstStyle/>
+          <a:p>
+            <a:pPr marL="0" lvl="0" indent="0" algn="l" rtl="0">
+              <a:spcBef>
+                <a:spcPts val="0"/>
+              </a:spcBef>
+              <a:spcAft>
+                <a:spcPts val="0"/>
+              </a:spcAft>
+              <a:buNone/>
+            </a:pPr>
+            <a:endParaRPr/>
+          </a:p>
+        </p:txBody>
+      </p:sp>
+      <p:sp>
+        <p:nvSpPr>
+          <p:cNvPr id="322" name="Google Shape;322;p34:notes"/>
+          <p:cNvSpPr>
+            <a:spLocks noGrp="1" noRot="1" noChangeAspect="1"/>
+          </p:cNvSpPr>
+          <p:nvPr>
+            <p:ph type="sldImg" idx="2"/>
+          </p:nvPr>
+        </p:nvSpPr>
+        <p:spPr>
+          <a:xfrm>
+            <a:off x="1143225" y="685800"/>
+            <a:ext cx="4572225" cy="3429000"/>
+          </a:xfrm>
+          <a:custGeom>
+            <a:avLst/>
+            <a:gdLst/>
+            <a:ahLst/>
+            <a:cxnLst/>
+            <a:rect l="l" t="t" r="r" b="b"/>
+            <a:pathLst>
+              <a:path w="120000" h="120000" extrusionOk="0">
+                <a:moveTo>
+                  <a:pt x="0" y="0"/>
+                </a:moveTo>
+                <a:lnTo>
+                  <a:pt x="120000" y="0"/>
+                </a:lnTo>
+                <a:lnTo>
+                  <a:pt x="120000" y="120000"/>
+                </a:lnTo>
+                <a:lnTo>
+                  <a:pt x="0" y="120000"/>
+                </a:lnTo>
+                <a:close/>
+              </a:path>
+            </a:pathLst>
+          </a:custGeom>
+        </p:spPr>
+      </p:sp>
+    </p:spTree>
+  </p:cSld>
+  <p:clrMapOvr>
+    <a:masterClrMapping/>
+  </p:clrMapOvr>
+</p:notes>
+</file>
+
+<file path=ppt/notesSlides/notesSlide33.xml><?xml version="1.0" encoding="utf-8"?>
+<p:notes xmlns:a="http://schemas.openxmlformats.org/drawingml/2006/main" xmlns:r="http://schemas.openxmlformats.org/officeDocument/2006/relationships" xmlns:p="http://schemas.openxmlformats.org/presentationml/2006/main" showMasterSp="0" showMasterPhAnim="0">
+  <p:cSld>
+    <p:spTree>
+      <p:nvGrpSpPr>
+        <p:cNvPr id="1" name="Shape 327"/>
+        <p:cNvGrpSpPr/>
+        <p:nvPr/>
+      </p:nvGrpSpPr>
+      <p:grpSpPr>
+        <a:xfrm>
+          <a:off x="0" y="0"/>
+          <a:ext cx="0" cy="0"/>
+          <a:chOff x="0" y="0"/>
+          <a:chExt cx="0" cy="0"/>
+        </a:xfrm>
+      </p:grpSpPr>
+      <p:sp>
+        <p:nvSpPr>
+          <p:cNvPr id="328" name="Google Shape;328;p35:notes"/>
+          <p:cNvSpPr txBox="1">
+            <a:spLocks noGrp="1"/>
+          </p:cNvSpPr>
+          <p:nvPr>
+            <p:ph type="body" idx="1"/>
+          </p:nvPr>
+        </p:nvSpPr>
+        <p:spPr>
+          <a:xfrm>
+            <a:off x="685800" y="4343400"/>
+            <a:ext cx="5486400" cy="4114800"/>
+          </a:xfrm>
+          <a:prstGeom prst="rect">
+            <a:avLst/>
+          </a:prstGeom>
+        </p:spPr>
+        <p:txBody>
+          <a:bodyPr spcFirstLastPara="1" wrap="square" lIns="91425" tIns="91425" rIns="91425" bIns="91425" anchor="t" anchorCtr="0">
+            <a:noAutofit/>
+          </a:bodyPr>
+          <a:lstStyle/>
+          <a:p>
+            <a:pPr marL="0" lvl="0" indent="0" algn="l" rtl="0">
+              <a:spcBef>
+                <a:spcPts val="0"/>
+              </a:spcBef>
+              <a:spcAft>
+                <a:spcPts val="0"/>
+              </a:spcAft>
+              <a:buNone/>
+            </a:pPr>
+            <a:endParaRPr/>
+          </a:p>
+        </p:txBody>
+      </p:sp>
+      <p:sp>
+        <p:nvSpPr>
+          <p:cNvPr id="329" name="Google Shape;329;p35:notes"/>
+          <p:cNvSpPr>
+            <a:spLocks noGrp="1" noRot="1" noChangeAspect="1"/>
+          </p:cNvSpPr>
+          <p:nvPr>
+            <p:ph type="sldImg" idx="2"/>
+          </p:nvPr>
+        </p:nvSpPr>
+        <p:spPr>
+          <a:xfrm>
+            <a:off x="1143225" y="685800"/>
+            <a:ext cx="4572225" cy="3429000"/>
+          </a:xfrm>
+          <a:custGeom>
+            <a:avLst/>
+            <a:gdLst/>
+            <a:ahLst/>
+            <a:cxnLst/>
+            <a:rect l="l" t="t" r="r" b="b"/>
+            <a:pathLst>
+              <a:path w="120000" h="120000" extrusionOk="0">
+                <a:moveTo>
+                  <a:pt x="0" y="0"/>
+                </a:moveTo>
+                <a:lnTo>
+                  <a:pt x="120000" y="0"/>
+                </a:lnTo>
+                <a:lnTo>
+                  <a:pt x="120000" y="120000"/>
+                </a:lnTo>
+                <a:lnTo>
+                  <a:pt x="0" y="120000"/>
+                </a:lnTo>
+                <a:close/>
+              </a:path>
+            </a:pathLst>
+          </a:custGeom>
+        </p:spPr>
+      </p:sp>
+    </p:spTree>
+  </p:cSld>
+  <p:clrMapOvr>
+    <a:masterClrMapping/>
+  </p:clrMapOvr>
+</p:notes>
+</file>
+
+<file path=ppt/notesSlides/notesSlide34.xml><?xml version="1.0" encoding="utf-8"?>
+<p:notes xmlns:a="http://schemas.openxmlformats.org/drawingml/2006/main" xmlns:r="http://schemas.openxmlformats.org/officeDocument/2006/relationships" xmlns:p="http://schemas.openxmlformats.org/presentationml/2006/main" showMasterSp="0" showMasterPhAnim="0">
+  <p:cSld>
+    <p:spTree>
+      <p:nvGrpSpPr>
+        <p:cNvPr id="1" name="Shape 342"/>
+        <p:cNvGrpSpPr/>
+        <p:nvPr/>
+      </p:nvGrpSpPr>
+      <p:grpSpPr>
+        <a:xfrm>
+          <a:off x="0" y="0"/>
+          <a:ext cx="0" cy="0"/>
+          <a:chOff x="0" y="0"/>
+          <a:chExt cx="0" cy="0"/>
+        </a:xfrm>
+      </p:grpSpPr>
+      <p:sp>
+        <p:nvSpPr>
+          <p:cNvPr id="343" name="Google Shape;343;p37:notes"/>
+          <p:cNvSpPr txBox="1">
+            <a:spLocks noGrp="1"/>
+          </p:cNvSpPr>
+          <p:nvPr>
+            <p:ph type="body" idx="1"/>
+          </p:nvPr>
+        </p:nvSpPr>
+        <p:spPr>
+          <a:xfrm>
+            <a:off x="685800" y="4343400"/>
+            <a:ext cx="5486400" cy="4114800"/>
+          </a:xfrm>
+          <a:prstGeom prst="rect">
+            <a:avLst/>
+          </a:prstGeom>
+        </p:spPr>
+        <p:txBody>
+          <a:bodyPr spcFirstLastPara="1" wrap="square" lIns="91425" tIns="91425" rIns="91425" bIns="91425" anchor="t" anchorCtr="0">
+            <a:noAutofit/>
+          </a:bodyPr>
+          <a:lstStyle/>
+          <a:p>
+            <a:pPr marL="0" lvl="0" indent="0" algn="l" rtl="0">
+              <a:spcBef>
+                <a:spcPts val="0"/>
+              </a:spcBef>
+              <a:spcAft>
+                <a:spcPts val="0"/>
+              </a:spcAft>
+              <a:buNone/>
+            </a:pPr>
+            <a:endParaRPr/>
+          </a:p>
+        </p:txBody>
+      </p:sp>
+      <p:sp>
+        <p:nvSpPr>
+          <p:cNvPr id="344" name="Google Shape;344;p37:notes"/>
+          <p:cNvSpPr>
+            <a:spLocks noGrp="1" noRot="1" noChangeAspect="1"/>
+          </p:cNvSpPr>
+          <p:nvPr>
+            <p:ph type="sldImg" idx="2"/>
+          </p:nvPr>
+        </p:nvSpPr>
+        <p:spPr>
+          <a:xfrm>
+            <a:off x="1143225" y="685800"/>
+            <a:ext cx="4572225" cy="3429000"/>
+          </a:xfrm>
+          <a:custGeom>
+            <a:avLst/>
+            <a:gdLst/>
+            <a:ahLst/>
+            <a:cxnLst/>
+            <a:rect l="l" t="t" r="r" b="b"/>
+            <a:pathLst>
+              <a:path w="120000" h="120000" extrusionOk="0">
+                <a:moveTo>
+                  <a:pt x="0" y="0"/>
+                </a:moveTo>
+                <a:lnTo>
+                  <a:pt x="120000" y="0"/>
+                </a:lnTo>
+                <a:lnTo>
+                  <a:pt x="120000" y="120000"/>
+                </a:lnTo>
+                <a:lnTo>
+                  <a:pt x="0" y="120000"/>
+                </a:lnTo>
+                <a:close/>
+              </a:path>
+            </a:pathLst>
+          </a:custGeom>
+        </p:spPr>
+      </p:sp>
+    </p:spTree>
+  </p:cSld>
+  <p:clrMapOvr>
+    <a:masterClrMapping/>
+  </p:clrMapOvr>
+</p:notes>
+</file>
+
+<file path=ppt/notesSlides/notesSlide35.xml><?xml version="1.0" encoding="utf-8"?>
+<p:notes xmlns:a="http://schemas.openxmlformats.org/drawingml/2006/main" xmlns:r="http://schemas.openxmlformats.org/officeDocument/2006/relationships" xmlns:p="http://schemas.openxmlformats.org/presentationml/2006/main" showMasterSp="0" showMasterPhAnim="0">
+  <p:cSld>
+    <p:spTree>
+      <p:nvGrpSpPr>
+        <p:cNvPr id="1" name="Shape 350"/>
+        <p:cNvGrpSpPr/>
+        <p:nvPr/>
+      </p:nvGrpSpPr>
+      <p:grpSpPr>
+        <a:xfrm>
+          <a:off x="0" y="0"/>
+          <a:ext cx="0" cy="0"/>
+          <a:chOff x="0" y="0"/>
+          <a:chExt cx="0" cy="0"/>
+        </a:xfrm>
+      </p:grpSpPr>
+      <p:sp>
+        <p:nvSpPr>
+          <p:cNvPr id="351" name="Google Shape;351;p38:notes"/>
+          <p:cNvSpPr txBox="1">
+            <a:spLocks noGrp="1"/>
+          </p:cNvSpPr>
+          <p:nvPr>
+            <p:ph type="body" idx="1"/>
+          </p:nvPr>
+        </p:nvSpPr>
+        <p:spPr>
+          <a:xfrm>
+            <a:off x="685800" y="4343400"/>
+            <a:ext cx="5486400" cy="4114800"/>
+          </a:xfrm>
+          <a:prstGeom prst="rect">
+            <a:avLst/>
+          </a:prstGeom>
+        </p:spPr>
+        <p:txBody>
+          <a:bodyPr spcFirstLastPara="1" wrap="square" lIns="91425" tIns="91425" rIns="91425" bIns="91425" anchor="t" anchorCtr="0">
+            <a:noAutofit/>
+          </a:bodyPr>
+          <a:lstStyle/>
+          <a:p>
+            <a:pPr marL="0" lvl="0" indent="0" algn="l" rtl="0">
+              <a:spcBef>
+                <a:spcPts val="0"/>
+              </a:spcBef>
+              <a:spcAft>
+                <a:spcPts val="0"/>
+              </a:spcAft>
+              <a:buNone/>
+            </a:pPr>
+            <a:endParaRPr/>
+          </a:p>
+        </p:txBody>
+      </p:sp>
+      <p:sp>
+        <p:nvSpPr>
+          <p:cNvPr id="352" name="Google Shape;352;p38:notes"/>
+          <p:cNvSpPr>
+            <a:spLocks noGrp="1" noRot="1" noChangeAspect="1"/>
+          </p:cNvSpPr>
+          <p:nvPr>
+            <p:ph type="sldImg" idx="2"/>
+          </p:nvPr>
+        </p:nvSpPr>
+        <p:spPr>
+          <a:xfrm>
+            <a:off x="1143225" y="685800"/>
+            <a:ext cx="4572225" cy="3429000"/>
+          </a:xfrm>
+          <a:custGeom>
+            <a:avLst/>
+            <a:gdLst/>
+            <a:ahLst/>
+            <a:cxnLst/>
+            <a:rect l="l" t="t" r="r" b="b"/>
+            <a:pathLst>
+              <a:path w="120000" h="120000" extrusionOk="0">
+                <a:moveTo>
+                  <a:pt x="0" y="0"/>
+                </a:moveTo>
+                <a:lnTo>
+                  <a:pt x="120000" y="0"/>
+                </a:lnTo>
+                <a:lnTo>
+                  <a:pt x="120000" y="120000"/>
+                </a:lnTo>
+                <a:lnTo>
+                  <a:pt x="0" y="120000"/>
+                </a:lnTo>
+                <a:close/>
+              </a:path>
+            </a:pathLst>
+          </a:custGeom>
+        </p:spPr>
+      </p:sp>
+    </p:spTree>
+  </p:cSld>
+  <p:clrMapOvr>
+    <a:masterClrMapping/>
+  </p:clrMapOvr>
+</p:notes>
+</file>
+
+<file path=ppt/notesSlides/notesSlide4.xml><?xml version="1.0" encoding="utf-8"?>
+<p:notes xmlns:a="http://schemas.openxmlformats.org/drawingml/2006/main" xmlns:r="http://schemas.openxmlformats.org/officeDocument/2006/relationships" xmlns:p="http://schemas.openxmlformats.org/presentationml/2006/main" showMasterSp="0" showMasterPhAnim="0">
+  <p:cSld>
+    <p:spTree>
+      <p:nvGrpSpPr>
+        <p:cNvPr id="1" name="Shape 115"/>
+        <p:cNvGrpSpPr/>
+        <p:nvPr/>
+      </p:nvGrpSpPr>
+      <p:grpSpPr>
+        <a:xfrm>
+          <a:off x="0" y="0"/>
+          <a:ext cx="0" cy="0"/>
+          <a:chOff x="0" y="0"/>
+          <a:chExt cx="0" cy="0"/>
+        </a:xfrm>
+      </p:grpSpPr>
+      <p:sp>
+        <p:nvSpPr>
+          <p:cNvPr id="116" name="Google Shape;116;p6:notes"/>
+          <p:cNvSpPr txBox="1">
+            <a:spLocks noGrp="1"/>
+          </p:cNvSpPr>
+          <p:nvPr>
+            <p:ph type="body" idx="1"/>
+          </p:nvPr>
+        </p:nvSpPr>
+        <p:spPr>
+          <a:xfrm>
+            <a:off x="685800" y="4343400"/>
+            <a:ext cx="5486400" cy="4114800"/>
+          </a:xfrm>
+          <a:prstGeom prst="rect">
+            <a:avLst/>
+          </a:prstGeom>
+        </p:spPr>
+        <p:txBody>
+          <a:bodyPr spcFirstLastPara="1" wrap="square" lIns="91425" tIns="91425" rIns="91425" bIns="91425" anchor="t" anchorCtr="0">
+            <a:noAutofit/>
+          </a:bodyPr>
+          <a:lstStyle/>
+          <a:p>
+            <a:pPr marL="0" lvl="0" indent="0" algn="l" rtl="0">
+              <a:spcBef>
+                <a:spcPts val="0"/>
+              </a:spcBef>
+              <a:spcAft>
+                <a:spcPts val="0"/>
+              </a:spcAft>
+              <a:buNone/>
+            </a:pPr>
+            <a:endParaRPr/>
+          </a:p>
+        </p:txBody>
+      </p:sp>
+      <p:sp>
+        <p:nvSpPr>
+          <p:cNvPr id="117" name="Google Shape;117;p6:notes"/>
+          <p:cNvSpPr>
+            <a:spLocks noGrp="1" noRot="1" noChangeAspect="1"/>
+          </p:cNvSpPr>
+          <p:nvPr>
+            <p:ph type="sldImg" idx="2"/>
+          </p:nvPr>
+        </p:nvSpPr>
+        <p:spPr>
+          <a:xfrm>
+            <a:off x="1143225" y="685800"/>
+            <a:ext cx="4572225" cy="3429000"/>
+          </a:xfrm>
+          <a:custGeom>
+            <a:avLst/>
+            <a:gdLst/>
+            <a:ahLst/>
+            <a:cxnLst/>
+            <a:rect l="l" t="t" r="r" b="b"/>
+            <a:pathLst>
+              <a:path w="120000" h="120000" extrusionOk="0">
+                <a:moveTo>
+                  <a:pt x="0" y="0"/>
+                </a:moveTo>
+                <a:lnTo>
+                  <a:pt x="120000" y="0"/>
+                </a:lnTo>
+                <a:lnTo>
+                  <a:pt x="120000" y="120000"/>
+                </a:lnTo>
+                <a:lnTo>
+                  <a:pt x="0" y="120000"/>
+                </a:lnTo>
+                <a:close/>
+              </a:path>
+            </a:pathLst>
+          </a:custGeom>
+        </p:spPr>
+      </p:sp>
+    </p:spTree>
+  </p:cSld>
+  <p:clrMapOvr>
+    <a:masterClrMapping/>
+  </p:clrMapOvr>
+</p:notes>
+</file>
+
+<file path=ppt/notesSlides/notesSlide5.xml><?xml version="1.0" encoding="utf-8"?>
+<p:notes xmlns:a="http://schemas.openxmlformats.org/drawingml/2006/main" xmlns:r="http://schemas.openxmlformats.org/officeDocument/2006/relationships" xmlns:p="http://schemas.openxmlformats.org/presentationml/2006/main" showMasterSp="0" showMasterPhAnim="0">
+  <p:cSld>
+    <p:spTree>
+      <p:nvGrpSpPr>
+        <p:cNvPr id="1" name="Shape 121"/>
+        <p:cNvGrpSpPr/>
+        <p:nvPr/>
+      </p:nvGrpSpPr>
+      <p:grpSpPr>
+        <a:xfrm>
+          <a:off x="0" y="0"/>
+          <a:ext cx="0" cy="0"/>
+          <a:chOff x="0" y="0"/>
+          <a:chExt cx="0" cy="0"/>
+        </a:xfrm>
+      </p:grpSpPr>
+      <p:sp>
+        <p:nvSpPr>
+          <p:cNvPr id="122" name="Google Shape;122;p7:notes"/>
+          <p:cNvSpPr txBox="1">
+            <a:spLocks noGrp="1"/>
+          </p:cNvSpPr>
+          <p:nvPr>
+            <p:ph type="body" idx="1"/>
+          </p:nvPr>
+        </p:nvSpPr>
+        <p:spPr>
+          <a:xfrm>
+            <a:off x="685800" y="4343400"/>
+            <a:ext cx="5486400" cy="4114800"/>
+          </a:xfrm>
+          <a:prstGeom prst="rect">
+            <a:avLst/>
+          </a:prstGeom>
+        </p:spPr>
+        <p:txBody>
+          <a:bodyPr spcFirstLastPara="1" wrap="square" lIns="91425" tIns="91425" rIns="91425" bIns="91425" anchor="t" anchorCtr="0">
+            <a:noAutofit/>
+          </a:bodyPr>
+          <a:lstStyle/>
+          <a:p>
+            <a:pPr marL="0" lvl="0" indent="0" algn="l" rtl="0">
+              <a:spcBef>
+                <a:spcPts val="0"/>
+              </a:spcBef>
+              <a:spcAft>
+                <a:spcPts val="0"/>
+              </a:spcAft>
+              <a:buNone/>
+            </a:pPr>
+            <a:endParaRPr/>
+          </a:p>
+        </p:txBody>
+      </p:sp>
+      <p:sp>
+        <p:nvSpPr>
+          <p:cNvPr id="123" name="Google Shape;123;p7:notes"/>
+          <p:cNvSpPr>
+            <a:spLocks noGrp="1" noRot="1" noChangeAspect="1"/>
+          </p:cNvSpPr>
+          <p:nvPr>
+            <p:ph type="sldImg" idx="2"/>
+          </p:nvPr>
+        </p:nvSpPr>
+        <p:spPr>
+          <a:xfrm>
+            <a:off x="1143225" y="685800"/>
+            <a:ext cx="4572225" cy="3429000"/>
+          </a:xfrm>
+          <a:custGeom>
+            <a:avLst/>
+            <a:gdLst/>
+            <a:ahLst/>
+            <a:cxnLst/>
+            <a:rect l="l" t="t" r="r" b="b"/>
+            <a:pathLst>
+              <a:path w="120000" h="120000" extrusionOk="0">
+                <a:moveTo>
+                  <a:pt x="0" y="0"/>
+                </a:moveTo>
+                <a:lnTo>
+                  <a:pt x="120000" y="0"/>
+                </a:lnTo>
+                <a:lnTo>
+                  <a:pt x="120000" y="120000"/>
+                </a:lnTo>
+                <a:lnTo>
+                  <a:pt x="0" y="120000"/>
+                </a:lnTo>
+                <a:close/>
+              </a:path>
+            </a:pathLst>
+          </a:custGeom>
+        </p:spPr>
+      </p:sp>
+    </p:spTree>
+  </p:cSld>
+  <p:clrMapOvr>
+    <a:masterClrMapping/>
+  </p:clrMapOvr>
+</p:notes>
+</file>
+
+<file path=ppt/notesSlides/notesSlide6.xml><?xml version="1.0" encoding="utf-8"?>
+<p:notes xmlns:a="http://schemas.openxmlformats.org/drawingml/2006/main" xmlns:r="http://schemas.openxmlformats.org/officeDocument/2006/relationships" xmlns:p="http://schemas.openxmlformats.org/presentationml/2006/main" showMasterSp="0" showMasterPhAnim="0">
+  <p:cSld>
+    <p:spTree>
+      <p:nvGrpSpPr>
+        <p:cNvPr id="1" name="Shape 128"/>
+        <p:cNvGrpSpPr/>
+        <p:nvPr/>
+      </p:nvGrpSpPr>
+      <p:grpSpPr>
+        <a:xfrm>
+          <a:off x="0" y="0"/>
+          <a:ext cx="0" cy="0"/>
+          <a:chOff x="0" y="0"/>
+          <a:chExt cx="0" cy="0"/>
+        </a:xfrm>
+      </p:grpSpPr>
+      <p:sp>
+        <p:nvSpPr>
+          <p:cNvPr id="129" name="Google Shape;129;p8:notes"/>
+          <p:cNvSpPr txBox="1">
+            <a:spLocks noGrp="1"/>
+          </p:cNvSpPr>
+          <p:nvPr>
+            <p:ph type="body" idx="1"/>
+          </p:nvPr>
+        </p:nvSpPr>
+        <p:spPr>
+          <a:xfrm>
+            <a:off x="685800" y="4343400"/>
+            <a:ext cx="5486400" cy="4114800"/>
+          </a:xfrm>
+          <a:prstGeom prst="rect">
+            <a:avLst/>
+          </a:prstGeom>
+        </p:spPr>
+        <p:txBody>
+          <a:bodyPr spcFirstLastPara="1" wrap="square" lIns="91425" tIns="91425" rIns="91425" bIns="91425" anchor="t" anchorCtr="0">
+            <a:noAutofit/>
+          </a:bodyPr>
+          <a:lstStyle/>
+          <a:p>
+            <a:pPr marL="0" lvl="0" indent="0" algn="l" rtl="0">
+              <a:spcBef>
+                <a:spcPts val="0"/>
+              </a:spcBef>
+              <a:spcAft>
+                <a:spcPts val="0"/>
+              </a:spcAft>
+              <a:buNone/>
+            </a:pPr>
+            <a:endParaRPr/>
+          </a:p>
+        </p:txBody>
+      </p:sp>
+      <p:sp>
+        <p:nvSpPr>
+          <p:cNvPr id="130" name="Google Shape;130;p8:notes"/>
+          <p:cNvSpPr>
+            <a:spLocks noGrp="1" noRot="1" noChangeAspect="1"/>
+          </p:cNvSpPr>
+          <p:nvPr>
+            <p:ph type="sldImg" idx="2"/>
+          </p:nvPr>
+        </p:nvSpPr>
+        <p:spPr>
+          <a:xfrm>
+            <a:off x="1143225" y="685800"/>
+            <a:ext cx="4572225" cy="3429000"/>
+          </a:xfrm>
+          <a:custGeom>
+            <a:avLst/>
+            <a:gdLst/>
+            <a:ahLst/>
+            <a:cxnLst/>
+            <a:rect l="l" t="t" r="r" b="b"/>
+            <a:pathLst>
+              <a:path w="120000" h="120000" extrusionOk="0">
+                <a:moveTo>
+                  <a:pt x="0" y="0"/>
+                </a:moveTo>
+                <a:lnTo>
+                  <a:pt x="120000" y="0"/>
+                </a:lnTo>
+                <a:lnTo>
+                  <a:pt x="120000" y="120000"/>
+                </a:lnTo>
+                <a:lnTo>
+                  <a:pt x="0" y="120000"/>
+                </a:lnTo>
+                <a:close/>
+              </a:path>
+            </a:pathLst>
+          </a:custGeom>
+        </p:spPr>
+      </p:sp>
+    </p:spTree>
+  </p:cSld>
+  <p:clrMapOvr>
+    <a:masterClrMapping/>
+  </p:clrMapOvr>
+</p:notes>
+</file>
+
+<file path=ppt/notesSlides/notesSlide7.xml><?xml version="1.0" encoding="utf-8"?>
+<p:notes xmlns:a="http://schemas.openxmlformats.org/drawingml/2006/main" xmlns:r="http://schemas.openxmlformats.org/officeDocument/2006/relationships" xmlns:p="http://schemas.openxmlformats.org/presentationml/2006/main" showMasterSp="0" showMasterPhAnim="0">
+  <p:cSld>
+    <p:spTree>
+      <p:nvGrpSpPr>
+        <p:cNvPr id="1" name="Shape 134"/>
+        <p:cNvGrpSpPr/>
+        <p:nvPr/>
+      </p:nvGrpSpPr>
+      <p:grpSpPr>
+        <a:xfrm>
+          <a:off x="0" y="0"/>
+          <a:ext cx="0" cy="0"/>
+          <a:chOff x="0" y="0"/>
+          <a:chExt cx="0" cy="0"/>
+        </a:xfrm>
+      </p:grpSpPr>
+      <p:sp>
+        <p:nvSpPr>
+          <p:cNvPr id="135" name="Google Shape;135;p9:notes"/>
+          <p:cNvSpPr txBox="1">
+            <a:spLocks noGrp="1"/>
+          </p:cNvSpPr>
+          <p:nvPr>
+            <p:ph type="body" idx="1"/>
+          </p:nvPr>
+        </p:nvSpPr>
+        <p:spPr>
+          <a:xfrm>
+            <a:off x="685800" y="4343400"/>
+            <a:ext cx="5486400" cy="4114800"/>
+          </a:xfrm>
+          <a:prstGeom prst="rect">
+            <a:avLst/>
+          </a:prstGeom>
+        </p:spPr>
+        <p:txBody>
+          <a:bodyPr spcFirstLastPara="1" wrap="square" lIns="91425" tIns="91425" rIns="91425" bIns="91425" anchor="t" anchorCtr="0">
+            <a:noAutofit/>
+          </a:bodyPr>
+          <a:lstStyle/>
+          <a:p>
+            <a:pPr marL="0" lvl="0" indent="0" algn="l" rtl="0">
+              <a:spcBef>
+                <a:spcPts val="0"/>
+              </a:spcBef>
+              <a:spcAft>
+                <a:spcPts val="0"/>
+              </a:spcAft>
+              <a:buNone/>
+            </a:pPr>
+            <a:endParaRPr/>
+          </a:p>
+        </p:txBody>
+      </p:sp>
+      <p:sp>
+        <p:nvSpPr>
+          <p:cNvPr id="136" name="Google Shape;136;p9:notes"/>
+          <p:cNvSpPr>
+            <a:spLocks noGrp="1" noRot="1" noChangeAspect="1"/>
+          </p:cNvSpPr>
+          <p:nvPr>
+            <p:ph type="sldImg" idx="2"/>
+          </p:nvPr>
+        </p:nvSpPr>
+        <p:spPr>
+          <a:xfrm>
+            <a:off x="1143225" y="685800"/>
+            <a:ext cx="4572225" cy="3429000"/>
+          </a:xfrm>
+          <a:custGeom>
+            <a:avLst/>
+            <a:gdLst/>
+            <a:ahLst/>
+            <a:cxnLst/>
+            <a:rect l="l" t="t" r="r" b="b"/>
+            <a:pathLst>
+              <a:path w="120000" h="120000" extrusionOk="0">
+                <a:moveTo>
+                  <a:pt x="0" y="0"/>
+                </a:moveTo>
+                <a:lnTo>
+                  <a:pt x="120000" y="0"/>
+                </a:lnTo>
+                <a:lnTo>
+                  <a:pt x="120000" y="120000"/>
+                </a:lnTo>
+                <a:lnTo>
+                  <a:pt x="0" y="120000"/>
+                </a:lnTo>
+                <a:close/>
+              </a:path>
+            </a:pathLst>
+          </a:custGeom>
+        </p:spPr>
+      </p:sp>
+    </p:spTree>
+  </p:cSld>
+  <p:clrMapOvr>
+    <a:masterClrMapping/>
+  </p:clrMapOvr>
+</p:notes>
+</file>
+
+<file path=ppt/notesSlides/notesSlide8.xml><?xml version="1.0" encoding="utf-8"?>
+<p:notes xmlns:a="http://schemas.openxmlformats.org/drawingml/2006/main" xmlns:r="http://schemas.openxmlformats.org/officeDocument/2006/relationships" xmlns:p="http://schemas.openxmlformats.org/presentationml/2006/main" showMasterSp="0" showMasterPhAnim="0">
+  <p:cSld>
+    <p:spTree>
+      <p:nvGrpSpPr>
+        <p:cNvPr id="1" name="Shape 142"/>
+        <p:cNvGrpSpPr/>
+        <p:nvPr/>
+      </p:nvGrpSpPr>
+      <p:grpSpPr>
+        <a:xfrm>
+          <a:off x="0" y="0"/>
+          <a:ext cx="0" cy="0"/>
+          <a:chOff x="0" y="0"/>
+          <a:chExt cx="0" cy="0"/>
+        </a:xfrm>
+      </p:grpSpPr>
+      <p:sp>
+        <p:nvSpPr>
+          <p:cNvPr id="143" name="Google Shape;143;p10:notes"/>
+          <p:cNvSpPr txBox="1">
+            <a:spLocks noGrp="1"/>
+          </p:cNvSpPr>
+          <p:nvPr>
+            <p:ph type="body" idx="1"/>
+          </p:nvPr>
+        </p:nvSpPr>
+        <p:spPr>
+          <a:xfrm>
+            <a:off x="685800" y="4343400"/>
+            <a:ext cx="5486400" cy="4114800"/>
+          </a:xfrm>
+          <a:prstGeom prst="rect">
+            <a:avLst/>
+          </a:prstGeom>
+        </p:spPr>
+        <p:txBody>
+          <a:bodyPr spcFirstLastPara="1" wrap="square" lIns="91425" tIns="91425" rIns="91425" bIns="91425" anchor="t" anchorCtr="0">
+            <a:noAutofit/>
+          </a:bodyPr>
+          <a:lstStyle/>
+          <a:p>
+            <a:pPr marL="0" lvl="0" indent="0" algn="l" rtl="0">
+              <a:spcBef>
+                <a:spcPts val="0"/>
+              </a:spcBef>
+              <a:spcAft>
+                <a:spcPts val="0"/>
+              </a:spcAft>
+              <a:buNone/>
+            </a:pPr>
+            <a:endParaRPr/>
+          </a:p>
+        </p:txBody>
+      </p:sp>
+      <p:sp>
+        <p:nvSpPr>
+          <p:cNvPr id="144" name="Google Shape;144;p10:notes"/>
+          <p:cNvSpPr>
+            <a:spLocks noGrp="1" noRot="1" noChangeAspect="1"/>
+          </p:cNvSpPr>
+          <p:nvPr>
+            <p:ph type="sldImg" idx="2"/>
+          </p:nvPr>
+        </p:nvSpPr>
+        <p:spPr>
+          <a:xfrm>
+            <a:off x="1143000" y="685800"/>
+            <a:ext cx="4572000" cy="3429000"/>
+          </a:xfrm>
+          <a:custGeom>
+            <a:avLst/>
+            <a:gdLst/>
+            <a:ahLst/>
+            <a:cxnLst/>
+            <a:rect l="l" t="t" r="r" b="b"/>
+            <a:pathLst>
+              <a:path w="120000" h="120000" extrusionOk="0">
+                <a:moveTo>
+                  <a:pt x="0" y="0"/>
+                </a:moveTo>
+                <a:lnTo>
+                  <a:pt x="120000" y="0"/>
+                </a:lnTo>
+                <a:lnTo>
+                  <a:pt x="120000" y="120000"/>
+                </a:lnTo>
+                <a:lnTo>
+                  <a:pt x="0" y="120000"/>
+                </a:lnTo>
+                <a:close/>
+              </a:path>
+            </a:pathLst>
+          </a:custGeom>
+        </p:spPr>
+      </p:sp>
+    </p:spTree>
+  </p:cSld>
+  <p:clrMapOvr>
+    <a:masterClrMapping/>
+  </p:clrMapOvr>
+</p:notes>
+</file>
+
+<file path=ppt/notesSlides/notesSlide9.xml><?xml version="1.0" encoding="utf-8"?>
 <p:notes xmlns:a="http://schemas.openxmlformats.org/drawingml/2006/main" xmlns:r="http://schemas.openxmlformats.org/officeDocument/2006/relationships" xmlns:p="http://schemas.openxmlformats.org/presentationml/2006/main" showMasterSp="0" showMasterPhAnim="0">
   <p:cSld>
     <p:spTree>
@@ -914,3542 +4347,6 @@
           <a:xfrm>
             <a:off x="1143225" y="685800"/>
             <a:ext cx="4572225" cy="3429000"/>
-          </a:xfrm>
-          <a:custGeom>
-            <a:avLst/>
-            <a:gdLst/>
-            <a:ahLst/>
-            <a:cxnLst/>
-            <a:rect l="l" t="t" r="r" b="b"/>
-            <a:pathLst>
-              <a:path w="120000" h="120000" extrusionOk="0">
-                <a:moveTo>
-                  <a:pt x="0" y="0"/>
-                </a:moveTo>
-                <a:lnTo>
-                  <a:pt x="120000" y="0"/>
-                </a:lnTo>
-                <a:lnTo>
-                  <a:pt x="120000" y="120000"/>
-                </a:lnTo>
-                <a:lnTo>
-                  <a:pt x="0" y="120000"/>
-                </a:lnTo>
-                <a:close/>
-              </a:path>
-            </a:pathLst>
-          </a:custGeom>
-        </p:spPr>
-      </p:sp>
-    </p:spTree>
-  </p:cSld>
-  <p:clrMapOvr>
-    <a:masterClrMapping/>
-  </p:clrMapOvr>
-</p:notes>
-</file>
-
-<file path=ppt/notesSlides/notesSlide11.xml><?xml version="1.0" encoding="utf-8"?>
-<p:notes xmlns:a="http://schemas.openxmlformats.org/drawingml/2006/main" xmlns:r="http://schemas.openxmlformats.org/officeDocument/2006/relationships" xmlns:p="http://schemas.openxmlformats.org/presentationml/2006/main" showMasterSp="0" showMasterPhAnim="0">
-  <p:cSld>
-    <p:spTree>
-      <p:nvGrpSpPr>
-        <p:cNvPr id="1" name="Shape 157"/>
-        <p:cNvGrpSpPr/>
-        <p:nvPr/>
-      </p:nvGrpSpPr>
-      <p:grpSpPr>
-        <a:xfrm>
-          <a:off x="0" y="0"/>
-          <a:ext cx="0" cy="0"/>
-          <a:chOff x="0" y="0"/>
-          <a:chExt cx="0" cy="0"/>
-        </a:xfrm>
-      </p:grpSpPr>
-      <p:sp>
-        <p:nvSpPr>
-          <p:cNvPr id="158" name="Google Shape;158;p12:notes"/>
-          <p:cNvSpPr txBox="1">
-            <a:spLocks noGrp="1"/>
-          </p:cNvSpPr>
-          <p:nvPr>
-            <p:ph type="body" idx="1"/>
-          </p:nvPr>
-        </p:nvSpPr>
-        <p:spPr>
-          <a:xfrm>
-            <a:off x="685800" y="4343400"/>
-            <a:ext cx="5486400" cy="4114800"/>
-          </a:xfrm>
-          <a:prstGeom prst="rect">
-            <a:avLst/>
-          </a:prstGeom>
-        </p:spPr>
-        <p:txBody>
-          <a:bodyPr spcFirstLastPara="1" wrap="square" lIns="91425" tIns="91425" rIns="91425" bIns="91425" anchor="t" anchorCtr="0">
-            <a:noAutofit/>
-          </a:bodyPr>
-          <a:lstStyle/>
-          <a:p>
-            <a:pPr marL="0" lvl="0" indent="0" algn="l" rtl="0">
-              <a:spcBef>
-                <a:spcPts val="0"/>
-              </a:spcBef>
-              <a:spcAft>
-                <a:spcPts val="0"/>
-              </a:spcAft>
-              <a:buNone/>
-            </a:pPr>
-            <a:endParaRPr/>
-          </a:p>
-        </p:txBody>
-      </p:sp>
-      <p:sp>
-        <p:nvSpPr>
-          <p:cNvPr id="159" name="Google Shape;159;p12:notes"/>
-          <p:cNvSpPr>
-            <a:spLocks noGrp="1" noRot="1" noChangeAspect="1"/>
-          </p:cNvSpPr>
-          <p:nvPr>
-            <p:ph type="sldImg" idx="2"/>
-          </p:nvPr>
-        </p:nvSpPr>
-        <p:spPr>
-          <a:xfrm>
-            <a:off x="1143000" y="685800"/>
-            <a:ext cx="4572000" cy="3429000"/>
-          </a:xfrm>
-          <a:custGeom>
-            <a:avLst/>
-            <a:gdLst/>
-            <a:ahLst/>
-            <a:cxnLst/>
-            <a:rect l="l" t="t" r="r" b="b"/>
-            <a:pathLst>
-              <a:path w="120000" h="120000" extrusionOk="0">
-                <a:moveTo>
-                  <a:pt x="0" y="0"/>
-                </a:moveTo>
-                <a:lnTo>
-                  <a:pt x="120000" y="0"/>
-                </a:lnTo>
-                <a:lnTo>
-                  <a:pt x="120000" y="120000"/>
-                </a:lnTo>
-                <a:lnTo>
-                  <a:pt x="0" y="120000"/>
-                </a:lnTo>
-                <a:close/>
-              </a:path>
-            </a:pathLst>
-          </a:custGeom>
-        </p:spPr>
-      </p:sp>
-    </p:spTree>
-  </p:cSld>
-  <p:clrMapOvr>
-    <a:masterClrMapping/>
-  </p:clrMapOvr>
-</p:notes>
-</file>
-
-<file path=ppt/notesSlides/notesSlide12.xml><?xml version="1.0" encoding="utf-8"?>
-<p:notes xmlns:a="http://schemas.openxmlformats.org/drawingml/2006/main" xmlns:r="http://schemas.openxmlformats.org/officeDocument/2006/relationships" xmlns:p="http://schemas.openxmlformats.org/presentationml/2006/main" showMasterSp="0" showMasterPhAnim="0">
-  <p:cSld>
-    <p:spTree>
-      <p:nvGrpSpPr>
-        <p:cNvPr id="1" name="Shape 165"/>
-        <p:cNvGrpSpPr/>
-        <p:nvPr/>
-      </p:nvGrpSpPr>
-      <p:grpSpPr>
-        <a:xfrm>
-          <a:off x="0" y="0"/>
-          <a:ext cx="0" cy="0"/>
-          <a:chOff x="0" y="0"/>
-          <a:chExt cx="0" cy="0"/>
-        </a:xfrm>
-      </p:grpSpPr>
-      <p:sp>
-        <p:nvSpPr>
-          <p:cNvPr id="166" name="Google Shape;166;p13:notes"/>
-          <p:cNvSpPr txBox="1">
-            <a:spLocks noGrp="1"/>
-          </p:cNvSpPr>
-          <p:nvPr>
-            <p:ph type="body" idx="1"/>
-          </p:nvPr>
-        </p:nvSpPr>
-        <p:spPr>
-          <a:xfrm>
-            <a:off x="685800" y="4343400"/>
-            <a:ext cx="5486400" cy="4114800"/>
-          </a:xfrm>
-          <a:prstGeom prst="rect">
-            <a:avLst/>
-          </a:prstGeom>
-        </p:spPr>
-        <p:txBody>
-          <a:bodyPr spcFirstLastPara="1" wrap="square" lIns="91425" tIns="91425" rIns="91425" bIns="91425" anchor="t" anchorCtr="0">
-            <a:noAutofit/>
-          </a:bodyPr>
-          <a:lstStyle/>
-          <a:p>
-            <a:pPr marL="0" lvl="0" indent="0" algn="l" rtl="0">
-              <a:spcBef>
-                <a:spcPts val="0"/>
-              </a:spcBef>
-              <a:spcAft>
-                <a:spcPts val="0"/>
-              </a:spcAft>
-              <a:buNone/>
-            </a:pPr>
-            <a:endParaRPr/>
-          </a:p>
-        </p:txBody>
-      </p:sp>
-      <p:sp>
-        <p:nvSpPr>
-          <p:cNvPr id="167" name="Google Shape;167;p13:notes"/>
-          <p:cNvSpPr>
-            <a:spLocks noGrp="1" noRot="1" noChangeAspect="1"/>
-          </p:cNvSpPr>
-          <p:nvPr>
-            <p:ph type="sldImg" idx="2"/>
-          </p:nvPr>
-        </p:nvSpPr>
-        <p:spPr>
-          <a:xfrm>
-            <a:off x="1143000" y="685800"/>
-            <a:ext cx="4572000" cy="3429000"/>
-          </a:xfrm>
-          <a:custGeom>
-            <a:avLst/>
-            <a:gdLst/>
-            <a:ahLst/>
-            <a:cxnLst/>
-            <a:rect l="l" t="t" r="r" b="b"/>
-            <a:pathLst>
-              <a:path w="120000" h="120000" extrusionOk="0">
-                <a:moveTo>
-                  <a:pt x="0" y="0"/>
-                </a:moveTo>
-                <a:lnTo>
-                  <a:pt x="120000" y="0"/>
-                </a:lnTo>
-                <a:lnTo>
-                  <a:pt x="120000" y="120000"/>
-                </a:lnTo>
-                <a:lnTo>
-                  <a:pt x="0" y="120000"/>
-                </a:lnTo>
-                <a:close/>
-              </a:path>
-            </a:pathLst>
-          </a:custGeom>
-        </p:spPr>
-      </p:sp>
-    </p:spTree>
-  </p:cSld>
-  <p:clrMapOvr>
-    <a:masterClrMapping/>
-  </p:clrMapOvr>
-</p:notes>
-</file>
-
-<file path=ppt/notesSlides/notesSlide13.xml><?xml version="1.0" encoding="utf-8"?>
-<p:notes xmlns:a="http://schemas.openxmlformats.org/drawingml/2006/main" xmlns:r="http://schemas.openxmlformats.org/officeDocument/2006/relationships" xmlns:p="http://schemas.openxmlformats.org/presentationml/2006/main" showMasterSp="0" showMasterPhAnim="0">
-  <p:cSld>
-    <p:spTree>
-      <p:nvGrpSpPr>
-        <p:cNvPr id="1" name="Shape 171"/>
-        <p:cNvGrpSpPr/>
-        <p:nvPr/>
-      </p:nvGrpSpPr>
-      <p:grpSpPr>
-        <a:xfrm>
-          <a:off x="0" y="0"/>
-          <a:ext cx="0" cy="0"/>
-          <a:chOff x="0" y="0"/>
-          <a:chExt cx="0" cy="0"/>
-        </a:xfrm>
-      </p:grpSpPr>
-      <p:sp>
-        <p:nvSpPr>
-          <p:cNvPr id="172" name="Google Shape;172;p14:notes"/>
-          <p:cNvSpPr txBox="1">
-            <a:spLocks noGrp="1"/>
-          </p:cNvSpPr>
-          <p:nvPr>
-            <p:ph type="body" idx="1"/>
-          </p:nvPr>
-        </p:nvSpPr>
-        <p:spPr>
-          <a:xfrm>
-            <a:off x="685800" y="4343400"/>
-            <a:ext cx="5486400" cy="4114800"/>
-          </a:xfrm>
-          <a:prstGeom prst="rect">
-            <a:avLst/>
-          </a:prstGeom>
-        </p:spPr>
-        <p:txBody>
-          <a:bodyPr spcFirstLastPara="1" wrap="square" lIns="91425" tIns="91425" rIns="91425" bIns="91425" anchor="t" anchorCtr="0">
-            <a:noAutofit/>
-          </a:bodyPr>
-          <a:lstStyle/>
-          <a:p>
-            <a:pPr marL="0" lvl="0" indent="0" algn="l" rtl="0">
-              <a:spcBef>
-                <a:spcPts val="0"/>
-              </a:spcBef>
-              <a:spcAft>
-                <a:spcPts val="0"/>
-              </a:spcAft>
-              <a:buNone/>
-            </a:pPr>
-            <a:endParaRPr/>
-          </a:p>
-        </p:txBody>
-      </p:sp>
-      <p:sp>
-        <p:nvSpPr>
-          <p:cNvPr id="173" name="Google Shape;173;p14:notes"/>
-          <p:cNvSpPr>
-            <a:spLocks noGrp="1" noRot="1" noChangeAspect="1"/>
-          </p:cNvSpPr>
-          <p:nvPr>
-            <p:ph type="sldImg" idx="2"/>
-          </p:nvPr>
-        </p:nvSpPr>
-        <p:spPr>
-          <a:xfrm>
-            <a:off x="1143225" y="685800"/>
-            <a:ext cx="4572225" cy="3429000"/>
-          </a:xfrm>
-          <a:custGeom>
-            <a:avLst/>
-            <a:gdLst/>
-            <a:ahLst/>
-            <a:cxnLst/>
-            <a:rect l="l" t="t" r="r" b="b"/>
-            <a:pathLst>
-              <a:path w="120000" h="120000" extrusionOk="0">
-                <a:moveTo>
-                  <a:pt x="0" y="0"/>
-                </a:moveTo>
-                <a:lnTo>
-                  <a:pt x="120000" y="0"/>
-                </a:lnTo>
-                <a:lnTo>
-                  <a:pt x="120000" y="120000"/>
-                </a:lnTo>
-                <a:lnTo>
-                  <a:pt x="0" y="120000"/>
-                </a:lnTo>
-                <a:close/>
-              </a:path>
-            </a:pathLst>
-          </a:custGeom>
-        </p:spPr>
-      </p:sp>
-    </p:spTree>
-  </p:cSld>
-  <p:clrMapOvr>
-    <a:masterClrMapping/>
-  </p:clrMapOvr>
-</p:notes>
-</file>
-
-<file path=ppt/notesSlides/notesSlide14.xml><?xml version="1.0" encoding="utf-8"?>
-<p:notes xmlns:a="http://schemas.openxmlformats.org/drawingml/2006/main" xmlns:r="http://schemas.openxmlformats.org/officeDocument/2006/relationships" xmlns:p="http://schemas.openxmlformats.org/presentationml/2006/main" showMasterSp="0" showMasterPhAnim="0">
-  <p:cSld>
-    <p:spTree>
-      <p:nvGrpSpPr>
-        <p:cNvPr id="1" name="Shape 179"/>
-        <p:cNvGrpSpPr/>
-        <p:nvPr/>
-      </p:nvGrpSpPr>
-      <p:grpSpPr>
-        <a:xfrm>
-          <a:off x="0" y="0"/>
-          <a:ext cx="0" cy="0"/>
-          <a:chOff x="0" y="0"/>
-          <a:chExt cx="0" cy="0"/>
-        </a:xfrm>
-      </p:grpSpPr>
-      <p:sp>
-        <p:nvSpPr>
-          <p:cNvPr id="180" name="Google Shape;180;p15:notes"/>
-          <p:cNvSpPr txBox="1">
-            <a:spLocks noGrp="1"/>
-          </p:cNvSpPr>
-          <p:nvPr>
-            <p:ph type="body" idx="1"/>
-          </p:nvPr>
-        </p:nvSpPr>
-        <p:spPr>
-          <a:xfrm>
-            <a:off x="685800" y="4343400"/>
-            <a:ext cx="5486400" cy="4114800"/>
-          </a:xfrm>
-          <a:prstGeom prst="rect">
-            <a:avLst/>
-          </a:prstGeom>
-        </p:spPr>
-        <p:txBody>
-          <a:bodyPr spcFirstLastPara="1" wrap="square" lIns="91425" tIns="91425" rIns="91425" bIns="91425" anchor="t" anchorCtr="0">
-            <a:noAutofit/>
-          </a:bodyPr>
-          <a:lstStyle/>
-          <a:p>
-            <a:pPr marL="0" lvl="0" indent="0" algn="l" rtl="0">
-              <a:spcBef>
-                <a:spcPts val="0"/>
-              </a:spcBef>
-              <a:spcAft>
-                <a:spcPts val="0"/>
-              </a:spcAft>
-              <a:buNone/>
-            </a:pPr>
-            <a:endParaRPr/>
-          </a:p>
-        </p:txBody>
-      </p:sp>
-      <p:sp>
-        <p:nvSpPr>
-          <p:cNvPr id="181" name="Google Shape;181;p15:notes"/>
-          <p:cNvSpPr>
-            <a:spLocks noGrp="1" noRot="1" noChangeAspect="1"/>
-          </p:cNvSpPr>
-          <p:nvPr>
-            <p:ph type="sldImg" idx="2"/>
-          </p:nvPr>
-        </p:nvSpPr>
-        <p:spPr>
-          <a:xfrm>
-            <a:off x="1143000" y="685800"/>
-            <a:ext cx="4572000" cy="3429000"/>
-          </a:xfrm>
-          <a:custGeom>
-            <a:avLst/>
-            <a:gdLst/>
-            <a:ahLst/>
-            <a:cxnLst/>
-            <a:rect l="l" t="t" r="r" b="b"/>
-            <a:pathLst>
-              <a:path w="120000" h="120000" extrusionOk="0">
-                <a:moveTo>
-                  <a:pt x="0" y="0"/>
-                </a:moveTo>
-                <a:lnTo>
-                  <a:pt x="120000" y="0"/>
-                </a:lnTo>
-                <a:lnTo>
-                  <a:pt x="120000" y="120000"/>
-                </a:lnTo>
-                <a:lnTo>
-                  <a:pt x="0" y="120000"/>
-                </a:lnTo>
-                <a:close/>
-              </a:path>
-            </a:pathLst>
-          </a:custGeom>
-        </p:spPr>
-      </p:sp>
-    </p:spTree>
-  </p:cSld>
-  <p:clrMapOvr>
-    <a:masterClrMapping/>
-  </p:clrMapOvr>
-</p:notes>
-</file>
-
-<file path=ppt/notesSlides/notesSlide15.xml><?xml version="1.0" encoding="utf-8"?>
-<p:notes xmlns:a="http://schemas.openxmlformats.org/drawingml/2006/main" xmlns:r="http://schemas.openxmlformats.org/officeDocument/2006/relationships" xmlns:p="http://schemas.openxmlformats.org/presentationml/2006/main" showMasterSp="0" showMasterPhAnim="0">
-  <p:cSld>
-    <p:spTree>
-      <p:nvGrpSpPr>
-        <p:cNvPr id="1" name="Shape 187"/>
-        <p:cNvGrpSpPr/>
-        <p:nvPr/>
-      </p:nvGrpSpPr>
-      <p:grpSpPr>
-        <a:xfrm>
-          <a:off x="0" y="0"/>
-          <a:ext cx="0" cy="0"/>
-          <a:chOff x="0" y="0"/>
-          <a:chExt cx="0" cy="0"/>
-        </a:xfrm>
-      </p:grpSpPr>
-      <p:sp>
-        <p:nvSpPr>
-          <p:cNvPr id="188" name="Google Shape;188;p16:notes"/>
-          <p:cNvSpPr txBox="1">
-            <a:spLocks noGrp="1"/>
-          </p:cNvSpPr>
-          <p:nvPr>
-            <p:ph type="body" idx="1"/>
-          </p:nvPr>
-        </p:nvSpPr>
-        <p:spPr>
-          <a:xfrm>
-            <a:off x="685800" y="4343400"/>
-            <a:ext cx="5486400" cy="4114800"/>
-          </a:xfrm>
-          <a:prstGeom prst="rect">
-            <a:avLst/>
-          </a:prstGeom>
-        </p:spPr>
-        <p:txBody>
-          <a:bodyPr spcFirstLastPara="1" wrap="square" lIns="91425" tIns="91425" rIns="91425" bIns="91425" anchor="t" anchorCtr="0">
-            <a:noAutofit/>
-          </a:bodyPr>
-          <a:lstStyle/>
-          <a:p>
-            <a:pPr marL="0" lvl="0" indent="0" algn="l" rtl="0">
-              <a:spcBef>
-                <a:spcPts val="0"/>
-              </a:spcBef>
-              <a:spcAft>
-                <a:spcPts val="0"/>
-              </a:spcAft>
-              <a:buNone/>
-            </a:pPr>
-            <a:endParaRPr/>
-          </a:p>
-        </p:txBody>
-      </p:sp>
-      <p:sp>
-        <p:nvSpPr>
-          <p:cNvPr id="189" name="Google Shape;189;p16:notes"/>
-          <p:cNvSpPr>
-            <a:spLocks noGrp="1" noRot="1" noChangeAspect="1"/>
-          </p:cNvSpPr>
-          <p:nvPr>
-            <p:ph type="sldImg" idx="2"/>
-          </p:nvPr>
-        </p:nvSpPr>
-        <p:spPr>
-          <a:xfrm>
-            <a:off x="1143225" y="685800"/>
-            <a:ext cx="4572225" cy="3429000"/>
-          </a:xfrm>
-          <a:custGeom>
-            <a:avLst/>
-            <a:gdLst/>
-            <a:ahLst/>
-            <a:cxnLst/>
-            <a:rect l="l" t="t" r="r" b="b"/>
-            <a:pathLst>
-              <a:path w="120000" h="120000" extrusionOk="0">
-                <a:moveTo>
-                  <a:pt x="0" y="0"/>
-                </a:moveTo>
-                <a:lnTo>
-                  <a:pt x="120000" y="0"/>
-                </a:lnTo>
-                <a:lnTo>
-                  <a:pt x="120000" y="120000"/>
-                </a:lnTo>
-                <a:lnTo>
-                  <a:pt x="0" y="120000"/>
-                </a:lnTo>
-                <a:close/>
-              </a:path>
-            </a:pathLst>
-          </a:custGeom>
-        </p:spPr>
-      </p:sp>
-    </p:spTree>
-  </p:cSld>
-  <p:clrMapOvr>
-    <a:masterClrMapping/>
-  </p:clrMapOvr>
-</p:notes>
-</file>
-
-<file path=ppt/notesSlides/notesSlide16.xml><?xml version="1.0" encoding="utf-8"?>
-<p:notes xmlns:a="http://schemas.openxmlformats.org/drawingml/2006/main" xmlns:r="http://schemas.openxmlformats.org/officeDocument/2006/relationships" xmlns:p="http://schemas.openxmlformats.org/presentationml/2006/main" showMasterSp="0" showMasterPhAnim="0">
-  <p:cSld>
-    <p:spTree>
-      <p:nvGrpSpPr>
-        <p:cNvPr id="1" name="Shape 194"/>
-        <p:cNvGrpSpPr/>
-        <p:nvPr/>
-      </p:nvGrpSpPr>
-      <p:grpSpPr>
-        <a:xfrm>
-          <a:off x="0" y="0"/>
-          <a:ext cx="0" cy="0"/>
-          <a:chOff x="0" y="0"/>
-          <a:chExt cx="0" cy="0"/>
-        </a:xfrm>
-      </p:grpSpPr>
-      <p:sp>
-        <p:nvSpPr>
-          <p:cNvPr id="195" name="Google Shape;195;p17:notes"/>
-          <p:cNvSpPr txBox="1">
-            <a:spLocks noGrp="1"/>
-          </p:cNvSpPr>
-          <p:nvPr>
-            <p:ph type="body" idx="1"/>
-          </p:nvPr>
-        </p:nvSpPr>
-        <p:spPr>
-          <a:xfrm>
-            <a:off x="685800" y="4343400"/>
-            <a:ext cx="5486400" cy="4114800"/>
-          </a:xfrm>
-          <a:prstGeom prst="rect">
-            <a:avLst/>
-          </a:prstGeom>
-        </p:spPr>
-        <p:txBody>
-          <a:bodyPr spcFirstLastPara="1" wrap="square" lIns="91425" tIns="91425" rIns="91425" bIns="91425" anchor="t" anchorCtr="0">
-            <a:noAutofit/>
-          </a:bodyPr>
-          <a:lstStyle/>
-          <a:p>
-            <a:pPr marL="0" lvl="0" indent="0" algn="l" rtl="0">
-              <a:spcBef>
-                <a:spcPts val="0"/>
-              </a:spcBef>
-              <a:spcAft>
-                <a:spcPts val="0"/>
-              </a:spcAft>
-              <a:buNone/>
-            </a:pPr>
-            <a:endParaRPr/>
-          </a:p>
-        </p:txBody>
-      </p:sp>
-      <p:sp>
-        <p:nvSpPr>
-          <p:cNvPr id="196" name="Google Shape;196;p17:notes"/>
-          <p:cNvSpPr>
-            <a:spLocks noGrp="1" noRot="1" noChangeAspect="1"/>
-          </p:cNvSpPr>
-          <p:nvPr>
-            <p:ph type="sldImg" idx="2"/>
-          </p:nvPr>
-        </p:nvSpPr>
-        <p:spPr>
-          <a:xfrm>
-            <a:off x="1143000" y="685800"/>
-            <a:ext cx="4572000" cy="3429000"/>
-          </a:xfrm>
-          <a:custGeom>
-            <a:avLst/>
-            <a:gdLst/>
-            <a:ahLst/>
-            <a:cxnLst/>
-            <a:rect l="l" t="t" r="r" b="b"/>
-            <a:pathLst>
-              <a:path w="120000" h="120000" extrusionOk="0">
-                <a:moveTo>
-                  <a:pt x="0" y="0"/>
-                </a:moveTo>
-                <a:lnTo>
-                  <a:pt x="120000" y="0"/>
-                </a:lnTo>
-                <a:lnTo>
-                  <a:pt x="120000" y="120000"/>
-                </a:lnTo>
-                <a:lnTo>
-                  <a:pt x="0" y="120000"/>
-                </a:lnTo>
-                <a:close/>
-              </a:path>
-            </a:pathLst>
-          </a:custGeom>
-        </p:spPr>
-      </p:sp>
-    </p:spTree>
-  </p:cSld>
-  <p:clrMapOvr>
-    <a:masterClrMapping/>
-  </p:clrMapOvr>
-</p:notes>
-</file>
-
-<file path=ppt/notesSlides/notesSlide17.xml><?xml version="1.0" encoding="utf-8"?>
-<p:notes xmlns:a="http://schemas.openxmlformats.org/drawingml/2006/main" xmlns:r="http://schemas.openxmlformats.org/officeDocument/2006/relationships" xmlns:p="http://schemas.openxmlformats.org/presentationml/2006/main" showMasterSp="0" showMasterPhAnim="0">
-  <p:cSld>
-    <p:spTree>
-      <p:nvGrpSpPr>
-        <p:cNvPr id="1" name="Shape 201"/>
-        <p:cNvGrpSpPr/>
-        <p:nvPr/>
-      </p:nvGrpSpPr>
-      <p:grpSpPr>
-        <a:xfrm>
-          <a:off x="0" y="0"/>
-          <a:ext cx="0" cy="0"/>
-          <a:chOff x="0" y="0"/>
-          <a:chExt cx="0" cy="0"/>
-        </a:xfrm>
-      </p:grpSpPr>
-      <p:sp>
-        <p:nvSpPr>
-          <p:cNvPr id="202" name="Google Shape;202;p18:notes"/>
-          <p:cNvSpPr txBox="1">
-            <a:spLocks noGrp="1"/>
-          </p:cNvSpPr>
-          <p:nvPr>
-            <p:ph type="body" idx="1"/>
-          </p:nvPr>
-        </p:nvSpPr>
-        <p:spPr>
-          <a:xfrm>
-            <a:off x="685800" y="4343400"/>
-            <a:ext cx="5486400" cy="4114800"/>
-          </a:xfrm>
-          <a:prstGeom prst="rect">
-            <a:avLst/>
-          </a:prstGeom>
-        </p:spPr>
-        <p:txBody>
-          <a:bodyPr spcFirstLastPara="1" wrap="square" lIns="91425" tIns="91425" rIns="91425" bIns="91425" anchor="t" anchorCtr="0">
-            <a:noAutofit/>
-          </a:bodyPr>
-          <a:lstStyle/>
-          <a:p>
-            <a:pPr marL="0" lvl="0" indent="0" algn="l" rtl="0">
-              <a:spcBef>
-                <a:spcPts val="0"/>
-              </a:spcBef>
-              <a:spcAft>
-                <a:spcPts val="0"/>
-              </a:spcAft>
-              <a:buNone/>
-            </a:pPr>
-            <a:endParaRPr/>
-          </a:p>
-        </p:txBody>
-      </p:sp>
-      <p:sp>
-        <p:nvSpPr>
-          <p:cNvPr id="203" name="Google Shape;203;p18:notes"/>
-          <p:cNvSpPr>
-            <a:spLocks noGrp="1" noRot="1" noChangeAspect="1"/>
-          </p:cNvSpPr>
-          <p:nvPr>
-            <p:ph type="sldImg" idx="2"/>
-          </p:nvPr>
-        </p:nvSpPr>
-        <p:spPr>
-          <a:xfrm>
-            <a:off x="1143000" y="685800"/>
-            <a:ext cx="4572000" cy="3429000"/>
-          </a:xfrm>
-          <a:custGeom>
-            <a:avLst/>
-            <a:gdLst/>
-            <a:ahLst/>
-            <a:cxnLst/>
-            <a:rect l="l" t="t" r="r" b="b"/>
-            <a:pathLst>
-              <a:path w="120000" h="120000" extrusionOk="0">
-                <a:moveTo>
-                  <a:pt x="0" y="0"/>
-                </a:moveTo>
-                <a:lnTo>
-                  <a:pt x="120000" y="0"/>
-                </a:lnTo>
-                <a:lnTo>
-                  <a:pt x="120000" y="120000"/>
-                </a:lnTo>
-                <a:lnTo>
-                  <a:pt x="0" y="120000"/>
-                </a:lnTo>
-                <a:close/>
-              </a:path>
-            </a:pathLst>
-          </a:custGeom>
-        </p:spPr>
-      </p:sp>
-    </p:spTree>
-  </p:cSld>
-  <p:clrMapOvr>
-    <a:masterClrMapping/>
-  </p:clrMapOvr>
-</p:notes>
-</file>
-
-<file path=ppt/notesSlides/notesSlide18.xml><?xml version="1.0" encoding="utf-8"?>
-<p:notes xmlns:a="http://schemas.openxmlformats.org/drawingml/2006/main" xmlns:r="http://schemas.openxmlformats.org/officeDocument/2006/relationships" xmlns:p="http://schemas.openxmlformats.org/presentationml/2006/main" showMasterSp="0" showMasterPhAnim="0">
-  <p:cSld>
-    <p:spTree>
-      <p:nvGrpSpPr>
-        <p:cNvPr id="1" name="Shape 208"/>
-        <p:cNvGrpSpPr/>
-        <p:nvPr/>
-      </p:nvGrpSpPr>
-      <p:grpSpPr>
-        <a:xfrm>
-          <a:off x="0" y="0"/>
-          <a:ext cx="0" cy="0"/>
-          <a:chOff x="0" y="0"/>
-          <a:chExt cx="0" cy="0"/>
-        </a:xfrm>
-      </p:grpSpPr>
-      <p:sp>
-        <p:nvSpPr>
-          <p:cNvPr id="209" name="Google Shape;209;p19:notes"/>
-          <p:cNvSpPr txBox="1">
-            <a:spLocks noGrp="1"/>
-          </p:cNvSpPr>
-          <p:nvPr>
-            <p:ph type="body" idx="1"/>
-          </p:nvPr>
-        </p:nvSpPr>
-        <p:spPr>
-          <a:xfrm>
-            <a:off x="685800" y="4343400"/>
-            <a:ext cx="5486400" cy="4114800"/>
-          </a:xfrm>
-          <a:prstGeom prst="rect">
-            <a:avLst/>
-          </a:prstGeom>
-        </p:spPr>
-        <p:txBody>
-          <a:bodyPr spcFirstLastPara="1" wrap="square" lIns="91425" tIns="91425" rIns="91425" bIns="91425" anchor="t" anchorCtr="0">
-            <a:noAutofit/>
-          </a:bodyPr>
-          <a:lstStyle/>
-          <a:p>
-            <a:pPr marL="0" lvl="0" indent="0" algn="l" rtl="0">
-              <a:spcBef>
-                <a:spcPts val="0"/>
-              </a:spcBef>
-              <a:spcAft>
-                <a:spcPts val="0"/>
-              </a:spcAft>
-              <a:buNone/>
-            </a:pPr>
-            <a:endParaRPr/>
-          </a:p>
-        </p:txBody>
-      </p:sp>
-      <p:sp>
-        <p:nvSpPr>
-          <p:cNvPr id="210" name="Google Shape;210;p19:notes"/>
-          <p:cNvSpPr>
-            <a:spLocks noGrp="1" noRot="1" noChangeAspect="1"/>
-          </p:cNvSpPr>
-          <p:nvPr>
-            <p:ph type="sldImg" idx="2"/>
-          </p:nvPr>
-        </p:nvSpPr>
-        <p:spPr>
-          <a:xfrm>
-            <a:off x="1143225" y="685800"/>
-            <a:ext cx="4572225" cy="3429000"/>
-          </a:xfrm>
-          <a:custGeom>
-            <a:avLst/>
-            <a:gdLst/>
-            <a:ahLst/>
-            <a:cxnLst/>
-            <a:rect l="l" t="t" r="r" b="b"/>
-            <a:pathLst>
-              <a:path w="120000" h="120000" extrusionOk="0">
-                <a:moveTo>
-                  <a:pt x="0" y="0"/>
-                </a:moveTo>
-                <a:lnTo>
-                  <a:pt x="120000" y="0"/>
-                </a:lnTo>
-                <a:lnTo>
-                  <a:pt x="120000" y="120000"/>
-                </a:lnTo>
-                <a:lnTo>
-                  <a:pt x="0" y="120000"/>
-                </a:lnTo>
-                <a:close/>
-              </a:path>
-            </a:pathLst>
-          </a:custGeom>
-        </p:spPr>
-      </p:sp>
-    </p:spTree>
-  </p:cSld>
-  <p:clrMapOvr>
-    <a:masterClrMapping/>
-  </p:clrMapOvr>
-</p:notes>
-</file>
-
-<file path=ppt/notesSlides/notesSlide19.xml><?xml version="1.0" encoding="utf-8"?>
-<p:notes xmlns:a="http://schemas.openxmlformats.org/drawingml/2006/main" xmlns:r="http://schemas.openxmlformats.org/officeDocument/2006/relationships" xmlns:p="http://schemas.openxmlformats.org/presentationml/2006/main" showMasterSp="0" showMasterPhAnim="0">
-  <p:cSld>
-    <p:spTree>
-      <p:nvGrpSpPr>
-        <p:cNvPr id="1" name="Shape 215"/>
-        <p:cNvGrpSpPr/>
-        <p:nvPr/>
-      </p:nvGrpSpPr>
-      <p:grpSpPr>
-        <a:xfrm>
-          <a:off x="0" y="0"/>
-          <a:ext cx="0" cy="0"/>
-          <a:chOff x="0" y="0"/>
-          <a:chExt cx="0" cy="0"/>
-        </a:xfrm>
-      </p:grpSpPr>
-      <p:sp>
-        <p:nvSpPr>
-          <p:cNvPr id="216" name="Google Shape;216;p20:notes"/>
-          <p:cNvSpPr txBox="1">
-            <a:spLocks noGrp="1"/>
-          </p:cNvSpPr>
-          <p:nvPr>
-            <p:ph type="body" idx="1"/>
-          </p:nvPr>
-        </p:nvSpPr>
-        <p:spPr>
-          <a:xfrm>
-            <a:off x="685800" y="4343400"/>
-            <a:ext cx="5486400" cy="4114800"/>
-          </a:xfrm>
-          <a:prstGeom prst="rect">
-            <a:avLst/>
-          </a:prstGeom>
-        </p:spPr>
-        <p:txBody>
-          <a:bodyPr spcFirstLastPara="1" wrap="square" lIns="91425" tIns="91425" rIns="91425" bIns="91425" anchor="t" anchorCtr="0">
-            <a:noAutofit/>
-          </a:bodyPr>
-          <a:lstStyle/>
-          <a:p>
-            <a:pPr marL="0" lvl="0" indent="0" algn="l" rtl="0">
-              <a:spcBef>
-                <a:spcPts val="0"/>
-              </a:spcBef>
-              <a:spcAft>
-                <a:spcPts val="0"/>
-              </a:spcAft>
-              <a:buNone/>
-            </a:pPr>
-            <a:endParaRPr/>
-          </a:p>
-        </p:txBody>
-      </p:sp>
-      <p:sp>
-        <p:nvSpPr>
-          <p:cNvPr id="217" name="Google Shape;217;p20:notes"/>
-          <p:cNvSpPr>
-            <a:spLocks noGrp="1" noRot="1" noChangeAspect="1"/>
-          </p:cNvSpPr>
-          <p:nvPr>
-            <p:ph type="sldImg" idx="2"/>
-          </p:nvPr>
-        </p:nvSpPr>
-        <p:spPr>
-          <a:xfrm>
-            <a:off x="1143000" y="685800"/>
-            <a:ext cx="4572000" cy="3429000"/>
-          </a:xfrm>
-          <a:custGeom>
-            <a:avLst/>
-            <a:gdLst/>
-            <a:ahLst/>
-            <a:cxnLst/>
-            <a:rect l="l" t="t" r="r" b="b"/>
-            <a:pathLst>
-              <a:path w="120000" h="120000" extrusionOk="0">
-                <a:moveTo>
-                  <a:pt x="0" y="0"/>
-                </a:moveTo>
-                <a:lnTo>
-                  <a:pt x="120000" y="0"/>
-                </a:lnTo>
-                <a:lnTo>
-                  <a:pt x="120000" y="120000"/>
-                </a:lnTo>
-                <a:lnTo>
-                  <a:pt x="0" y="120000"/>
-                </a:lnTo>
-                <a:close/>
-              </a:path>
-            </a:pathLst>
-          </a:custGeom>
-        </p:spPr>
-      </p:sp>
-    </p:spTree>
-  </p:cSld>
-  <p:clrMapOvr>
-    <a:masterClrMapping/>
-  </p:clrMapOvr>
-</p:notes>
-</file>
-
-<file path=ppt/notesSlides/notesSlide2.xml><?xml version="1.0" encoding="utf-8"?>
-<p:notes xmlns:a="http://schemas.openxmlformats.org/drawingml/2006/main" xmlns:r="http://schemas.openxmlformats.org/officeDocument/2006/relationships" xmlns:p="http://schemas.openxmlformats.org/presentationml/2006/main" showMasterSp="0" showMasterPhAnim="0">
-  <p:cSld>
-    <p:spTree>
-      <p:nvGrpSpPr>
-        <p:cNvPr id="1" name="Shape 91"/>
-        <p:cNvGrpSpPr/>
-        <p:nvPr/>
-      </p:nvGrpSpPr>
-      <p:grpSpPr>
-        <a:xfrm>
-          <a:off x="0" y="0"/>
-          <a:ext cx="0" cy="0"/>
-          <a:chOff x="0" y="0"/>
-          <a:chExt cx="0" cy="0"/>
-        </a:xfrm>
-      </p:grpSpPr>
-      <p:sp>
-        <p:nvSpPr>
-          <p:cNvPr id="92" name="Google Shape;92;p2:notes"/>
-          <p:cNvSpPr txBox="1">
-            <a:spLocks noGrp="1"/>
-          </p:cNvSpPr>
-          <p:nvPr>
-            <p:ph type="body" idx="1"/>
-          </p:nvPr>
-        </p:nvSpPr>
-        <p:spPr>
-          <a:xfrm>
-            <a:off x="685800" y="4343400"/>
-            <a:ext cx="5486400" cy="4114800"/>
-          </a:xfrm>
-          <a:prstGeom prst="rect">
-            <a:avLst/>
-          </a:prstGeom>
-        </p:spPr>
-        <p:txBody>
-          <a:bodyPr spcFirstLastPara="1" wrap="square" lIns="91425" tIns="91425" rIns="91425" bIns="91425" anchor="t" anchorCtr="0">
-            <a:noAutofit/>
-          </a:bodyPr>
-          <a:lstStyle/>
-          <a:p>
-            <a:pPr marL="0" lvl="0" indent="0" algn="l" rtl="0">
-              <a:spcBef>
-                <a:spcPts val="0"/>
-              </a:spcBef>
-              <a:spcAft>
-                <a:spcPts val="0"/>
-              </a:spcAft>
-              <a:buNone/>
-            </a:pPr>
-            <a:endParaRPr/>
-          </a:p>
-        </p:txBody>
-      </p:sp>
-      <p:sp>
-        <p:nvSpPr>
-          <p:cNvPr id="93" name="Google Shape;93;p2:notes"/>
-          <p:cNvSpPr>
-            <a:spLocks noGrp="1" noRot="1" noChangeAspect="1"/>
-          </p:cNvSpPr>
-          <p:nvPr>
-            <p:ph type="sldImg" idx="2"/>
-          </p:nvPr>
-        </p:nvSpPr>
-        <p:spPr>
-          <a:xfrm>
-            <a:off x="1143000" y="685800"/>
-            <a:ext cx="4572000" cy="3429000"/>
-          </a:xfrm>
-          <a:custGeom>
-            <a:avLst/>
-            <a:gdLst/>
-            <a:ahLst/>
-            <a:cxnLst/>
-            <a:rect l="l" t="t" r="r" b="b"/>
-            <a:pathLst>
-              <a:path w="120000" h="120000" extrusionOk="0">
-                <a:moveTo>
-                  <a:pt x="0" y="0"/>
-                </a:moveTo>
-                <a:lnTo>
-                  <a:pt x="120000" y="0"/>
-                </a:lnTo>
-                <a:lnTo>
-                  <a:pt x="120000" y="120000"/>
-                </a:lnTo>
-                <a:lnTo>
-                  <a:pt x="0" y="120000"/>
-                </a:lnTo>
-                <a:close/>
-              </a:path>
-            </a:pathLst>
-          </a:custGeom>
-        </p:spPr>
-      </p:sp>
-    </p:spTree>
-  </p:cSld>
-  <p:clrMapOvr>
-    <a:masterClrMapping/>
-  </p:clrMapOvr>
-</p:notes>
-</file>
-
-<file path=ppt/notesSlides/notesSlide20.xml><?xml version="1.0" encoding="utf-8"?>
-<p:notes xmlns:a="http://schemas.openxmlformats.org/drawingml/2006/main" xmlns:r="http://schemas.openxmlformats.org/officeDocument/2006/relationships" xmlns:p="http://schemas.openxmlformats.org/presentationml/2006/main" showMasterSp="0" showMasterPhAnim="0">
-  <p:cSld>
-    <p:spTree>
-      <p:nvGrpSpPr>
-        <p:cNvPr id="1" name="Shape 222"/>
-        <p:cNvGrpSpPr/>
-        <p:nvPr/>
-      </p:nvGrpSpPr>
-      <p:grpSpPr>
-        <a:xfrm>
-          <a:off x="0" y="0"/>
-          <a:ext cx="0" cy="0"/>
-          <a:chOff x="0" y="0"/>
-          <a:chExt cx="0" cy="0"/>
-        </a:xfrm>
-      </p:grpSpPr>
-      <p:sp>
-        <p:nvSpPr>
-          <p:cNvPr id="223" name="Google Shape;223;p21:notes"/>
-          <p:cNvSpPr txBox="1">
-            <a:spLocks noGrp="1"/>
-          </p:cNvSpPr>
-          <p:nvPr>
-            <p:ph type="body" idx="1"/>
-          </p:nvPr>
-        </p:nvSpPr>
-        <p:spPr>
-          <a:xfrm>
-            <a:off x="685800" y="4343400"/>
-            <a:ext cx="5486400" cy="4114800"/>
-          </a:xfrm>
-          <a:prstGeom prst="rect">
-            <a:avLst/>
-          </a:prstGeom>
-        </p:spPr>
-        <p:txBody>
-          <a:bodyPr spcFirstLastPara="1" wrap="square" lIns="91425" tIns="91425" rIns="91425" bIns="91425" anchor="t" anchorCtr="0">
-            <a:noAutofit/>
-          </a:bodyPr>
-          <a:lstStyle/>
-          <a:p>
-            <a:pPr marL="0" lvl="0" indent="0" algn="l" rtl="0">
-              <a:spcBef>
-                <a:spcPts val="0"/>
-              </a:spcBef>
-              <a:spcAft>
-                <a:spcPts val="0"/>
-              </a:spcAft>
-              <a:buNone/>
-            </a:pPr>
-            <a:endParaRPr/>
-          </a:p>
-        </p:txBody>
-      </p:sp>
-      <p:sp>
-        <p:nvSpPr>
-          <p:cNvPr id="224" name="Google Shape;224;p21:notes"/>
-          <p:cNvSpPr>
-            <a:spLocks noGrp="1" noRot="1" noChangeAspect="1"/>
-          </p:cNvSpPr>
-          <p:nvPr>
-            <p:ph type="sldImg" idx="2"/>
-          </p:nvPr>
-        </p:nvSpPr>
-        <p:spPr>
-          <a:xfrm>
-            <a:off x="1143225" y="685800"/>
-            <a:ext cx="4572225" cy="3429000"/>
-          </a:xfrm>
-          <a:custGeom>
-            <a:avLst/>
-            <a:gdLst/>
-            <a:ahLst/>
-            <a:cxnLst/>
-            <a:rect l="l" t="t" r="r" b="b"/>
-            <a:pathLst>
-              <a:path w="120000" h="120000" extrusionOk="0">
-                <a:moveTo>
-                  <a:pt x="0" y="0"/>
-                </a:moveTo>
-                <a:lnTo>
-                  <a:pt x="120000" y="0"/>
-                </a:lnTo>
-                <a:lnTo>
-                  <a:pt x="120000" y="120000"/>
-                </a:lnTo>
-                <a:lnTo>
-                  <a:pt x="0" y="120000"/>
-                </a:lnTo>
-                <a:close/>
-              </a:path>
-            </a:pathLst>
-          </a:custGeom>
-        </p:spPr>
-      </p:sp>
-    </p:spTree>
-  </p:cSld>
-  <p:clrMapOvr>
-    <a:masterClrMapping/>
-  </p:clrMapOvr>
-</p:notes>
-</file>
-
-<file path=ppt/notesSlides/notesSlide21.xml><?xml version="1.0" encoding="utf-8"?>
-<p:notes xmlns:a="http://schemas.openxmlformats.org/drawingml/2006/main" xmlns:r="http://schemas.openxmlformats.org/officeDocument/2006/relationships" xmlns:p="http://schemas.openxmlformats.org/presentationml/2006/main" showMasterSp="0" showMasterPhAnim="0">
-  <p:cSld>
-    <p:spTree>
-      <p:nvGrpSpPr>
-        <p:cNvPr id="1" name="Shape 229"/>
-        <p:cNvGrpSpPr/>
-        <p:nvPr/>
-      </p:nvGrpSpPr>
-      <p:grpSpPr>
-        <a:xfrm>
-          <a:off x="0" y="0"/>
-          <a:ext cx="0" cy="0"/>
-          <a:chOff x="0" y="0"/>
-          <a:chExt cx="0" cy="0"/>
-        </a:xfrm>
-      </p:grpSpPr>
-      <p:sp>
-        <p:nvSpPr>
-          <p:cNvPr id="230" name="Google Shape;230;p22:notes"/>
-          <p:cNvSpPr txBox="1">
-            <a:spLocks noGrp="1"/>
-          </p:cNvSpPr>
-          <p:nvPr>
-            <p:ph type="body" idx="1"/>
-          </p:nvPr>
-        </p:nvSpPr>
-        <p:spPr>
-          <a:xfrm>
-            <a:off x="685800" y="4343400"/>
-            <a:ext cx="5486400" cy="4114800"/>
-          </a:xfrm>
-          <a:prstGeom prst="rect">
-            <a:avLst/>
-          </a:prstGeom>
-        </p:spPr>
-        <p:txBody>
-          <a:bodyPr spcFirstLastPara="1" wrap="square" lIns="91425" tIns="91425" rIns="91425" bIns="91425" anchor="t" anchorCtr="0">
-            <a:noAutofit/>
-          </a:bodyPr>
-          <a:lstStyle/>
-          <a:p>
-            <a:pPr marL="0" lvl="0" indent="0" algn="l" rtl="0">
-              <a:spcBef>
-                <a:spcPts val="0"/>
-              </a:spcBef>
-              <a:spcAft>
-                <a:spcPts val="0"/>
-              </a:spcAft>
-              <a:buNone/>
-            </a:pPr>
-            <a:endParaRPr/>
-          </a:p>
-        </p:txBody>
-      </p:sp>
-      <p:sp>
-        <p:nvSpPr>
-          <p:cNvPr id="231" name="Google Shape;231;p22:notes"/>
-          <p:cNvSpPr>
-            <a:spLocks noGrp="1" noRot="1" noChangeAspect="1"/>
-          </p:cNvSpPr>
-          <p:nvPr>
-            <p:ph type="sldImg" idx="2"/>
-          </p:nvPr>
-        </p:nvSpPr>
-        <p:spPr>
-          <a:xfrm>
-            <a:off x="1143000" y="685800"/>
-            <a:ext cx="4572000" cy="3429000"/>
-          </a:xfrm>
-          <a:custGeom>
-            <a:avLst/>
-            <a:gdLst/>
-            <a:ahLst/>
-            <a:cxnLst/>
-            <a:rect l="l" t="t" r="r" b="b"/>
-            <a:pathLst>
-              <a:path w="120000" h="120000" extrusionOk="0">
-                <a:moveTo>
-                  <a:pt x="0" y="0"/>
-                </a:moveTo>
-                <a:lnTo>
-                  <a:pt x="120000" y="0"/>
-                </a:lnTo>
-                <a:lnTo>
-                  <a:pt x="120000" y="120000"/>
-                </a:lnTo>
-                <a:lnTo>
-                  <a:pt x="0" y="120000"/>
-                </a:lnTo>
-                <a:close/>
-              </a:path>
-            </a:pathLst>
-          </a:custGeom>
-        </p:spPr>
-      </p:sp>
-    </p:spTree>
-  </p:cSld>
-  <p:clrMapOvr>
-    <a:masterClrMapping/>
-  </p:clrMapOvr>
-</p:notes>
-</file>
-
-<file path=ppt/notesSlides/notesSlide22.xml><?xml version="1.0" encoding="utf-8"?>
-<p:notes xmlns:a="http://schemas.openxmlformats.org/drawingml/2006/main" xmlns:r="http://schemas.openxmlformats.org/officeDocument/2006/relationships" xmlns:p="http://schemas.openxmlformats.org/presentationml/2006/main" showMasterSp="0" showMasterPhAnim="0">
-  <p:cSld>
-    <p:spTree>
-      <p:nvGrpSpPr>
-        <p:cNvPr id="1" name="Shape 238"/>
-        <p:cNvGrpSpPr/>
-        <p:nvPr/>
-      </p:nvGrpSpPr>
-      <p:grpSpPr>
-        <a:xfrm>
-          <a:off x="0" y="0"/>
-          <a:ext cx="0" cy="0"/>
-          <a:chOff x="0" y="0"/>
-          <a:chExt cx="0" cy="0"/>
-        </a:xfrm>
-      </p:grpSpPr>
-      <p:sp>
-        <p:nvSpPr>
-          <p:cNvPr id="239" name="Google Shape;239;p23:notes"/>
-          <p:cNvSpPr txBox="1">
-            <a:spLocks noGrp="1"/>
-          </p:cNvSpPr>
-          <p:nvPr>
-            <p:ph type="body" idx="1"/>
-          </p:nvPr>
-        </p:nvSpPr>
-        <p:spPr>
-          <a:xfrm>
-            <a:off x="685800" y="4343400"/>
-            <a:ext cx="5486400" cy="4114800"/>
-          </a:xfrm>
-          <a:prstGeom prst="rect">
-            <a:avLst/>
-          </a:prstGeom>
-        </p:spPr>
-        <p:txBody>
-          <a:bodyPr spcFirstLastPara="1" wrap="square" lIns="91425" tIns="91425" rIns="91425" bIns="91425" anchor="t" anchorCtr="0">
-            <a:noAutofit/>
-          </a:bodyPr>
-          <a:lstStyle/>
-          <a:p>
-            <a:pPr marL="0" lvl="0" indent="0" algn="l" rtl="0">
-              <a:spcBef>
-                <a:spcPts val="0"/>
-              </a:spcBef>
-              <a:spcAft>
-                <a:spcPts val="0"/>
-              </a:spcAft>
-              <a:buNone/>
-            </a:pPr>
-            <a:endParaRPr/>
-          </a:p>
-        </p:txBody>
-      </p:sp>
-      <p:sp>
-        <p:nvSpPr>
-          <p:cNvPr id="240" name="Google Shape;240;p23:notes"/>
-          <p:cNvSpPr>
-            <a:spLocks noGrp="1" noRot="1" noChangeAspect="1"/>
-          </p:cNvSpPr>
-          <p:nvPr>
-            <p:ph type="sldImg" idx="2"/>
-          </p:nvPr>
-        </p:nvSpPr>
-        <p:spPr>
-          <a:xfrm>
-            <a:off x="1143225" y="685800"/>
-            <a:ext cx="4572225" cy="3429000"/>
-          </a:xfrm>
-          <a:custGeom>
-            <a:avLst/>
-            <a:gdLst/>
-            <a:ahLst/>
-            <a:cxnLst/>
-            <a:rect l="l" t="t" r="r" b="b"/>
-            <a:pathLst>
-              <a:path w="120000" h="120000" extrusionOk="0">
-                <a:moveTo>
-                  <a:pt x="0" y="0"/>
-                </a:moveTo>
-                <a:lnTo>
-                  <a:pt x="120000" y="0"/>
-                </a:lnTo>
-                <a:lnTo>
-                  <a:pt x="120000" y="120000"/>
-                </a:lnTo>
-                <a:lnTo>
-                  <a:pt x="0" y="120000"/>
-                </a:lnTo>
-                <a:close/>
-              </a:path>
-            </a:pathLst>
-          </a:custGeom>
-        </p:spPr>
-      </p:sp>
-    </p:spTree>
-  </p:cSld>
-  <p:clrMapOvr>
-    <a:masterClrMapping/>
-  </p:clrMapOvr>
-</p:notes>
-</file>
-
-<file path=ppt/notesSlides/notesSlide23.xml><?xml version="1.0" encoding="utf-8"?>
-<p:notes xmlns:a="http://schemas.openxmlformats.org/drawingml/2006/main" xmlns:r="http://schemas.openxmlformats.org/officeDocument/2006/relationships" xmlns:p="http://schemas.openxmlformats.org/presentationml/2006/main" showMasterSp="0" showMasterPhAnim="0">
-  <p:cSld>
-    <p:spTree>
-      <p:nvGrpSpPr>
-        <p:cNvPr id="1" name="Shape 245"/>
-        <p:cNvGrpSpPr/>
-        <p:nvPr/>
-      </p:nvGrpSpPr>
-      <p:grpSpPr>
-        <a:xfrm>
-          <a:off x="0" y="0"/>
-          <a:ext cx="0" cy="0"/>
-          <a:chOff x="0" y="0"/>
-          <a:chExt cx="0" cy="0"/>
-        </a:xfrm>
-      </p:grpSpPr>
-      <p:sp>
-        <p:nvSpPr>
-          <p:cNvPr id="246" name="Google Shape;246;p24:notes"/>
-          <p:cNvSpPr txBox="1">
-            <a:spLocks noGrp="1"/>
-          </p:cNvSpPr>
-          <p:nvPr>
-            <p:ph type="body" idx="1"/>
-          </p:nvPr>
-        </p:nvSpPr>
-        <p:spPr>
-          <a:xfrm>
-            <a:off x="685800" y="4343400"/>
-            <a:ext cx="5486400" cy="4114800"/>
-          </a:xfrm>
-          <a:prstGeom prst="rect">
-            <a:avLst/>
-          </a:prstGeom>
-        </p:spPr>
-        <p:txBody>
-          <a:bodyPr spcFirstLastPara="1" wrap="square" lIns="91425" tIns="91425" rIns="91425" bIns="91425" anchor="t" anchorCtr="0">
-            <a:noAutofit/>
-          </a:bodyPr>
-          <a:lstStyle/>
-          <a:p>
-            <a:pPr marL="0" lvl="0" indent="0" algn="l" rtl="0">
-              <a:spcBef>
-                <a:spcPts val="0"/>
-              </a:spcBef>
-              <a:spcAft>
-                <a:spcPts val="0"/>
-              </a:spcAft>
-              <a:buNone/>
-            </a:pPr>
-            <a:endParaRPr/>
-          </a:p>
-        </p:txBody>
-      </p:sp>
-      <p:sp>
-        <p:nvSpPr>
-          <p:cNvPr id="247" name="Google Shape;247;p24:notes"/>
-          <p:cNvSpPr>
-            <a:spLocks noGrp="1" noRot="1" noChangeAspect="1"/>
-          </p:cNvSpPr>
-          <p:nvPr>
-            <p:ph type="sldImg" idx="2"/>
-          </p:nvPr>
-        </p:nvSpPr>
-        <p:spPr>
-          <a:xfrm>
-            <a:off x="1143000" y="685800"/>
-            <a:ext cx="4572000" cy="3429000"/>
-          </a:xfrm>
-          <a:custGeom>
-            <a:avLst/>
-            <a:gdLst/>
-            <a:ahLst/>
-            <a:cxnLst/>
-            <a:rect l="l" t="t" r="r" b="b"/>
-            <a:pathLst>
-              <a:path w="120000" h="120000" extrusionOk="0">
-                <a:moveTo>
-                  <a:pt x="0" y="0"/>
-                </a:moveTo>
-                <a:lnTo>
-                  <a:pt x="120000" y="0"/>
-                </a:lnTo>
-                <a:lnTo>
-                  <a:pt x="120000" y="120000"/>
-                </a:lnTo>
-                <a:lnTo>
-                  <a:pt x="0" y="120000"/>
-                </a:lnTo>
-                <a:close/>
-              </a:path>
-            </a:pathLst>
-          </a:custGeom>
-        </p:spPr>
-      </p:sp>
-    </p:spTree>
-  </p:cSld>
-  <p:clrMapOvr>
-    <a:masterClrMapping/>
-  </p:clrMapOvr>
-</p:notes>
-</file>
-
-<file path=ppt/notesSlides/notesSlide24.xml><?xml version="1.0" encoding="utf-8"?>
-<p:notes xmlns:a="http://schemas.openxmlformats.org/drawingml/2006/main" xmlns:r="http://schemas.openxmlformats.org/officeDocument/2006/relationships" xmlns:p="http://schemas.openxmlformats.org/presentationml/2006/main" showMasterSp="0" showMasterPhAnim="0">
-  <p:cSld>
-    <p:spTree>
-      <p:nvGrpSpPr>
-        <p:cNvPr id="1" name="Shape 253"/>
-        <p:cNvGrpSpPr/>
-        <p:nvPr/>
-      </p:nvGrpSpPr>
-      <p:grpSpPr>
-        <a:xfrm>
-          <a:off x="0" y="0"/>
-          <a:ext cx="0" cy="0"/>
-          <a:chOff x="0" y="0"/>
-          <a:chExt cx="0" cy="0"/>
-        </a:xfrm>
-      </p:grpSpPr>
-      <p:sp>
-        <p:nvSpPr>
-          <p:cNvPr id="254" name="Google Shape;254;p25:notes"/>
-          <p:cNvSpPr txBox="1">
-            <a:spLocks noGrp="1"/>
-          </p:cNvSpPr>
-          <p:nvPr>
-            <p:ph type="body" idx="1"/>
-          </p:nvPr>
-        </p:nvSpPr>
-        <p:spPr>
-          <a:xfrm>
-            <a:off x="685800" y="4343400"/>
-            <a:ext cx="5486400" cy="4114800"/>
-          </a:xfrm>
-          <a:prstGeom prst="rect">
-            <a:avLst/>
-          </a:prstGeom>
-        </p:spPr>
-        <p:txBody>
-          <a:bodyPr spcFirstLastPara="1" wrap="square" lIns="91425" tIns="91425" rIns="91425" bIns="91425" anchor="t" anchorCtr="0">
-            <a:noAutofit/>
-          </a:bodyPr>
-          <a:lstStyle/>
-          <a:p>
-            <a:pPr marL="0" lvl="0" indent="0" algn="l" rtl="0">
-              <a:spcBef>
-                <a:spcPts val="0"/>
-              </a:spcBef>
-              <a:spcAft>
-                <a:spcPts val="0"/>
-              </a:spcAft>
-              <a:buNone/>
-            </a:pPr>
-            <a:endParaRPr/>
-          </a:p>
-        </p:txBody>
-      </p:sp>
-      <p:sp>
-        <p:nvSpPr>
-          <p:cNvPr id="255" name="Google Shape;255;p25:notes"/>
-          <p:cNvSpPr>
-            <a:spLocks noGrp="1" noRot="1" noChangeAspect="1"/>
-          </p:cNvSpPr>
-          <p:nvPr>
-            <p:ph type="sldImg" idx="2"/>
-          </p:nvPr>
-        </p:nvSpPr>
-        <p:spPr>
-          <a:xfrm>
-            <a:off x="1143000" y="685800"/>
-            <a:ext cx="4572000" cy="3429000"/>
-          </a:xfrm>
-          <a:custGeom>
-            <a:avLst/>
-            <a:gdLst/>
-            <a:ahLst/>
-            <a:cxnLst/>
-            <a:rect l="l" t="t" r="r" b="b"/>
-            <a:pathLst>
-              <a:path w="120000" h="120000" extrusionOk="0">
-                <a:moveTo>
-                  <a:pt x="0" y="0"/>
-                </a:moveTo>
-                <a:lnTo>
-                  <a:pt x="120000" y="0"/>
-                </a:lnTo>
-                <a:lnTo>
-                  <a:pt x="120000" y="120000"/>
-                </a:lnTo>
-                <a:lnTo>
-                  <a:pt x="0" y="120000"/>
-                </a:lnTo>
-                <a:close/>
-              </a:path>
-            </a:pathLst>
-          </a:custGeom>
-        </p:spPr>
-      </p:sp>
-    </p:spTree>
-  </p:cSld>
-  <p:clrMapOvr>
-    <a:masterClrMapping/>
-  </p:clrMapOvr>
-</p:notes>
-</file>
-
-<file path=ppt/notesSlides/notesSlide25.xml><?xml version="1.0" encoding="utf-8"?>
-<p:notes xmlns:a="http://schemas.openxmlformats.org/drawingml/2006/main" xmlns:r="http://schemas.openxmlformats.org/officeDocument/2006/relationships" xmlns:p="http://schemas.openxmlformats.org/presentationml/2006/main" showMasterSp="0" showMasterPhAnim="0">
-  <p:cSld>
-    <p:spTree>
-      <p:nvGrpSpPr>
-        <p:cNvPr id="1" name="Shape 259"/>
-        <p:cNvGrpSpPr/>
-        <p:nvPr/>
-      </p:nvGrpSpPr>
-      <p:grpSpPr>
-        <a:xfrm>
-          <a:off x="0" y="0"/>
-          <a:ext cx="0" cy="0"/>
-          <a:chOff x="0" y="0"/>
-          <a:chExt cx="0" cy="0"/>
-        </a:xfrm>
-      </p:grpSpPr>
-      <p:sp>
-        <p:nvSpPr>
-          <p:cNvPr id="260" name="Google Shape;260;p26:notes"/>
-          <p:cNvSpPr txBox="1">
-            <a:spLocks noGrp="1"/>
-          </p:cNvSpPr>
-          <p:nvPr>
-            <p:ph type="body" idx="1"/>
-          </p:nvPr>
-        </p:nvSpPr>
-        <p:spPr>
-          <a:xfrm>
-            <a:off x="685800" y="4343400"/>
-            <a:ext cx="5486400" cy="4114800"/>
-          </a:xfrm>
-          <a:prstGeom prst="rect">
-            <a:avLst/>
-          </a:prstGeom>
-        </p:spPr>
-        <p:txBody>
-          <a:bodyPr spcFirstLastPara="1" wrap="square" lIns="91425" tIns="91425" rIns="91425" bIns="91425" anchor="t" anchorCtr="0">
-            <a:noAutofit/>
-          </a:bodyPr>
-          <a:lstStyle/>
-          <a:p>
-            <a:pPr marL="0" lvl="0" indent="0" algn="l" rtl="0">
-              <a:spcBef>
-                <a:spcPts val="0"/>
-              </a:spcBef>
-              <a:spcAft>
-                <a:spcPts val="0"/>
-              </a:spcAft>
-              <a:buNone/>
-            </a:pPr>
-            <a:endParaRPr/>
-          </a:p>
-        </p:txBody>
-      </p:sp>
-      <p:sp>
-        <p:nvSpPr>
-          <p:cNvPr id="261" name="Google Shape;261;p26:notes"/>
-          <p:cNvSpPr>
-            <a:spLocks noGrp="1" noRot="1" noChangeAspect="1"/>
-          </p:cNvSpPr>
-          <p:nvPr>
-            <p:ph type="sldImg" idx="2"/>
-          </p:nvPr>
-        </p:nvSpPr>
-        <p:spPr>
-          <a:xfrm>
-            <a:off x="1143225" y="685800"/>
-            <a:ext cx="4572225" cy="3429000"/>
-          </a:xfrm>
-          <a:custGeom>
-            <a:avLst/>
-            <a:gdLst/>
-            <a:ahLst/>
-            <a:cxnLst/>
-            <a:rect l="l" t="t" r="r" b="b"/>
-            <a:pathLst>
-              <a:path w="120000" h="120000" extrusionOk="0">
-                <a:moveTo>
-                  <a:pt x="0" y="0"/>
-                </a:moveTo>
-                <a:lnTo>
-                  <a:pt x="120000" y="0"/>
-                </a:lnTo>
-                <a:lnTo>
-                  <a:pt x="120000" y="120000"/>
-                </a:lnTo>
-                <a:lnTo>
-                  <a:pt x="0" y="120000"/>
-                </a:lnTo>
-                <a:close/>
-              </a:path>
-            </a:pathLst>
-          </a:custGeom>
-        </p:spPr>
-      </p:sp>
-    </p:spTree>
-  </p:cSld>
-  <p:clrMapOvr>
-    <a:masterClrMapping/>
-  </p:clrMapOvr>
-</p:notes>
-</file>
-
-<file path=ppt/notesSlides/notesSlide26.xml><?xml version="1.0" encoding="utf-8"?>
-<p:notes xmlns:a="http://schemas.openxmlformats.org/drawingml/2006/main" xmlns:r="http://schemas.openxmlformats.org/officeDocument/2006/relationships" xmlns:p="http://schemas.openxmlformats.org/presentationml/2006/main" showMasterSp="0" showMasterPhAnim="0">
-  <p:cSld>
-    <p:spTree>
-      <p:nvGrpSpPr>
-        <p:cNvPr id="1" name="Shape 268"/>
-        <p:cNvGrpSpPr/>
-        <p:nvPr/>
-      </p:nvGrpSpPr>
-      <p:grpSpPr>
-        <a:xfrm>
-          <a:off x="0" y="0"/>
-          <a:ext cx="0" cy="0"/>
-          <a:chOff x="0" y="0"/>
-          <a:chExt cx="0" cy="0"/>
-        </a:xfrm>
-      </p:grpSpPr>
-      <p:sp>
-        <p:nvSpPr>
-          <p:cNvPr id="269" name="Google Shape;269;p27:notes"/>
-          <p:cNvSpPr txBox="1">
-            <a:spLocks noGrp="1"/>
-          </p:cNvSpPr>
-          <p:nvPr>
-            <p:ph type="body" idx="1"/>
-          </p:nvPr>
-        </p:nvSpPr>
-        <p:spPr>
-          <a:xfrm>
-            <a:off x="685800" y="4343400"/>
-            <a:ext cx="5486400" cy="4114800"/>
-          </a:xfrm>
-          <a:prstGeom prst="rect">
-            <a:avLst/>
-          </a:prstGeom>
-        </p:spPr>
-        <p:txBody>
-          <a:bodyPr spcFirstLastPara="1" wrap="square" lIns="91425" tIns="91425" rIns="91425" bIns="91425" anchor="t" anchorCtr="0">
-            <a:noAutofit/>
-          </a:bodyPr>
-          <a:lstStyle/>
-          <a:p>
-            <a:pPr marL="0" lvl="0" indent="0" algn="l" rtl="0">
-              <a:spcBef>
-                <a:spcPts val="0"/>
-              </a:spcBef>
-              <a:spcAft>
-                <a:spcPts val="0"/>
-              </a:spcAft>
-              <a:buNone/>
-            </a:pPr>
-            <a:endParaRPr/>
-          </a:p>
-        </p:txBody>
-      </p:sp>
-      <p:sp>
-        <p:nvSpPr>
-          <p:cNvPr id="270" name="Google Shape;270;p27:notes"/>
-          <p:cNvSpPr>
-            <a:spLocks noGrp="1" noRot="1" noChangeAspect="1"/>
-          </p:cNvSpPr>
-          <p:nvPr>
-            <p:ph type="sldImg" idx="2"/>
-          </p:nvPr>
-        </p:nvSpPr>
-        <p:spPr>
-          <a:xfrm>
-            <a:off x="1143225" y="685800"/>
-            <a:ext cx="4572225" cy="3429000"/>
-          </a:xfrm>
-          <a:custGeom>
-            <a:avLst/>
-            <a:gdLst/>
-            <a:ahLst/>
-            <a:cxnLst/>
-            <a:rect l="l" t="t" r="r" b="b"/>
-            <a:pathLst>
-              <a:path w="120000" h="120000" extrusionOk="0">
-                <a:moveTo>
-                  <a:pt x="0" y="0"/>
-                </a:moveTo>
-                <a:lnTo>
-                  <a:pt x="120000" y="0"/>
-                </a:lnTo>
-                <a:lnTo>
-                  <a:pt x="120000" y="120000"/>
-                </a:lnTo>
-                <a:lnTo>
-                  <a:pt x="0" y="120000"/>
-                </a:lnTo>
-                <a:close/>
-              </a:path>
-            </a:pathLst>
-          </a:custGeom>
-        </p:spPr>
-      </p:sp>
-    </p:spTree>
-  </p:cSld>
-  <p:clrMapOvr>
-    <a:masterClrMapping/>
-  </p:clrMapOvr>
-</p:notes>
-</file>
-
-<file path=ppt/notesSlides/notesSlide27.xml><?xml version="1.0" encoding="utf-8"?>
-<p:notes xmlns:a="http://schemas.openxmlformats.org/drawingml/2006/main" xmlns:r="http://schemas.openxmlformats.org/officeDocument/2006/relationships" xmlns:p="http://schemas.openxmlformats.org/presentationml/2006/main" showMasterSp="0" showMasterPhAnim="0">
-  <p:cSld>
-    <p:spTree>
-      <p:nvGrpSpPr>
-        <p:cNvPr id="1" name="Shape 276"/>
-        <p:cNvGrpSpPr/>
-        <p:nvPr/>
-      </p:nvGrpSpPr>
-      <p:grpSpPr>
-        <a:xfrm>
-          <a:off x="0" y="0"/>
-          <a:ext cx="0" cy="0"/>
-          <a:chOff x="0" y="0"/>
-          <a:chExt cx="0" cy="0"/>
-        </a:xfrm>
-      </p:grpSpPr>
-      <p:sp>
-        <p:nvSpPr>
-          <p:cNvPr id="277" name="Google Shape;277;p28:notes"/>
-          <p:cNvSpPr txBox="1">
-            <a:spLocks noGrp="1"/>
-          </p:cNvSpPr>
-          <p:nvPr>
-            <p:ph type="body" idx="1"/>
-          </p:nvPr>
-        </p:nvSpPr>
-        <p:spPr>
-          <a:xfrm>
-            <a:off x="685800" y="4343400"/>
-            <a:ext cx="5486400" cy="4114800"/>
-          </a:xfrm>
-          <a:prstGeom prst="rect">
-            <a:avLst/>
-          </a:prstGeom>
-        </p:spPr>
-        <p:txBody>
-          <a:bodyPr spcFirstLastPara="1" wrap="square" lIns="91425" tIns="91425" rIns="91425" bIns="91425" anchor="t" anchorCtr="0">
-            <a:noAutofit/>
-          </a:bodyPr>
-          <a:lstStyle/>
-          <a:p>
-            <a:pPr marL="0" lvl="0" indent="0" algn="l" rtl="0">
-              <a:spcBef>
-                <a:spcPts val="0"/>
-              </a:spcBef>
-              <a:spcAft>
-                <a:spcPts val="0"/>
-              </a:spcAft>
-              <a:buNone/>
-            </a:pPr>
-            <a:endParaRPr/>
-          </a:p>
-        </p:txBody>
-      </p:sp>
-      <p:sp>
-        <p:nvSpPr>
-          <p:cNvPr id="278" name="Google Shape;278;p28:notes"/>
-          <p:cNvSpPr>
-            <a:spLocks noGrp="1" noRot="1" noChangeAspect="1"/>
-          </p:cNvSpPr>
-          <p:nvPr>
-            <p:ph type="sldImg" idx="2"/>
-          </p:nvPr>
-        </p:nvSpPr>
-        <p:spPr>
-          <a:xfrm>
-            <a:off x="1143225" y="685800"/>
-            <a:ext cx="4572225" cy="3429000"/>
-          </a:xfrm>
-          <a:custGeom>
-            <a:avLst/>
-            <a:gdLst/>
-            <a:ahLst/>
-            <a:cxnLst/>
-            <a:rect l="l" t="t" r="r" b="b"/>
-            <a:pathLst>
-              <a:path w="120000" h="120000" extrusionOk="0">
-                <a:moveTo>
-                  <a:pt x="0" y="0"/>
-                </a:moveTo>
-                <a:lnTo>
-                  <a:pt x="120000" y="0"/>
-                </a:lnTo>
-                <a:lnTo>
-                  <a:pt x="120000" y="120000"/>
-                </a:lnTo>
-                <a:lnTo>
-                  <a:pt x="0" y="120000"/>
-                </a:lnTo>
-                <a:close/>
-              </a:path>
-            </a:pathLst>
-          </a:custGeom>
-        </p:spPr>
-      </p:sp>
-    </p:spTree>
-  </p:cSld>
-  <p:clrMapOvr>
-    <a:masterClrMapping/>
-  </p:clrMapOvr>
-</p:notes>
-</file>
-
-<file path=ppt/notesSlides/notesSlide28.xml><?xml version="1.0" encoding="utf-8"?>
-<p:notes xmlns:a="http://schemas.openxmlformats.org/drawingml/2006/main" xmlns:r="http://schemas.openxmlformats.org/officeDocument/2006/relationships" xmlns:p="http://schemas.openxmlformats.org/presentationml/2006/main" showMasterSp="0" showMasterPhAnim="0">
-  <p:cSld>
-    <p:spTree>
-      <p:nvGrpSpPr>
-        <p:cNvPr id="1" name="Shape 284"/>
-        <p:cNvGrpSpPr/>
-        <p:nvPr/>
-      </p:nvGrpSpPr>
-      <p:grpSpPr>
-        <a:xfrm>
-          <a:off x="0" y="0"/>
-          <a:ext cx="0" cy="0"/>
-          <a:chOff x="0" y="0"/>
-          <a:chExt cx="0" cy="0"/>
-        </a:xfrm>
-      </p:grpSpPr>
-      <p:sp>
-        <p:nvSpPr>
-          <p:cNvPr id="285" name="Google Shape;285;p29:notes"/>
-          <p:cNvSpPr txBox="1">
-            <a:spLocks noGrp="1"/>
-          </p:cNvSpPr>
-          <p:nvPr>
-            <p:ph type="body" idx="1"/>
-          </p:nvPr>
-        </p:nvSpPr>
-        <p:spPr>
-          <a:xfrm>
-            <a:off x="685800" y="4343400"/>
-            <a:ext cx="5486400" cy="4114800"/>
-          </a:xfrm>
-          <a:prstGeom prst="rect">
-            <a:avLst/>
-          </a:prstGeom>
-        </p:spPr>
-        <p:txBody>
-          <a:bodyPr spcFirstLastPara="1" wrap="square" lIns="91425" tIns="91425" rIns="91425" bIns="91425" anchor="t" anchorCtr="0">
-            <a:noAutofit/>
-          </a:bodyPr>
-          <a:lstStyle/>
-          <a:p>
-            <a:pPr marL="0" lvl="0" indent="0" algn="l" rtl="0">
-              <a:spcBef>
-                <a:spcPts val="0"/>
-              </a:spcBef>
-              <a:spcAft>
-                <a:spcPts val="0"/>
-              </a:spcAft>
-              <a:buNone/>
-            </a:pPr>
-            <a:endParaRPr/>
-          </a:p>
-        </p:txBody>
-      </p:sp>
-      <p:sp>
-        <p:nvSpPr>
-          <p:cNvPr id="286" name="Google Shape;286;p29:notes"/>
-          <p:cNvSpPr>
-            <a:spLocks noGrp="1" noRot="1" noChangeAspect="1"/>
-          </p:cNvSpPr>
-          <p:nvPr>
-            <p:ph type="sldImg" idx="2"/>
-          </p:nvPr>
-        </p:nvSpPr>
-        <p:spPr>
-          <a:xfrm>
-            <a:off x="1143000" y="685800"/>
-            <a:ext cx="4572000" cy="3429000"/>
-          </a:xfrm>
-          <a:custGeom>
-            <a:avLst/>
-            <a:gdLst/>
-            <a:ahLst/>
-            <a:cxnLst/>
-            <a:rect l="l" t="t" r="r" b="b"/>
-            <a:pathLst>
-              <a:path w="120000" h="120000" extrusionOk="0">
-                <a:moveTo>
-                  <a:pt x="0" y="0"/>
-                </a:moveTo>
-                <a:lnTo>
-                  <a:pt x="120000" y="0"/>
-                </a:lnTo>
-                <a:lnTo>
-                  <a:pt x="120000" y="120000"/>
-                </a:lnTo>
-                <a:lnTo>
-                  <a:pt x="0" y="120000"/>
-                </a:lnTo>
-                <a:close/>
-              </a:path>
-            </a:pathLst>
-          </a:custGeom>
-        </p:spPr>
-      </p:sp>
-    </p:spTree>
-  </p:cSld>
-  <p:clrMapOvr>
-    <a:masterClrMapping/>
-  </p:clrMapOvr>
-</p:notes>
-</file>
-
-<file path=ppt/notesSlides/notesSlide29.xml><?xml version="1.0" encoding="utf-8"?>
-<p:notes xmlns:a="http://schemas.openxmlformats.org/drawingml/2006/main" xmlns:r="http://schemas.openxmlformats.org/officeDocument/2006/relationships" xmlns:p="http://schemas.openxmlformats.org/presentationml/2006/main" showMasterSp="0" showMasterPhAnim="0">
-  <p:cSld>
-    <p:spTree>
-      <p:nvGrpSpPr>
-        <p:cNvPr id="1" name="Shape 291"/>
-        <p:cNvGrpSpPr/>
-        <p:nvPr/>
-      </p:nvGrpSpPr>
-      <p:grpSpPr>
-        <a:xfrm>
-          <a:off x="0" y="0"/>
-          <a:ext cx="0" cy="0"/>
-          <a:chOff x="0" y="0"/>
-          <a:chExt cx="0" cy="0"/>
-        </a:xfrm>
-      </p:grpSpPr>
-      <p:sp>
-        <p:nvSpPr>
-          <p:cNvPr id="292" name="Google Shape;292;p30:notes"/>
-          <p:cNvSpPr txBox="1">
-            <a:spLocks noGrp="1"/>
-          </p:cNvSpPr>
-          <p:nvPr>
-            <p:ph type="body" idx="1"/>
-          </p:nvPr>
-        </p:nvSpPr>
-        <p:spPr>
-          <a:xfrm>
-            <a:off x="685800" y="4343400"/>
-            <a:ext cx="5486400" cy="4114800"/>
-          </a:xfrm>
-          <a:prstGeom prst="rect">
-            <a:avLst/>
-          </a:prstGeom>
-        </p:spPr>
-        <p:txBody>
-          <a:bodyPr spcFirstLastPara="1" wrap="square" lIns="91425" tIns="91425" rIns="91425" bIns="91425" anchor="t" anchorCtr="0">
-            <a:noAutofit/>
-          </a:bodyPr>
-          <a:lstStyle/>
-          <a:p>
-            <a:pPr marL="0" lvl="0" indent="0" algn="l" rtl="0">
-              <a:spcBef>
-                <a:spcPts val="0"/>
-              </a:spcBef>
-              <a:spcAft>
-                <a:spcPts val="0"/>
-              </a:spcAft>
-              <a:buNone/>
-            </a:pPr>
-            <a:endParaRPr/>
-          </a:p>
-        </p:txBody>
-      </p:sp>
-      <p:sp>
-        <p:nvSpPr>
-          <p:cNvPr id="293" name="Google Shape;293;p30:notes"/>
-          <p:cNvSpPr>
-            <a:spLocks noGrp="1" noRot="1" noChangeAspect="1"/>
-          </p:cNvSpPr>
-          <p:nvPr>
-            <p:ph type="sldImg" idx="2"/>
-          </p:nvPr>
-        </p:nvSpPr>
-        <p:spPr>
-          <a:xfrm>
-            <a:off x="1143000" y="685800"/>
-            <a:ext cx="4572000" cy="3429000"/>
-          </a:xfrm>
-          <a:custGeom>
-            <a:avLst/>
-            <a:gdLst/>
-            <a:ahLst/>
-            <a:cxnLst/>
-            <a:rect l="l" t="t" r="r" b="b"/>
-            <a:pathLst>
-              <a:path w="120000" h="120000" extrusionOk="0">
-                <a:moveTo>
-                  <a:pt x="0" y="0"/>
-                </a:moveTo>
-                <a:lnTo>
-                  <a:pt x="120000" y="0"/>
-                </a:lnTo>
-                <a:lnTo>
-                  <a:pt x="120000" y="120000"/>
-                </a:lnTo>
-                <a:lnTo>
-                  <a:pt x="0" y="120000"/>
-                </a:lnTo>
-                <a:close/>
-              </a:path>
-            </a:pathLst>
-          </a:custGeom>
-        </p:spPr>
-      </p:sp>
-    </p:spTree>
-  </p:cSld>
-  <p:clrMapOvr>
-    <a:masterClrMapping/>
-  </p:clrMapOvr>
-</p:notes>
-</file>
-
-<file path=ppt/notesSlides/notesSlide3.xml><?xml version="1.0" encoding="utf-8"?>
-<p:notes xmlns:a="http://schemas.openxmlformats.org/drawingml/2006/main" xmlns:r="http://schemas.openxmlformats.org/officeDocument/2006/relationships" xmlns:p="http://schemas.openxmlformats.org/presentationml/2006/main" showMasterSp="0" showMasterPhAnim="0">
-  <p:cSld>
-    <p:spTree>
-      <p:nvGrpSpPr>
-        <p:cNvPr id="1" name="Shape 97"/>
-        <p:cNvGrpSpPr/>
-        <p:nvPr/>
-      </p:nvGrpSpPr>
-      <p:grpSpPr>
-        <a:xfrm>
-          <a:off x="0" y="0"/>
-          <a:ext cx="0" cy="0"/>
-          <a:chOff x="0" y="0"/>
-          <a:chExt cx="0" cy="0"/>
-        </a:xfrm>
-      </p:grpSpPr>
-      <p:sp>
-        <p:nvSpPr>
-          <p:cNvPr id="98" name="Google Shape;98;p3:notes"/>
-          <p:cNvSpPr txBox="1">
-            <a:spLocks noGrp="1"/>
-          </p:cNvSpPr>
-          <p:nvPr>
-            <p:ph type="body" idx="1"/>
-          </p:nvPr>
-        </p:nvSpPr>
-        <p:spPr>
-          <a:xfrm>
-            <a:off x="685800" y="4343400"/>
-            <a:ext cx="5486400" cy="4114800"/>
-          </a:xfrm>
-          <a:prstGeom prst="rect">
-            <a:avLst/>
-          </a:prstGeom>
-        </p:spPr>
-        <p:txBody>
-          <a:bodyPr spcFirstLastPara="1" wrap="square" lIns="91425" tIns="91425" rIns="91425" bIns="91425" anchor="t" anchorCtr="0">
-            <a:noAutofit/>
-          </a:bodyPr>
-          <a:lstStyle/>
-          <a:p>
-            <a:pPr marL="0" lvl="0" indent="0" algn="l" rtl="0">
-              <a:spcBef>
-                <a:spcPts val="0"/>
-              </a:spcBef>
-              <a:spcAft>
-                <a:spcPts val="0"/>
-              </a:spcAft>
-              <a:buNone/>
-            </a:pPr>
-            <a:endParaRPr/>
-          </a:p>
-        </p:txBody>
-      </p:sp>
-      <p:sp>
-        <p:nvSpPr>
-          <p:cNvPr id="99" name="Google Shape;99;p3:notes"/>
-          <p:cNvSpPr>
-            <a:spLocks noGrp="1" noRot="1" noChangeAspect="1"/>
-          </p:cNvSpPr>
-          <p:nvPr>
-            <p:ph type="sldImg" idx="2"/>
-          </p:nvPr>
-        </p:nvSpPr>
-        <p:spPr>
-          <a:xfrm>
-            <a:off x="1143225" y="685800"/>
-            <a:ext cx="4572225" cy="3429000"/>
-          </a:xfrm>
-          <a:custGeom>
-            <a:avLst/>
-            <a:gdLst/>
-            <a:ahLst/>
-            <a:cxnLst/>
-            <a:rect l="l" t="t" r="r" b="b"/>
-            <a:pathLst>
-              <a:path w="120000" h="120000" extrusionOk="0">
-                <a:moveTo>
-                  <a:pt x="0" y="0"/>
-                </a:moveTo>
-                <a:lnTo>
-                  <a:pt x="120000" y="0"/>
-                </a:lnTo>
-                <a:lnTo>
-                  <a:pt x="120000" y="120000"/>
-                </a:lnTo>
-                <a:lnTo>
-                  <a:pt x="0" y="120000"/>
-                </a:lnTo>
-                <a:close/>
-              </a:path>
-            </a:pathLst>
-          </a:custGeom>
-        </p:spPr>
-      </p:sp>
-    </p:spTree>
-  </p:cSld>
-  <p:clrMapOvr>
-    <a:masterClrMapping/>
-  </p:clrMapOvr>
-</p:notes>
-</file>
-
-<file path=ppt/notesSlides/notesSlide30.xml><?xml version="1.0" encoding="utf-8"?>
-<p:notes xmlns:a="http://schemas.openxmlformats.org/drawingml/2006/main" xmlns:r="http://schemas.openxmlformats.org/officeDocument/2006/relationships" xmlns:p="http://schemas.openxmlformats.org/presentationml/2006/main" showMasterSp="0" showMasterPhAnim="0">
-  <p:cSld>
-    <p:spTree>
-      <p:nvGrpSpPr>
-        <p:cNvPr id="1" name="Shape 299"/>
-        <p:cNvGrpSpPr/>
-        <p:nvPr/>
-      </p:nvGrpSpPr>
-      <p:grpSpPr>
-        <a:xfrm>
-          <a:off x="0" y="0"/>
-          <a:ext cx="0" cy="0"/>
-          <a:chOff x="0" y="0"/>
-          <a:chExt cx="0" cy="0"/>
-        </a:xfrm>
-      </p:grpSpPr>
-      <p:sp>
-        <p:nvSpPr>
-          <p:cNvPr id="300" name="Google Shape;300;p31:notes"/>
-          <p:cNvSpPr txBox="1">
-            <a:spLocks noGrp="1"/>
-          </p:cNvSpPr>
-          <p:nvPr>
-            <p:ph type="body" idx="1"/>
-          </p:nvPr>
-        </p:nvSpPr>
-        <p:spPr>
-          <a:xfrm>
-            <a:off x="685800" y="4343400"/>
-            <a:ext cx="5486400" cy="4114800"/>
-          </a:xfrm>
-          <a:prstGeom prst="rect">
-            <a:avLst/>
-          </a:prstGeom>
-        </p:spPr>
-        <p:txBody>
-          <a:bodyPr spcFirstLastPara="1" wrap="square" lIns="91425" tIns="91425" rIns="91425" bIns="91425" anchor="t" anchorCtr="0">
-            <a:noAutofit/>
-          </a:bodyPr>
-          <a:lstStyle/>
-          <a:p>
-            <a:pPr marL="0" lvl="0" indent="0" algn="l" rtl="0">
-              <a:spcBef>
-                <a:spcPts val="0"/>
-              </a:spcBef>
-              <a:spcAft>
-                <a:spcPts val="0"/>
-              </a:spcAft>
-              <a:buNone/>
-            </a:pPr>
-            <a:endParaRPr/>
-          </a:p>
-        </p:txBody>
-      </p:sp>
-      <p:sp>
-        <p:nvSpPr>
-          <p:cNvPr id="301" name="Google Shape;301;p31:notes"/>
-          <p:cNvSpPr>
-            <a:spLocks noGrp="1" noRot="1" noChangeAspect="1"/>
-          </p:cNvSpPr>
-          <p:nvPr>
-            <p:ph type="sldImg" idx="2"/>
-          </p:nvPr>
-        </p:nvSpPr>
-        <p:spPr>
-          <a:xfrm>
-            <a:off x="1143225" y="685800"/>
-            <a:ext cx="4572225" cy="3429000"/>
-          </a:xfrm>
-          <a:custGeom>
-            <a:avLst/>
-            <a:gdLst/>
-            <a:ahLst/>
-            <a:cxnLst/>
-            <a:rect l="l" t="t" r="r" b="b"/>
-            <a:pathLst>
-              <a:path w="120000" h="120000" extrusionOk="0">
-                <a:moveTo>
-                  <a:pt x="0" y="0"/>
-                </a:moveTo>
-                <a:lnTo>
-                  <a:pt x="120000" y="0"/>
-                </a:lnTo>
-                <a:lnTo>
-                  <a:pt x="120000" y="120000"/>
-                </a:lnTo>
-                <a:lnTo>
-                  <a:pt x="0" y="120000"/>
-                </a:lnTo>
-                <a:close/>
-              </a:path>
-            </a:pathLst>
-          </a:custGeom>
-        </p:spPr>
-      </p:sp>
-    </p:spTree>
-  </p:cSld>
-  <p:clrMapOvr>
-    <a:masterClrMapping/>
-  </p:clrMapOvr>
-</p:notes>
-</file>
-
-<file path=ppt/notesSlides/notesSlide31.xml><?xml version="1.0" encoding="utf-8"?>
-<p:notes xmlns:a="http://schemas.openxmlformats.org/drawingml/2006/main" xmlns:r="http://schemas.openxmlformats.org/officeDocument/2006/relationships" xmlns:p="http://schemas.openxmlformats.org/presentationml/2006/main" showMasterSp="0" showMasterPhAnim="0">
-  <p:cSld>
-    <p:spTree>
-      <p:nvGrpSpPr>
-        <p:cNvPr id="1" name="Shape 306"/>
-        <p:cNvGrpSpPr/>
-        <p:nvPr/>
-      </p:nvGrpSpPr>
-      <p:grpSpPr>
-        <a:xfrm>
-          <a:off x="0" y="0"/>
-          <a:ext cx="0" cy="0"/>
-          <a:chOff x="0" y="0"/>
-          <a:chExt cx="0" cy="0"/>
-        </a:xfrm>
-      </p:grpSpPr>
-      <p:sp>
-        <p:nvSpPr>
-          <p:cNvPr id="307" name="Google Shape;307;p32:notes"/>
-          <p:cNvSpPr txBox="1">
-            <a:spLocks noGrp="1"/>
-          </p:cNvSpPr>
-          <p:nvPr>
-            <p:ph type="body" idx="1"/>
-          </p:nvPr>
-        </p:nvSpPr>
-        <p:spPr>
-          <a:xfrm>
-            <a:off x="685800" y="4343400"/>
-            <a:ext cx="5486400" cy="4114800"/>
-          </a:xfrm>
-          <a:prstGeom prst="rect">
-            <a:avLst/>
-          </a:prstGeom>
-        </p:spPr>
-        <p:txBody>
-          <a:bodyPr spcFirstLastPara="1" wrap="square" lIns="91425" tIns="91425" rIns="91425" bIns="91425" anchor="t" anchorCtr="0">
-            <a:noAutofit/>
-          </a:bodyPr>
-          <a:lstStyle/>
-          <a:p>
-            <a:pPr marL="0" lvl="0" indent="0" algn="l" rtl="0">
-              <a:spcBef>
-                <a:spcPts val="0"/>
-              </a:spcBef>
-              <a:spcAft>
-                <a:spcPts val="0"/>
-              </a:spcAft>
-              <a:buNone/>
-            </a:pPr>
-            <a:endParaRPr/>
-          </a:p>
-        </p:txBody>
-      </p:sp>
-      <p:sp>
-        <p:nvSpPr>
-          <p:cNvPr id="308" name="Google Shape;308;p32:notes"/>
-          <p:cNvSpPr>
-            <a:spLocks noGrp="1" noRot="1" noChangeAspect="1"/>
-          </p:cNvSpPr>
-          <p:nvPr>
-            <p:ph type="sldImg" idx="2"/>
-          </p:nvPr>
-        </p:nvSpPr>
-        <p:spPr>
-          <a:xfrm>
-            <a:off x="1143225" y="685800"/>
-            <a:ext cx="4572225" cy="3429000"/>
-          </a:xfrm>
-          <a:custGeom>
-            <a:avLst/>
-            <a:gdLst/>
-            <a:ahLst/>
-            <a:cxnLst/>
-            <a:rect l="l" t="t" r="r" b="b"/>
-            <a:pathLst>
-              <a:path w="120000" h="120000" extrusionOk="0">
-                <a:moveTo>
-                  <a:pt x="0" y="0"/>
-                </a:moveTo>
-                <a:lnTo>
-                  <a:pt x="120000" y="0"/>
-                </a:lnTo>
-                <a:lnTo>
-                  <a:pt x="120000" y="120000"/>
-                </a:lnTo>
-                <a:lnTo>
-                  <a:pt x="0" y="120000"/>
-                </a:lnTo>
-                <a:close/>
-              </a:path>
-            </a:pathLst>
-          </a:custGeom>
-        </p:spPr>
-      </p:sp>
-    </p:spTree>
-  </p:cSld>
-  <p:clrMapOvr>
-    <a:masterClrMapping/>
-  </p:clrMapOvr>
-</p:notes>
-</file>
-
-<file path=ppt/notesSlides/notesSlide32.xml><?xml version="1.0" encoding="utf-8"?>
-<p:notes xmlns:a="http://schemas.openxmlformats.org/drawingml/2006/main" xmlns:r="http://schemas.openxmlformats.org/officeDocument/2006/relationships" xmlns:p="http://schemas.openxmlformats.org/presentationml/2006/main" showMasterSp="0" showMasterPhAnim="0">
-  <p:cSld>
-    <p:spTree>
-      <p:nvGrpSpPr>
-        <p:cNvPr id="1" name="Shape 313"/>
-        <p:cNvGrpSpPr/>
-        <p:nvPr/>
-      </p:nvGrpSpPr>
-      <p:grpSpPr>
-        <a:xfrm>
-          <a:off x="0" y="0"/>
-          <a:ext cx="0" cy="0"/>
-          <a:chOff x="0" y="0"/>
-          <a:chExt cx="0" cy="0"/>
-        </a:xfrm>
-      </p:grpSpPr>
-      <p:sp>
-        <p:nvSpPr>
-          <p:cNvPr id="314" name="Google Shape;314;p33:notes"/>
-          <p:cNvSpPr txBox="1">
-            <a:spLocks noGrp="1"/>
-          </p:cNvSpPr>
-          <p:nvPr>
-            <p:ph type="body" idx="1"/>
-          </p:nvPr>
-        </p:nvSpPr>
-        <p:spPr>
-          <a:xfrm>
-            <a:off x="685800" y="4343400"/>
-            <a:ext cx="5486400" cy="4114800"/>
-          </a:xfrm>
-          <a:prstGeom prst="rect">
-            <a:avLst/>
-          </a:prstGeom>
-        </p:spPr>
-        <p:txBody>
-          <a:bodyPr spcFirstLastPara="1" wrap="square" lIns="91425" tIns="91425" rIns="91425" bIns="91425" anchor="t" anchorCtr="0">
-            <a:noAutofit/>
-          </a:bodyPr>
-          <a:lstStyle/>
-          <a:p>
-            <a:pPr marL="0" lvl="0" indent="0" algn="l" rtl="0">
-              <a:spcBef>
-                <a:spcPts val="0"/>
-              </a:spcBef>
-              <a:spcAft>
-                <a:spcPts val="0"/>
-              </a:spcAft>
-              <a:buNone/>
-            </a:pPr>
-            <a:endParaRPr/>
-          </a:p>
-        </p:txBody>
-      </p:sp>
-      <p:sp>
-        <p:nvSpPr>
-          <p:cNvPr id="315" name="Google Shape;315;p33:notes"/>
-          <p:cNvSpPr>
-            <a:spLocks noGrp="1" noRot="1" noChangeAspect="1"/>
-          </p:cNvSpPr>
-          <p:nvPr>
-            <p:ph type="sldImg" idx="2"/>
-          </p:nvPr>
-        </p:nvSpPr>
-        <p:spPr>
-          <a:xfrm>
-            <a:off x="1143225" y="685800"/>
-            <a:ext cx="4572225" cy="3429000"/>
-          </a:xfrm>
-          <a:custGeom>
-            <a:avLst/>
-            <a:gdLst/>
-            <a:ahLst/>
-            <a:cxnLst/>
-            <a:rect l="l" t="t" r="r" b="b"/>
-            <a:pathLst>
-              <a:path w="120000" h="120000" extrusionOk="0">
-                <a:moveTo>
-                  <a:pt x="0" y="0"/>
-                </a:moveTo>
-                <a:lnTo>
-                  <a:pt x="120000" y="0"/>
-                </a:lnTo>
-                <a:lnTo>
-                  <a:pt x="120000" y="120000"/>
-                </a:lnTo>
-                <a:lnTo>
-                  <a:pt x="0" y="120000"/>
-                </a:lnTo>
-                <a:close/>
-              </a:path>
-            </a:pathLst>
-          </a:custGeom>
-        </p:spPr>
-      </p:sp>
-    </p:spTree>
-  </p:cSld>
-  <p:clrMapOvr>
-    <a:masterClrMapping/>
-  </p:clrMapOvr>
-</p:notes>
-</file>
-
-<file path=ppt/notesSlides/notesSlide33.xml><?xml version="1.0" encoding="utf-8"?>
-<p:notes xmlns:a="http://schemas.openxmlformats.org/drawingml/2006/main" xmlns:r="http://schemas.openxmlformats.org/officeDocument/2006/relationships" xmlns:p="http://schemas.openxmlformats.org/presentationml/2006/main" showMasterSp="0" showMasterPhAnim="0">
-  <p:cSld>
-    <p:spTree>
-      <p:nvGrpSpPr>
-        <p:cNvPr id="1" name="Shape 320"/>
-        <p:cNvGrpSpPr/>
-        <p:nvPr/>
-      </p:nvGrpSpPr>
-      <p:grpSpPr>
-        <a:xfrm>
-          <a:off x="0" y="0"/>
-          <a:ext cx="0" cy="0"/>
-          <a:chOff x="0" y="0"/>
-          <a:chExt cx="0" cy="0"/>
-        </a:xfrm>
-      </p:grpSpPr>
-      <p:sp>
-        <p:nvSpPr>
-          <p:cNvPr id="321" name="Google Shape;321;p34:notes"/>
-          <p:cNvSpPr txBox="1">
-            <a:spLocks noGrp="1"/>
-          </p:cNvSpPr>
-          <p:nvPr>
-            <p:ph type="body" idx="1"/>
-          </p:nvPr>
-        </p:nvSpPr>
-        <p:spPr>
-          <a:xfrm>
-            <a:off x="685800" y="4343400"/>
-            <a:ext cx="5486400" cy="4114800"/>
-          </a:xfrm>
-          <a:prstGeom prst="rect">
-            <a:avLst/>
-          </a:prstGeom>
-        </p:spPr>
-        <p:txBody>
-          <a:bodyPr spcFirstLastPara="1" wrap="square" lIns="91425" tIns="91425" rIns="91425" bIns="91425" anchor="t" anchorCtr="0">
-            <a:noAutofit/>
-          </a:bodyPr>
-          <a:lstStyle/>
-          <a:p>
-            <a:pPr marL="0" lvl="0" indent="0" algn="l" rtl="0">
-              <a:spcBef>
-                <a:spcPts val="0"/>
-              </a:spcBef>
-              <a:spcAft>
-                <a:spcPts val="0"/>
-              </a:spcAft>
-              <a:buNone/>
-            </a:pPr>
-            <a:endParaRPr/>
-          </a:p>
-        </p:txBody>
-      </p:sp>
-      <p:sp>
-        <p:nvSpPr>
-          <p:cNvPr id="322" name="Google Shape;322;p34:notes"/>
-          <p:cNvSpPr>
-            <a:spLocks noGrp="1" noRot="1" noChangeAspect="1"/>
-          </p:cNvSpPr>
-          <p:nvPr>
-            <p:ph type="sldImg" idx="2"/>
-          </p:nvPr>
-        </p:nvSpPr>
-        <p:spPr>
-          <a:xfrm>
-            <a:off x="1143225" y="685800"/>
-            <a:ext cx="4572225" cy="3429000"/>
-          </a:xfrm>
-          <a:custGeom>
-            <a:avLst/>
-            <a:gdLst/>
-            <a:ahLst/>
-            <a:cxnLst/>
-            <a:rect l="l" t="t" r="r" b="b"/>
-            <a:pathLst>
-              <a:path w="120000" h="120000" extrusionOk="0">
-                <a:moveTo>
-                  <a:pt x="0" y="0"/>
-                </a:moveTo>
-                <a:lnTo>
-                  <a:pt x="120000" y="0"/>
-                </a:lnTo>
-                <a:lnTo>
-                  <a:pt x="120000" y="120000"/>
-                </a:lnTo>
-                <a:lnTo>
-                  <a:pt x="0" y="120000"/>
-                </a:lnTo>
-                <a:close/>
-              </a:path>
-            </a:pathLst>
-          </a:custGeom>
-        </p:spPr>
-      </p:sp>
-    </p:spTree>
-  </p:cSld>
-  <p:clrMapOvr>
-    <a:masterClrMapping/>
-  </p:clrMapOvr>
-</p:notes>
-</file>
-
-<file path=ppt/notesSlides/notesSlide34.xml><?xml version="1.0" encoding="utf-8"?>
-<p:notes xmlns:a="http://schemas.openxmlformats.org/drawingml/2006/main" xmlns:r="http://schemas.openxmlformats.org/officeDocument/2006/relationships" xmlns:p="http://schemas.openxmlformats.org/presentationml/2006/main" showMasterSp="0" showMasterPhAnim="0">
-  <p:cSld>
-    <p:spTree>
-      <p:nvGrpSpPr>
-        <p:cNvPr id="1" name="Shape 327"/>
-        <p:cNvGrpSpPr/>
-        <p:nvPr/>
-      </p:nvGrpSpPr>
-      <p:grpSpPr>
-        <a:xfrm>
-          <a:off x="0" y="0"/>
-          <a:ext cx="0" cy="0"/>
-          <a:chOff x="0" y="0"/>
-          <a:chExt cx="0" cy="0"/>
-        </a:xfrm>
-      </p:grpSpPr>
-      <p:sp>
-        <p:nvSpPr>
-          <p:cNvPr id="328" name="Google Shape;328;p35:notes"/>
-          <p:cNvSpPr txBox="1">
-            <a:spLocks noGrp="1"/>
-          </p:cNvSpPr>
-          <p:nvPr>
-            <p:ph type="body" idx="1"/>
-          </p:nvPr>
-        </p:nvSpPr>
-        <p:spPr>
-          <a:xfrm>
-            <a:off x="685800" y="4343400"/>
-            <a:ext cx="5486400" cy="4114800"/>
-          </a:xfrm>
-          <a:prstGeom prst="rect">
-            <a:avLst/>
-          </a:prstGeom>
-        </p:spPr>
-        <p:txBody>
-          <a:bodyPr spcFirstLastPara="1" wrap="square" lIns="91425" tIns="91425" rIns="91425" bIns="91425" anchor="t" anchorCtr="0">
-            <a:noAutofit/>
-          </a:bodyPr>
-          <a:lstStyle/>
-          <a:p>
-            <a:pPr marL="0" lvl="0" indent="0" algn="l" rtl="0">
-              <a:spcBef>
-                <a:spcPts val="0"/>
-              </a:spcBef>
-              <a:spcAft>
-                <a:spcPts val="0"/>
-              </a:spcAft>
-              <a:buNone/>
-            </a:pPr>
-            <a:endParaRPr/>
-          </a:p>
-        </p:txBody>
-      </p:sp>
-      <p:sp>
-        <p:nvSpPr>
-          <p:cNvPr id="329" name="Google Shape;329;p35:notes"/>
-          <p:cNvSpPr>
-            <a:spLocks noGrp="1" noRot="1" noChangeAspect="1"/>
-          </p:cNvSpPr>
-          <p:nvPr>
-            <p:ph type="sldImg" idx="2"/>
-          </p:nvPr>
-        </p:nvSpPr>
-        <p:spPr>
-          <a:xfrm>
-            <a:off x="1143225" y="685800"/>
-            <a:ext cx="4572225" cy="3429000"/>
-          </a:xfrm>
-          <a:custGeom>
-            <a:avLst/>
-            <a:gdLst/>
-            <a:ahLst/>
-            <a:cxnLst/>
-            <a:rect l="l" t="t" r="r" b="b"/>
-            <a:pathLst>
-              <a:path w="120000" h="120000" extrusionOk="0">
-                <a:moveTo>
-                  <a:pt x="0" y="0"/>
-                </a:moveTo>
-                <a:lnTo>
-                  <a:pt x="120000" y="0"/>
-                </a:lnTo>
-                <a:lnTo>
-                  <a:pt x="120000" y="120000"/>
-                </a:lnTo>
-                <a:lnTo>
-                  <a:pt x="0" y="120000"/>
-                </a:lnTo>
-                <a:close/>
-              </a:path>
-            </a:pathLst>
-          </a:custGeom>
-        </p:spPr>
-      </p:sp>
-    </p:spTree>
-  </p:cSld>
-  <p:clrMapOvr>
-    <a:masterClrMapping/>
-  </p:clrMapOvr>
-</p:notes>
-</file>
-
-<file path=ppt/notesSlides/notesSlide35.xml><?xml version="1.0" encoding="utf-8"?>
-<p:notes xmlns:a="http://schemas.openxmlformats.org/drawingml/2006/main" xmlns:r="http://schemas.openxmlformats.org/officeDocument/2006/relationships" xmlns:p="http://schemas.openxmlformats.org/presentationml/2006/main" showMasterSp="0" showMasterPhAnim="0">
-  <p:cSld>
-    <p:spTree>
-      <p:nvGrpSpPr>
-        <p:cNvPr id="1" name="Shape 342"/>
-        <p:cNvGrpSpPr/>
-        <p:nvPr/>
-      </p:nvGrpSpPr>
-      <p:grpSpPr>
-        <a:xfrm>
-          <a:off x="0" y="0"/>
-          <a:ext cx="0" cy="0"/>
-          <a:chOff x="0" y="0"/>
-          <a:chExt cx="0" cy="0"/>
-        </a:xfrm>
-      </p:grpSpPr>
-      <p:sp>
-        <p:nvSpPr>
-          <p:cNvPr id="343" name="Google Shape;343;p37:notes"/>
-          <p:cNvSpPr txBox="1">
-            <a:spLocks noGrp="1"/>
-          </p:cNvSpPr>
-          <p:nvPr>
-            <p:ph type="body" idx="1"/>
-          </p:nvPr>
-        </p:nvSpPr>
-        <p:spPr>
-          <a:xfrm>
-            <a:off x="685800" y="4343400"/>
-            <a:ext cx="5486400" cy="4114800"/>
-          </a:xfrm>
-          <a:prstGeom prst="rect">
-            <a:avLst/>
-          </a:prstGeom>
-        </p:spPr>
-        <p:txBody>
-          <a:bodyPr spcFirstLastPara="1" wrap="square" lIns="91425" tIns="91425" rIns="91425" bIns="91425" anchor="t" anchorCtr="0">
-            <a:noAutofit/>
-          </a:bodyPr>
-          <a:lstStyle/>
-          <a:p>
-            <a:pPr marL="0" lvl="0" indent="0" algn="l" rtl="0">
-              <a:spcBef>
-                <a:spcPts val="0"/>
-              </a:spcBef>
-              <a:spcAft>
-                <a:spcPts val="0"/>
-              </a:spcAft>
-              <a:buNone/>
-            </a:pPr>
-            <a:endParaRPr/>
-          </a:p>
-        </p:txBody>
-      </p:sp>
-      <p:sp>
-        <p:nvSpPr>
-          <p:cNvPr id="344" name="Google Shape;344;p37:notes"/>
-          <p:cNvSpPr>
-            <a:spLocks noGrp="1" noRot="1" noChangeAspect="1"/>
-          </p:cNvSpPr>
-          <p:nvPr>
-            <p:ph type="sldImg" idx="2"/>
-          </p:nvPr>
-        </p:nvSpPr>
-        <p:spPr>
-          <a:xfrm>
-            <a:off x="1143225" y="685800"/>
-            <a:ext cx="4572225" cy="3429000"/>
-          </a:xfrm>
-          <a:custGeom>
-            <a:avLst/>
-            <a:gdLst/>
-            <a:ahLst/>
-            <a:cxnLst/>
-            <a:rect l="l" t="t" r="r" b="b"/>
-            <a:pathLst>
-              <a:path w="120000" h="120000" extrusionOk="0">
-                <a:moveTo>
-                  <a:pt x="0" y="0"/>
-                </a:moveTo>
-                <a:lnTo>
-                  <a:pt x="120000" y="0"/>
-                </a:lnTo>
-                <a:lnTo>
-                  <a:pt x="120000" y="120000"/>
-                </a:lnTo>
-                <a:lnTo>
-                  <a:pt x="0" y="120000"/>
-                </a:lnTo>
-                <a:close/>
-              </a:path>
-            </a:pathLst>
-          </a:custGeom>
-        </p:spPr>
-      </p:sp>
-    </p:spTree>
-  </p:cSld>
-  <p:clrMapOvr>
-    <a:masterClrMapping/>
-  </p:clrMapOvr>
-</p:notes>
-</file>
-
-<file path=ppt/notesSlides/notesSlide36.xml><?xml version="1.0" encoding="utf-8"?>
-<p:notes xmlns:a="http://schemas.openxmlformats.org/drawingml/2006/main" xmlns:r="http://schemas.openxmlformats.org/officeDocument/2006/relationships" xmlns:p="http://schemas.openxmlformats.org/presentationml/2006/main" showMasterSp="0" showMasterPhAnim="0">
-  <p:cSld>
-    <p:spTree>
-      <p:nvGrpSpPr>
-        <p:cNvPr id="1" name="Shape 350"/>
-        <p:cNvGrpSpPr/>
-        <p:nvPr/>
-      </p:nvGrpSpPr>
-      <p:grpSpPr>
-        <a:xfrm>
-          <a:off x="0" y="0"/>
-          <a:ext cx="0" cy="0"/>
-          <a:chOff x="0" y="0"/>
-          <a:chExt cx="0" cy="0"/>
-        </a:xfrm>
-      </p:grpSpPr>
-      <p:sp>
-        <p:nvSpPr>
-          <p:cNvPr id="351" name="Google Shape;351;p38:notes"/>
-          <p:cNvSpPr txBox="1">
-            <a:spLocks noGrp="1"/>
-          </p:cNvSpPr>
-          <p:nvPr>
-            <p:ph type="body" idx="1"/>
-          </p:nvPr>
-        </p:nvSpPr>
-        <p:spPr>
-          <a:xfrm>
-            <a:off x="685800" y="4343400"/>
-            <a:ext cx="5486400" cy="4114800"/>
-          </a:xfrm>
-          <a:prstGeom prst="rect">
-            <a:avLst/>
-          </a:prstGeom>
-        </p:spPr>
-        <p:txBody>
-          <a:bodyPr spcFirstLastPara="1" wrap="square" lIns="91425" tIns="91425" rIns="91425" bIns="91425" anchor="t" anchorCtr="0">
-            <a:noAutofit/>
-          </a:bodyPr>
-          <a:lstStyle/>
-          <a:p>
-            <a:pPr marL="0" lvl="0" indent="0" algn="l" rtl="0">
-              <a:spcBef>
-                <a:spcPts val="0"/>
-              </a:spcBef>
-              <a:spcAft>
-                <a:spcPts val="0"/>
-              </a:spcAft>
-              <a:buNone/>
-            </a:pPr>
-            <a:endParaRPr/>
-          </a:p>
-        </p:txBody>
-      </p:sp>
-      <p:sp>
-        <p:nvSpPr>
-          <p:cNvPr id="352" name="Google Shape;352;p38:notes"/>
-          <p:cNvSpPr>
-            <a:spLocks noGrp="1" noRot="1" noChangeAspect="1"/>
-          </p:cNvSpPr>
-          <p:nvPr>
-            <p:ph type="sldImg" idx="2"/>
-          </p:nvPr>
-        </p:nvSpPr>
-        <p:spPr>
-          <a:xfrm>
-            <a:off x="1143225" y="685800"/>
-            <a:ext cx="4572225" cy="3429000"/>
-          </a:xfrm>
-          <a:custGeom>
-            <a:avLst/>
-            <a:gdLst/>
-            <a:ahLst/>
-            <a:cxnLst/>
-            <a:rect l="l" t="t" r="r" b="b"/>
-            <a:pathLst>
-              <a:path w="120000" h="120000" extrusionOk="0">
-                <a:moveTo>
-                  <a:pt x="0" y="0"/>
-                </a:moveTo>
-                <a:lnTo>
-                  <a:pt x="120000" y="0"/>
-                </a:lnTo>
-                <a:lnTo>
-                  <a:pt x="120000" y="120000"/>
-                </a:lnTo>
-                <a:lnTo>
-                  <a:pt x="0" y="120000"/>
-                </a:lnTo>
-                <a:close/>
-              </a:path>
-            </a:pathLst>
-          </a:custGeom>
-        </p:spPr>
-      </p:sp>
-    </p:spTree>
-  </p:cSld>
-  <p:clrMapOvr>
-    <a:masterClrMapping/>
-  </p:clrMapOvr>
-</p:notes>
-</file>
-
-<file path=ppt/notesSlides/notesSlide4.xml><?xml version="1.0" encoding="utf-8"?>
-<p:notes xmlns:a="http://schemas.openxmlformats.org/drawingml/2006/main" xmlns:r="http://schemas.openxmlformats.org/officeDocument/2006/relationships" xmlns:p="http://schemas.openxmlformats.org/presentationml/2006/main" showMasterSp="0" showMasterPhAnim="0">
-  <p:cSld>
-    <p:spTree>
-      <p:nvGrpSpPr>
-        <p:cNvPr id="1" name="Shape 109"/>
-        <p:cNvGrpSpPr/>
-        <p:nvPr/>
-      </p:nvGrpSpPr>
-      <p:grpSpPr>
-        <a:xfrm>
-          <a:off x="0" y="0"/>
-          <a:ext cx="0" cy="0"/>
-          <a:chOff x="0" y="0"/>
-          <a:chExt cx="0" cy="0"/>
-        </a:xfrm>
-      </p:grpSpPr>
-      <p:sp>
-        <p:nvSpPr>
-          <p:cNvPr id="110" name="Google Shape;110;p5:notes"/>
-          <p:cNvSpPr txBox="1">
-            <a:spLocks noGrp="1"/>
-          </p:cNvSpPr>
-          <p:nvPr>
-            <p:ph type="body" idx="1"/>
-          </p:nvPr>
-        </p:nvSpPr>
-        <p:spPr>
-          <a:xfrm>
-            <a:off x="685800" y="4343400"/>
-            <a:ext cx="5486400" cy="4114800"/>
-          </a:xfrm>
-          <a:prstGeom prst="rect">
-            <a:avLst/>
-          </a:prstGeom>
-        </p:spPr>
-        <p:txBody>
-          <a:bodyPr spcFirstLastPara="1" wrap="square" lIns="91425" tIns="91425" rIns="91425" bIns="91425" anchor="t" anchorCtr="0">
-            <a:noAutofit/>
-          </a:bodyPr>
-          <a:lstStyle/>
-          <a:p>
-            <a:pPr marL="0" lvl="0" indent="0" algn="l" rtl="0">
-              <a:spcBef>
-                <a:spcPts val="0"/>
-              </a:spcBef>
-              <a:spcAft>
-                <a:spcPts val="0"/>
-              </a:spcAft>
-              <a:buNone/>
-            </a:pPr>
-            <a:endParaRPr/>
-          </a:p>
-        </p:txBody>
-      </p:sp>
-      <p:sp>
-        <p:nvSpPr>
-          <p:cNvPr id="111" name="Google Shape;111;p5:notes"/>
-          <p:cNvSpPr>
-            <a:spLocks noGrp="1" noRot="1" noChangeAspect="1"/>
-          </p:cNvSpPr>
-          <p:nvPr>
-            <p:ph type="sldImg" idx="2"/>
-          </p:nvPr>
-        </p:nvSpPr>
-        <p:spPr>
-          <a:xfrm>
-            <a:off x="1143000" y="685800"/>
-            <a:ext cx="4572000" cy="3429000"/>
-          </a:xfrm>
-          <a:custGeom>
-            <a:avLst/>
-            <a:gdLst/>
-            <a:ahLst/>
-            <a:cxnLst/>
-            <a:rect l="l" t="t" r="r" b="b"/>
-            <a:pathLst>
-              <a:path w="120000" h="120000" extrusionOk="0">
-                <a:moveTo>
-                  <a:pt x="0" y="0"/>
-                </a:moveTo>
-                <a:lnTo>
-                  <a:pt x="120000" y="0"/>
-                </a:lnTo>
-                <a:lnTo>
-                  <a:pt x="120000" y="120000"/>
-                </a:lnTo>
-                <a:lnTo>
-                  <a:pt x="0" y="120000"/>
-                </a:lnTo>
-                <a:close/>
-              </a:path>
-            </a:pathLst>
-          </a:custGeom>
-        </p:spPr>
-      </p:sp>
-    </p:spTree>
-  </p:cSld>
-  <p:clrMapOvr>
-    <a:masterClrMapping/>
-  </p:clrMapOvr>
-</p:notes>
-</file>
-
-<file path=ppt/notesSlides/notesSlide5.xml><?xml version="1.0" encoding="utf-8"?>
-<p:notes xmlns:a="http://schemas.openxmlformats.org/drawingml/2006/main" xmlns:r="http://schemas.openxmlformats.org/officeDocument/2006/relationships" xmlns:p="http://schemas.openxmlformats.org/presentationml/2006/main" showMasterSp="0" showMasterPhAnim="0">
-  <p:cSld>
-    <p:spTree>
-      <p:nvGrpSpPr>
-        <p:cNvPr id="1" name="Shape 115"/>
-        <p:cNvGrpSpPr/>
-        <p:nvPr/>
-      </p:nvGrpSpPr>
-      <p:grpSpPr>
-        <a:xfrm>
-          <a:off x="0" y="0"/>
-          <a:ext cx="0" cy="0"/>
-          <a:chOff x="0" y="0"/>
-          <a:chExt cx="0" cy="0"/>
-        </a:xfrm>
-      </p:grpSpPr>
-      <p:sp>
-        <p:nvSpPr>
-          <p:cNvPr id="116" name="Google Shape;116;p6:notes"/>
-          <p:cNvSpPr txBox="1">
-            <a:spLocks noGrp="1"/>
-          </p:cNvSpPr>
-          <p:nvPr>
-            <p:ph type="body" idx="1"/>
-          </p:nvPr>
-        </p:nvSpPr>
-        <p:spPr>
-          <a:xfrm>
-            <a:off x="685800" y="4343400"/>
-            <a:ext cx="5486400" cy="4114800"/>
-          </a:xfrm>
-          <a:prstGeom prst="rect">
-            <a:avLst/>
-          </a:prstGeom>
-        </p:spPr>
-        <p:txBody>
-          <a:bodyPr spcFirstLastPara="1" wrap="square" lIns="91425" tIns="91425" rIns="91425" bIns="91425" anchor="t" anchorCtr="0">
-            <a:noAutofit/>
-          </a:bodyPr>
-          <a:lstStyle/>
-          <a:p>
-            <a:pPr marL="0" lvl="0" indent="0" algn="l" rtl="0">
-              <a:spcBef>
-                <a:spcPts val="0"/>
-              </a:spcBef>
-              <a:spcAft>
-                <a:spcPts val="0"/>
-              </a:spcAft>
-              <a:buNone/>
-            </a:pPr>
-            <a:endParaRPr/>
-          </a:p>
-        </p:txBody>
-      </p:sp>
-      <p:sp>
-        <p:nvSpPr>
-          <p:cNvPr id="117" name="Google Shape;117;p6:notes"/>
-          <p:cNvSpPr>
-            <a:spLocks noGrp="1" noRot="1" noChangeAspect="1"/>
-          </p:cNvSpPr>
-          <p:nvPr>
-            <p:ph type="sldImg" idx="2"/>
-          </p:nvPr>
-        </p:nvSpPr>
-        <p:spPr>
-          <a:xfrm>
-            <a:off x="1143225" y="685800"/>
-            <a:ext cx="4572225" cy="3429000"/>
-          </a:xfrm>
-          <a:custGeom>
-            <a:avLst/>
-            <a:gdLst/>
-            <a:ahLst/>
-            <a:cxnLst/>
-            <a:rect l="l" t="t" r="r" b="b"/>
-            <a:pathLst>
-              <a:path w="120000" h="120000" extrusionOk="0">
-                <a:moveTo>
-                  <a:pt x="0" y="0"/>
-                </a:moveTo>
-                <a:lnTo>
-                  <a:pt x="120000" y="0"/>
-                </a:lnTo>
-                <a:lnTo>
-                  <a:pt x="120000" y="120000"/>
-                </a:lnTo>
-                <a:lnTo>
-                  <a:pt x="0" y="120000"/>
-                </a:lnTo>
-                <a:close/>
-              </a:path>
-            </a:pathLst>
-          </a:custGeom>
-        </p:spPr>
-      </p:sp>
-    </p:spTree>
-  </p:cSld>
-  <p:clrMapOvr>
-    <a:masterClrMapping/>
-  </p:clrMapOvr>
-</p:notes>
-</file>
-
-<file path=ppt/notesSlides/notesSlide6.xml><?xml version="1.0" encoding="utf-8"?>
-<p:notes xmlns:a="http://schemas.openxmlformats.org/drawingml/2006/main" xmlns:r="http://schemas.openxmlformats.org/officeDocument/2006/relationships" xmlns:p="http://schemas.openxmlformats.org/presentationml/2006/main" showMasterSp="0" showMasterPhAnim="0">
-  <p:cSld>
-    <p:spTree>
-      <p:nvGrpSpPr>
-        <p:cNvPr id="1" name="Shape 121"/>
-        <p:cNvGrpSpPr/>
-        <p:nvPr/>
-      </p:nvGrpSpPr>
-      <p:grpSpPr>
-        <a:xfrm>
-          <a:off x="0" y="0"/>
-          <a:ext cx="0" cy="0"/>
-          <a:chOff x="0" y="0"/>
-          <a:chExt cx="0" cy="0"/>
-        </a:xfrm>
-      </p:grpSpPr>
-      <p:sp>
-        <p:nvSpPr>
-          <p:cNvPr id="122" name="Google Shape;122;p7:notes"/>
-          <p:cNvSpPr txBox="1">
-            <a:spLocks noGrp="1"/>
-          </p:cNvSpPr>
-          <p:nvPr>
-            <p:ph type="body" idx="1"/>
-          </p:nvPr>
-        </p:nvSpPr>
-        <p:spPr>
-          <a:xfrm>
-            <a:off x="685800" y="4343400"/>
-            <a:ext cx="5486400" cy="4114800"/>
-          </a:xfrm>
-          <a:prstGeom prst="rect">
-            <a:avLst/>
-          </a:prstGeom>
-        </p:spPr>
-        <p:txBody>
-          <a:bodyPr spcFirstLastPara="1" wrap="square" lIns="91425" tIns="91425" rIns="91425" bIns="91425" anchor="t" anchorCtr="0">
-            <a:noAutofit/>
-          </a:bodyPr>
-          <a:lstStyle/>
-          <a:p>
-            <a:pPr marL="0" lvl="0" indent="0" algn="l" rtl="0">
-              <a:spcBef>
-                <a:spcPts val="0"/>
-              </a:spcBef>
-              <a:spcAft>
-                <a:spcPts val="0"/>
-              </a:spcAft>
-              <a:buNone/>
-            </a:pPr>
-            <a:endParaRPr/>
-          </a:p>
-        </p:txBody>
-      </p:sp>
-      <p:sp>
-        <p:nvSpPr>
-          <p:cNvPr id="123" name="Google Shape;123;p7:notes"/>
-          <p:cNvSpPr>
-            <a:spLocks noGrp="1" noRot="1" noChangeAspect="1"/>
-          </p:cNvSpPr>
-          <p:nvPr>
-            <p:ph type="sldImg" idx="2"/>
-          </p:nvPr>
-        </p:nvSpPr>
-        <p:spPr>
-          <a:xfrm>
-            <a:off x="1143225" y="685800"/>
-            <a:ext cx="4572225" cy="3429000"/>
-          </a:xfrm>
-          <a:custGeom>
-            <a:avLst/>
-            <a:gdLst/>
-            <a:ahLst/>
-            <a:cxnLst/>
-            <a:rect l="l" t="t" r="r" b="b"/>
-            <a:pathLst>
-              <a:path w="120000" h="120000" extrusionOk="0">
-                <a:moveTo>
-                  <a:pt x="0" y="0"/>
-                </a:moveTo>
-                <a:lnTo>
-                  <a:pt x="120000" y="0"/>
-                </a:lnTo>
-                <a:lnTo>
-                  <a:pt x="120000" y="120000"/>
-                </a:lnTo>
-                <a:lnTo>
-                  <a:pt x="0" y="120000"/>
-                </a:lnTo>
-                <a:close/>
-              </a:path>
-            </a:pathLst>
-          </a:custGeom>
-        </p:spPr>
-      </p:sp>
-    </p:spTree>
-  </p:cSld>
-  <p:clrMapOvr>
-    <a:masterClrMapping/>
-  </p:clrMapOvr>
-</p:notes>
-</file>
-
-<file path=ppt/notesSlides/notesSlide7.xml><?xml version="1.0" encoding="utf-8"?>
-<p:notes xmlns:a="http://schemas.openxmlformats.org/drawingml/2006/main" xmlns:r="http://schemas.openxmlformats.org/officeDocument/2006/relationships" xmlns:p="http://schemas.openxmlformats.org/presentationml/2006/main" showMasterSp="0" showMasterPhAnim="0">
-  <p:cSld>
-    <p:spTree>
-      <p:nvGrpSpPr>
-        <p:cNvPr id="1" name="Shape 128"/>
-        <p:cNvGrpSpPr/>
-        <p:nvPr/>
-      </p:nvGrpSpPr>
-      <p:grpSpPr>
-        <a:xfrm>
-          <a:off x="0" y="0"/>
-          <a:ext cx="0" cy="0"/>
-          <a:chOff x="0" y="0"/>
-          <a:chExt cx="0" cy="0"/>
-        </a:xfrm>
-      </p:grpSpPr>
-      <p:sp>
-        <p:nvSpPr>
-          <p:cNvPr id="129" name="Google Shape;129;p8:notes"/>
-          <p:cNvSpPr txBox="1">
-            <a:spLocks noGrp="1"/>
-          </p:cNvSpPr>
-          <p:nvPr>
-            <p:ph type="body" idx="1"/>
-          </p:nvPr>
-        </p:nvSpPr>
-        <p:spPr>
-          <a:xfrm>
-            <a:off x="685800" y="4343400"/>
-            <a:ext cx="5486400" cy="4114800"/>
-          </a:xfrm>
-          <a:prstGeom prst="rect">
-            <a:avLst/>
-          </a:prstGeom>
-        </p:spPr>
-        <p:txBody>
-          <a:bodyPr spcFirstLastPara="1" wrap="square" lIns="91425" tIns="91425" rIns="91425" bIns="91425" anchor="t" anchorCtr="0">
-            <a:noAutofit/>
-          </a:bodyPr>
-          <a:lstStyle/>
-          <a:p>
-            <a:pPr marL="0" lvl="0" indent="0" algn="l" rtl="0">
-              <a:spcBef>
-                <a:spcPts val="0"/>
-              </a:spcBef>
-              <a:spcAft>
-                <a:spcPts val="0"/>
-              </a:spcAft>
-              <a:buNone/>
-            </a:pPr>
-            <a:endParaRPr/>
-          </a:p>
-        </p:txBody>
-      </p:sp>
-      <p:sp>
-        <p:nvSpPr>
-          <p:cNvPr id="130" name="Google Shape;130;p8:notes"/>
-          <p:cNvSpPr>
-            <a:spLocks noGrp="1" noRot="1" noChangeAspect="1"/>
-          </p:cNvSpPr>
-          <p:nvPr>
-            <p:ph type="sldImg" idx="2"/>
-          </p:nvPr>
-        </p:nvSpPr>
-        <p:spPr>
-          <a:xfrm>
-            <a:off x="1143225" y="685800"/>
-            <a:ext cx="4572225" cy="3429000"/>
-          </a:xfrm>
-          <a:custGeom>
-            <a:avLst/>
-            <a:gdLst/>
-            <a:ahLst/>
-            <a:cxnLst/>
-            <a:rect l="l" t="t" r="r" b="b"/>
-            <a:pathLst>
-              <a:path w="120000" h="120000" extrusionOk="0">
-                <a:moveTo>
-                  <a:pt x="0" y="0"/>
-                </a:moveTo>
-                <a:lnTo>
-                  <a:pt x="120000" y="0"/>
-                </a:lnTo>
-                <a:lnTo>
-                  <a:pt x="120000" y="120000"/>
-                </a:lnTo>
-                <a:lnTo>
-                  <a:pt x="0" y="120000"/>
-                </a:lnTo>
-                <a:close/>
-              </a:path>
-            </a:pathLst>
-          </a:custGeom>
-        </p:spPr>
-      </p:sp>
-    </p:spTree>
-  </p:cSld>
-  <p:clrMapOvr>
-    <a:masterClrMapping/>
-  </p:clrMapOvr>
-</p:notes>
-</file>
-
-<file path=ppt/notesSlides/notesSlide8.xml><?xml version="1.0" encoding="utf-8"?>
-<p:notes xmlns:a="http://schemas.openxmlformats.org/drawingml/2006/main" xmlns:r="http://schemas.openxmlformats.org/officeDocument/2006/relationships" xmlns:p="http://schemas.openxmlformats.org/presentationml/2006/main" showMasterSp="0" showMasterPhAnim="0">
-  <p:cSld>
-    <p:spTree>
-      <p:nvGrpSpPr>
-        <p:cNvPr id="1" name="Shape 134"/>
-        <p:cNvGrpSpPr/>
-        <p:nvPr/>
-      </p:nvGrpSpPr>
-      <p:grpSpPr>
-        <a:xfrm>
-          <a:off x="0" y="0"/>
-          <a:ext cx="0" cy="0"/>
-          <a:chOff x="0" y="0"/>
-          <a:chExt cx="0" cy="0"/>
-        </a:xfrm>
-      </p:grpSpPr>
-      <p:sp>
-        <p:nvSpPr>
-          <p:cNvPr id="135" name="Google Shape;135;p9:notes"/>
-          <p:cNvSpPr txBox="1">
-            <a:spLocks noGrp="1"/>
-          </p:cNvSpPr>
-          <p:nvPr>
-            <p:ph type="body" idx="1"/>
-          </p:nvPr>
-        </p:nvSpPr>
-        <p:spPr>
-          <a:xfrm>
-            <a:off x="685800" y="4343400"/>
-            <a:ext cx="5486400" cy="4114800"/>
-          </a:xfrm>
-          <a:prstGeom prst="rect">
-            <a:avLst/>
-          </a:prstGeom>
-        </p:spPr>
-        <p:txBody>
-          <a:bodyPr spcFirstLastPara="1" wrap="square" lIns="91425" tIns="91425" rIns="91425" bIns="91425" anchor="t" anchorCtr="0">
-            <a:noAutofit/>
-          </a:bodyPr>
-          <a:lstStyle/>
-          <a:p>
-            <a:pPr marL="0" lvl="0" indent="0" algn="l" rtl="0">
-              <a:spcBef>
-                <a:spcPts val="0"/>
-              </a:spcBef>
-              <a:spcAft>
-                <a:spcPts val="0"/>
-              </a:spcAft>
-              <a:buNone/>
-            </a:pPr>
-            <a:endParaRPr/>
-          </a:p>
-        </p:txBody>
-      </p:sp>
-      <p:sp>
-        <p:nvSpPr>
-          <p:cNvPr id="136" name="Google Shape;136;p9:notes"/>
-          <p:cNvSpPr>
-            <a:spLocks noGrp="1" noRot="1" noChangeAspect="1"/>
-          </p:cNvSpPr>
-          <p:nvPr>
-            <p:ph type="sldImg" idx="2"/>
-          </p:nvPr>
-        </p:nvSpPr>
-        <p:spPr>
-          <a:xfrm>
-            <a:off x="1143225" y="685800"/>
-            <a:ext cx="4572225" cy="3429000"/>
-          </a:xfrm>
-          <a:custGeom>
-            <a:avLst/>
-            <a:gdLst/>
-            <a:ahLst/>
-            <a:cxnLst/>
-            <a:rect l="l" t="t" r="r" b="b"/>
-            <a:pathLst>
-              <a:path w="120000" h="120000" extrusionOk="0">
-                <a:moveTo>
-                  <a:pt x="0" y="0"/>
-                </a:moveTo>
-                <a:lnTo>
-                  <a:pt x="120000" y="0"/>
-                </a:lnTo>
-                <a:lnTo>
-                  <a:pt x="120000" y="120000"/>
-                </a:lnTo>
-                <a:lnTo>
-                  <a:pt x="0" y="120000"/>
-                </a:lnTo>
-                <a:close/>
-              </a:path>
-            </a:pathLst>
-          </a:custGeom>
-        </p:spPr>
-      </p:sp>
-    </p:spTree>
-  </p:cSld>
-  <p:clrMapOvr>
-    <a:masterClrMapping/>
-  </p:clrMapOvr>
-</p:notes>
-</file>
-
-<file path=ppt/notesSlides/notesSlide9.xml><?xml version="1.0" encoding="utf-8"?>
-<p:notes xmlns:a="http://schemas.openxmlformats.org/drawingml/2006/main" xmlns:r="http://schemas.openxmlformats.org/officeDocument/2006/relationships" xmlns:p="http://schemas.openxmlformats.org/presentationml/2006/main" showMasterSp="0" showMasterPhAnim="0">
-  <p:cSld>
-    <p:spTree>
-      <p:nvGrpSpPr>
-        <p:cNvPr id="1" name="Shape 142"/>
-        <p:cNvGrpSpPr/>
-        <p:nvPr/>
-      </p:nvGrpSpPr>
-      <p:grpSpPr>
-        <a:xfrm>
-          <a:off x="0" y="0"/>
-          <a:ext cx="0" cy="0"/>
-          <a:chOff x="0" y="0"/>
-          <a:chExt cx="0" cy="0"/>
-        </a:xfrm>
-      </p:grpSpPr>
-      <p:sp>
-        <p:nvSpPr>
-          <p:cNvPr id="143" name="Google Shape;143;p10:notes"/>
-          <p:cNvSpPr txBox="1">
-            <a:spLocks noGrp="1"/>
-          </p:cNvSpPr>
-          <p:nvPr>
-            <p:ph type="body" idx="1"/>
-          </p:nvPr>
-        </p:nvSpPr>
-        <p:spPr>
-          <a:xfrm>
-            <a:off x="685800" y="4343400"/>
-            <a:ext cx="5486400" cy="4114800"/>
-          </a:xfrm>
-          <a:prstGeom prst="rect">
-            <a:avLst/>
-          </a:prstGeom>
-        </p:spPr>
-        <p:txBody>
-          <a:bodyPr spcFirstLastPara="1" wrap="square" lIns="91425" tIns="91425" rIns="91425" bIns="91425" anchor="t" anchorCtr="0">
-            <a:noAutofit/>
-          </a:bodyPr>
-          <a:lstStyle/>
-          <a:p>
-            <a:pPr marL="0" lvl="0" indent="0" algn="l" rtl="0">
-              <a:spcBef>
-                <a:spcPts val="0"/>
-              </a:spcBef>
-              <a:spcAft>
-                <a:spcPts val="0"/>
-              </a:spcAft>
-              <a:buNone/>
-            </a:pPr>
-            <a:endParaRPr/>
-          </a:p>
-        </p:txBody>
-      </p:sp>
-      <p:sp>
-        <p:nvSpPr>
-          <p:cNvPr id="144" name="Google Shape;144;p10:notes"/>
-          <p:cNvSpPr>
-            <a:spLocks noGrp="1" noRot="1" noChangeAspect="1"/>
-          </p:cNvSpPr>
-          <p:nvPr>
-            <p:ph type="sldImg" idx="2"/>
-          </p:nvPr>
-        </p:nvSpPr>
-        <p:spPr>
-          <a:xfrm>
-            <a:off x="1143000" y="685800"/>
-            <a:ext cx="4572000" cy="3429000"/>
           </a:xfrm>
           <a:custGeom>
             <a:avLst/>
@@ -14960,7 +14857,7 @@
   <p:cSld>
     <p:spTree>
       <p:nvGrpSpPr>
-        <p:cNvPr id="1" name="Shape 88"/>
+        <p:cNvPr id="1" name=""/>
         <p:cNvGrpSpPr/>
         <p:nvPr/>
       </p:nvGrpSpPr>
@@ -14974,18 +14871,100 @@
       </p:grpSpPr>
       <p:sp>
         <p:nvSpPr>
-          <p:cNvPr id="89" name="Google Shape;89;p1"/>
-          <p:cNvSpPr txBox="1">
+          <p:cNvPr id="2" name="Заголовок 1"/>
+          <p:cNvSpPr>
             <a:spLocks noGrp="1"/>
           </p:cNvSpPr>
           <p:nvPr>
             <p:ph type="ctrTitle"/>
           </p:nvPr>
         </p:nvSpPr>
-        <p:spPr>
-          <a:xfrm>
-            <a:off x="685800" y="2130425"/>
-            <a:ext cx="7772400" cy="1470025"/>
+        <p:spPr/>
+        <p:txBody>
+          <a:bodyPr/>
+          <a:lstStyle/>
+          <a:p>
+            <a:r>
+              <a:rPr lang="en-US" dirty="0"/>
+              <a:t>Data visualization</a:t>
+            </a:r>
+            <a:endParaRPr lang="ru-RU" dirty="0"/>
+          </a:p>
+        </p:txBody>
+      </p:sp>
+      <p:sp>
+        <p:nvSpPr>
+          <p:cNvPr id="3" name="Подзаголовок 2"/>
+          <p:cNvSpPr>
+            <a:spLocks noGrp="1"/>
+          </p:cNvSpPr>
+          <p:nvPr>
+            <p:ph type="subTitle" idx="1"/>
+          </p:nvPr>
+        </p:nvSpPr>
+        <p:spPr/>
+        <p:txBody>
+          <a:bodyPr/>
+          <a:lstStyle/>
+          <a:p>
+            <a:r>
+              <a:rPr lang="en-US" dirty="0"/>
+              <a:t>All samples available on:</a:t>
+            </a:r>
+          </a:p>
+          <a:p>
+            <a:r>
+              <a:rPr lang="en-US" dirty="0"/>
+              <a:t>http://github.com/a-vodka/dv</a:t>
+            </a:r>
+            <a:endParaRPr lang="ru-RU" dirty="0"/>
+          </a:p>
+        </p:txBody>
+      </p:sp>
+    </p:spTree>
+    <p:extLst>
+      <p:ext uri="{BB962C8B-B14F-4D97-AF65-F5344CB8AC3E}">
+        <p14:creationId xmlns:p14="http://schemas.microsoft.com/office/powerpoint/2010/main" val="1197336406"/>
+      </p:ext>
+    </p:extLst>
+  </p:cSld>
+  <p:clrMapOvr>
+    <a:masterClrMapping/>
+  </p:clrMapOvr>
+</p:sld>
+</file>
+
+<file path=ppt/slides/slide10.xml><?xml version="1.0" encoding="utf-8"?>
+<p:sld xmlns:a="http://schemas.openxmlformats.org/drawingml/2006/main" xmlns:r="http://schemas.openxmlformats.org/officeDocument/2006/relationships" xmlns:p="http://schemas.openxmlformats.org/presentationml/2006/main">
+  <p:cSld>
+    <p:spTree>
+      <p:nvGrpSpPr>
+        <p:cNvPr id="1" name="Shape 137"/>
+        <p:cNvGrpSpPr/>
+        <p:nvPr/>
+      </p:nvGrpSpPr>
+      <p:grpSpPr>
+        <a:xfrm>
+          <a:off x="0" y="0"/>
+          <a:ext cx="0" cy="0"/>
+          <a:chOff x="0" y="0"/>
+          <a:chExt cx="0" cy="0"/>
+        </a:xfrm>
+      </p:grpSpPr>
+      <p:sp>
+        <p:nvSpPr>
+          <p:cNvPr id="138" name="Google Shape;138;p9"/>
+          <p:cNvSpPr txBox="1">
+            <a:spLocks noGrp="1"/>
+          </p:cNvSpPr>
+          <p:nvPr>
+            <p:ph type="title"/>
+          </p:nvPr>
+        </p:nvSpPr>
+        <p:spPr>
+          <a:xfrm>
+            <a:off x="457200" y="274638"/>
+            <a:ext cx="8229600" cy="1143000"/>
           </a:xfrm>
           <a:prstGeom prst="rect">
             <a:avLst/>
@@ -15017,7 +14996,7 @@
             </a:pPr>
             <a:r>
               <a:rPr lang="ru-RU"/>
-              <a:t>Data visualization</a:t>
+              <a:t>Line Chart</a:t>
             </a:r>
             <a:endParaRPr/>
           </a:p>
@@ -15025,18 +15004,18 @@
       </p:sp>
       <p:sp>
         <p:nvSpPr>
-          <p:cNvPr id="90" name="Google Shape;90;p1"/>
+          <p:cNvPr id="139" name="Google Shape;139;p9"/>
           <p:cNvSpPr txBox="1">
             <a:spLocks noGrp="1"/>
           </p:cNvSpPr>
           <p:nvPr>
-            <p:ph type="subTitle" idx="1"/>
+            <p:ph type="body" idx="1"/>
           </p:nvPr>
         </p:nvSpPr>
         <p:spPr>
           <a:xfrm>
-            <a:off x="1371600" y="3886200"/>
-            <a:ext cx="6400800" cy="1752600"/>
+            <a:off x="457200" y="1600200"/>
+            <a:ext cx="8229600" cy="4525963"/>
           </a:xfrm>
           <a:prstGeom prst="rect">
             <a:avLst/>
@@ -15052,47 +15031,81 @@
           </a:bodyPr>
           <a:lstStyle/>
           <a:p>
-            <a:pPr marL="0" lvl="0" indent="0" algn="ctr" rtl="0">
-              <a:spcBef>
-                <a:spcPts val="0"/>
-              </a:spcBef>
-              <a:spcAft>
-                <a:spcPts val="0"/>
-              </a:spcAft>
-              <a:buClr>
-                <a:srgbClr val="888888"/>
+            <a:pPr marL="342900" lvl="0" indent="-342900" algn="l" rtl="0">
+              <a:spcBef>
+                <a:spcPts val="0"/>
+              </a:spcBef>
+              <a:spcAft>
+                <a:spcPts val="0"/>
+              </a:spcAft>
+              <a:buClr>
+                <a:schemeClr val="dk1"/>
               </a:buClr>
               <a:buSzPts val="3200"/>
-              <a:buNone/>
+              <a:buChar char="•"/>
             </a:pPr>
             <a:r>
               <a:rPr lang="ru-RU"/>
-              <a:t>The lectures are available online at</a:t>
-            </a:r>
-            <a:endParaRPr/>
-          </a:p>
-          <a:p>
-            <a:pPr marL="0" lvl="0" indent="0" algn="ctr" rtl="0">
-              <a:spcBef>
-                <a:spcPts val="640"/>
-              </a:spcBef>
-              <a:spcAft>
-                <a:spcPts val="0"/>
-              </a:spcAft>
-              <a:buClr>
-                <a:srgbClr val="888888"/>
-              </a:buClr>
-              <a:buSzPts val="3200"/>
-              <a:buNone/>
-            </a:pPr>
-            <a:r>
-              <a:rPr lang="ru-RU"/>
-              <a:t>http://github.com/a-vodka/dv</a:t>
+              <a:t>The line chart is good in many cases</a:t>
             </a:r>
             <a:endParaRPr/>
           </a:p>
         </p:txBody>
       </p:sp>
+      <p:pic>
+        <p:nvPicPr>
+          <p:cNvPr id="140" name="Google Shape;140;p9" descr="eMvuX0TAyxc0BgRacSJIW0oQ-SASQuwO1lGHbrpO"/>
+          <p:cNvPicPr preferRelativeResize="0"/>
+          <p:nvPr/>
+        </p:nvPicPr>
+        <p:blipFill rotWithShape="1">
+          <a:blip r:embed="rId3">
+            <a:alphaModFix/>
+          </a:blip>
+          <a:srcRect/>
+          <a:stretch/>
+        </p:blipFill>
+        <p:spPr>
+          <a:xfrm>
+            <a:off x="683568" y="4316640"/>
+            <a:ext cx="7933953" cy="1861406"/>
+          </a:xfrm>
+          <a:prstGeom prst="rect">
+            <a:avLst/>
+          </a:prstGeom>
+          <a:noFill/>
+          <a:ln>
+            <a:noFill/>
+          </a:ln>
+        </p:spPr>
+      </p:pic>
+      <p:pic>
+        <p:nvPicPr>
+          <p:cNvPr id="141" name="Google Shape;141;p9" descr="https://netology.ru/ckfinder/userfiles/images/2(68).png"/>
+          <p:cNvPicPr preferRelativeResize="0"/>
+          <p:nvPr/>
+        </p:nvPicPr>
+        <p:blipFill rotWithShape="1">
+          <a:blip r:embed="rId4">
+            <a:alphaModFix/>
+          </a:blip>
+          <a:srcRect/>
+          <a:stretch/>
+        </p:blipFill>
+        <p:spPr>
+          <a:xfrm>
+            <a:off x="3707904" y="2201905"/>
+            <a:ext cx="5153050" cy="2258872"/>
+          </a:xfrm>
+          <a:prstGeom prst="rect">
+            <a:avLst/>
+          </a:prstGeom>
+          <a:noFill/>
+          <a:ln>
+            <a:noFill/>
+          </a:ln>
+        </p:spPr>
+      </p:pic>
     </p:spTree>
   </p:cSld>
   <p:clrMapOvr>
@@ -15101,7 +15114,7 @@
 </p:sld>
 </file>
 
-<file path=ppt/slides/slide10.xml><?xml version="1.0" encoding="utf-8"?>
+<file path=ppt/slides/slide11.xml><?xml version="1.0" encoding="utf-8"?>
 <p:sld xmlns:a="http://schemas.openxmlformats.org/drawingml/2006/main" xmlns:r="http://schemas.openxmlformats.org/officeDocument/2006/relationships" xmlns:p="http://schemas.openxmlformats.org/presentationml/2006/main">
   <p:cSld>
     <p:spTree>
@@ -15288,7 +15301,7 @@
 </p:sld>
 </file>
 
-<file path=ppt/slides/slide11.xml><?xml version="1.0" encoding="utf-8"?>
+<file path=ppt/slides/slide12.xml><?xml version="1.0" encoding="utf-8"?>
 <p:sld xmlns:a="http://schemas.openxmlformats.org/drawingml/2006/main" xmlns:r="http://schemas.openxmlformats.org/officeDocument/2006/relationships" xmlns:p="http://schemas.openxmlformats.org/presentationml/2006/main">
   <p:cSld>
     <p:spTree>
@@ -15441,7 +15454,7 @@
 </p:sld>
 </file>
 
-<file path=ppt/slides/slide12.xml><?xml version="1.0" encoding="utf-8"?>
+<file path=ppt/slides/slide13.xml><?xml version="1.0" encoding="utf-8"?>
 <p:sld xmlns:a="http://schemas.openxmlformats.org/drawingml/2006/main" xmlns:r="http://schemas.openxmlformats.org/officeDocument/2006/relationships" xmlns:p="http://schemas.openxmlformats.org/presentationml/2006/main">
   <p:cSld>
     <p:spTree>
@@ -15840,7 +15853,7 @@
 </p:sld>
 </file>
 
-<file path=ppt/slides/slide13.xml><?xml version="1.0" encoding="utf-8"?>
+<file path=ppt/slides/slide14.xml><?xml version="1.0" encoding="utf-8"?>
 <p:sld xmlns:a="http://schemas.openxmlformats.org/drawingml/2006/main" xmlns:r="http://schemas.openxmlformats.org/officeDocument/2006/relationships" xmlns:p="http://schemas.openxmlformats.org/presentationml/2006/main">
   <p:cSld>
     <p:spTree>
@@ -15966,7 +15979,7 @@
 </p:sld>
 </file>
 
-<file path=ppt/slides/slide14.xml><?xml version="1.0" encoding="utf-8"?>
+<file path=ppt/slides/slide15.xml><?xml version="1.0" encoding="utf-8"?>
 <p:sld xmlns:a="http://schemas.openxmlformats.org/drawingml/2006/main" xmlns:r="http://schemas.openxmlformats.org/officeDocument/2006/relationships" xmlns:p="http://schemas.openxmlformats.org/presentationml/2006/main">
   <p:cSld>
     <p:spTree>
@@ -16142,7 +16155,7 @@
 </p:sld>
 </file>
 
-<file path=ppt/slides/slide15.xml><?xml version="1.0" encoding="utf-8"?>
+<file path=ppt/slides/slide16.xml><?xml version="1.0" encoding="utf-8"?>
 <p:sld xmlns:a="http://schemas.openxmlformats.org/drawingml/2006/main" xmlns:r="http://schemas.openxmlformats.org/officeDocument/2006/relationships" xmlns:p="http://schemas.openxmlformats.org/presentationml/2006/main">
   <p:cSld>
     <p:spTree>
@@ -16322,7 +16335,7 @@
 </p:sld>
 </file>
 
-<file path=ppt/slides/slide16.xml><?xml version="1.0" encoding="utf-8"?>
+<file path=ppt/slides/slide17.xml><?xml version="1.0" encoding="utf-8"?>
 <p:sld xmlns:a="http://schemas.openxmlformats.org/drawingml/2006/main" xmlns:r="http://schemas.openxmlformats.org/officeDocument/2006/relationships" xmlns:p="http://schemas.openxmlformats.org/presentationml/2006/main">
   <p:cSld>
     <p:spTree>
@@ -16485,7 +16498,7 @@
 </p:sld>
 </file>
 
-<file path=ppt/slides/slide17.xml><?xml version="1.0" encoding="utf-8"?>
+<file path=ppt/slides/slide18.xml><?xml version="1.0" encoding="utf-8"?>
 <p:sld xmlns:a="http://schemas.openxmlformats.org/drawingml/2006/main" xmlns:r="http://schemas.openxmlformats.org/officeDocument/2006/relationships" xmlns:p="http://schemas.openxmlformats.org/presentationml/2006/main">
   <p:cSld>
     <p:spTree>
@@ -16634,7 +16647,7 @@
 </p:sld>
 </file>
 
-<file path=ppt/slides/slide18.xml><?xml version="1.0" encoding="utf-8"?>
+<file path=ppt/slides/slide19.xml><?xml version="1.0" encoding="utf-8"?>
 <p:sld xmlns:a="http://schemas.openxmlformats.org/drawingml/2006/main" xmlns:r="http://schemas.openxmlformats.org/officeDocument/2006/relationships" xmlns:p="http://schemas.openxmlformats.org/presentationml/2006/main">
   <p:cSld>
     <p:spTree>
@@ -16783,7 +16796,238 @@
 </p:sld>
 </file>
 
-<file path=ppt/slides/slide19.xml><?xml version="1.0" encoding="utf-8"?>
+<file path=ppt/slides/slide2.xml><?xml version="1.0" encoding="utf-8"?>
+<p:sld xmlns:a="http://schemas.openxmlformats.org/drawingml/2006/main" xmlns:r="http://schemas.openxmlformats.org/officeDocument/2006/relationships" xmlns:p="http://schemas.openxmlformats.org/presentationml/2006/main">
+  <p:cSld>
+    <p:spTree>
+      <p:nvGrpSpPr>
+        <p:cNvPr id="1" name=""/>
+        <p:cNvGrpSpPr/>
+        <p:nvPr/>
+      </p:nvGrpSpPr>
+      <p:grpSpPr>
+        <a:xfrm>
+          <a:off x="0" y="0"/>
+          <a:ext cx="0" cy="0"/>
+          <a:chOff x="0" y="0"/>
+          <a:chExt cx="0" cy="0"/>
+        </a:xfrm>
+      </p:grpSpPr>
+      <p:sp>
+        <p:nvSpPr>
+          <p:cNvPr id="2" name="Foliennummernplatzhalter 1">
+            <a:extLst>
+              <a:ext uri="{FF2B5EF4-FFF2-40B4-BE49-F238E27FC236}">
+                <a16:creationId xmlns:a16="http://schemas.microsoft.com/office/drawing/2014/main" id="{519B8AEC-CEA4-4A1A-9790-6A13B20928C7}"/>
+              </a:ext>
+            </a:extLst>
+          </p:cNvPr>
+          <p:cNvSpPr>
+            <a:spLocks noGrp="1"/>
+          </p:cNvSpPr>
+          <p:nvPr>
+            <p:ph type="sldNum" sz="quarter" idx="12"/>
+          </p:nvPr>
+        </p:nvSpPr>
+        <p:spPr/>
+        <p:txBody>
+          <a:bodyPr/>
+          <a:lstStyle/>
+          <a:p>
+            <a:fld id="{746BC1E4-9FFC-44C0-9689-76C86B3A9246}" type="slidenum">
+              <a:rPr lang="de-DE" smtClean="0"/>
+              <a:t>2</a:t>
+            </a:fld>
+            <a:endParaRPr lang="de-DE"/>
+          </a:p>
+        </p:txBody>
+      </p:sp>
+      <p:sp>
+        <p:nvSpPr>
+          <p:cNvPr id="4" name="Titel 3">
+            <a:extLst>
+              <a:ext uri="{FF2B5EF4-FFF2-40B4-BE49-F238E27FC236}">
+                <a16:creationId xmlns:a16="http://schemas.microsoft.com/office/drawing/2014/main" id="{589EA87C-2A33-42B4-B04F-A613D295A078}"/>
+              </a:ext>
+            </a:extLst>
+          </p:cNvPr>
+          <p:cNvSpPr>
+            <a:spLocks noGrp="1"/>
+          </p:cNvSpPr>
+          <p:nvPr>
+            <p:ph type="title" idx="4294967295"/>
+          </p:nvPr>
+        </p:nvSpPr>
+        <p:spPr>
+          <a:xfrm>
+            <a:off x="0" y="120650"/>
+            <a:ext cx="8529638" cy="593725"/>
+          </a:xfrm>
+        </p:spPr>
+        <p:txBody>
+          <a:bodyPr>
+            <a:normAutofit/>
+          </a:bodyPr>
+          <a:lstStyle/>
+          <a:p>
+            <a:r>
+              <a:rPr lang="en-GB" sz="1800" b="1" dirty="0"/>
+              <a:t>Realisation of the course</a:t>
+            </a:r>
+            <a:endParaRPr lang="de-DE" sz="1800" dirty="0"/>
+          </a:p>
+        </p:txBody>
+      </p:sp>
+      <p:sp>
+        <p:nvSpPr>
+          <p:cNvPr id="6" name="Rechteck 5">
+            <a:extLst>
+              <a:ext uri="{FF2B5EF4-FFF2-40B4-BE49-F238E27FC236}">
+                <a16:creationId xmlns:a16="http://schemas.microsoft.com/office/drawing/2014/main" id="{4B5E25CE-C8AC-4424-BA8F-A0183791E9A0}"/>
+              </a:ext>
+            </a:extLst>
+          </p:cNvPr>
+          <p:cNvSpPr/>
+          <p:nvPr/>
+        </p:nvSpPr>
+        <p:spPr>
+          <a:xfrm>
+            <a:off x="492769" y="1631774"/>
+            <a:ext cx="8156360" cy="1938992"/>
+          </a:xfrm>
+          <a:prstGeom prst="rect">
+            <a:avLst/>
+          </a:prstGeom>
+        </p:spPr>
+        <p:txBody>
+          <a:bodyPr wrap="square">
+            <a:spAutoFit/>
+          </a:bodyPr>
+          <a:lstStyle/>
+          <a:p>
+            <a:pPr algn="ctr"/>
+            <a:r>
+              <a:rPr lang="en-GB" sz="1500" dirty="0">
+                <a:latin typeface="Times New Roman" panose="02020603050405020304" pitchFamily="18" charset="0"/>
+                <a:cs typeface="Times New Roman" panose="02020603050405020304" pitchFamily="18" charset="0"/>
+              </a:rPr>
+              <a:t>T</a:t>
+            </a:r>
+            <a:r>
+              <a:rPr lang="en-US" sz="1500" dirty="0">
+                <a:latin typeface="Times New Roman" panose="02020603050405020304" pitchFamily="18" charset="0"/>
+                <a:cs typeface="Times New Roman" panose="02020603050405020304" pitchFamily="18" charset="0"/>
+              </a:rPr>
+              <a:t>his course has been developed within the framework of the project</a:t>
+            </a:r>
+            <a:r>
+              <a:rPr lang="uk-UA" sz="1500" dirty="0">
+                <a:latin typeface="Times New Roman" panose="02020603050405020304" pitchFamily="18" charset="0"/>
+                <a:cs typeface="Times New Roman" panose="02020603050405020304" pitchFamily="18" charset="0"/>
+              </a:rPr>
+              <a:t> </a:t>
+            </a:r>
+            <a:r>
+              <a:rPr lang="en-US" sz="1500" dirty="0">
+                <a:latin typeface="Times New Roman" panose="02020603050405020304" pitchFamily="18" charset="0"/>
+                <a:cs typeface="Times New Roman" panose="02020603050405020304" pitchFamily="18" charset="0"/>
+              </a:rPr>
+              <a:t>“Mechanics digital" by the German Academic Exchange Service (DAAD) under funding program “Ukraine digital: Ensuring academic success in times of crisis (2022)"</a:t>
+            </a:r>
+            <a:br>
+              <a:rPr lang="uk-UA" sz="1500" dirty="0">
+                <a:latin typeface="Times New Roman" panose="02020603050405020304" pitchFamily="18" charset="0"/>
+                <a:cs typeface="Times New Roman" panose="02020603050405020304" pitchFamily="18" charset="0"/>
+              </a:rPr>
+            </a:br>
+            <a:br>
+              <a:rPr lang="uk-UA" sz="1500" dirty="0">
+                <a:latin typeface="Times New Roman" panose="02020603050405020304" pitchFamily="18" charset="0"/>
+                <a:cs typeface="Times New Roman" panose="02020603050405020304" pitchFamily="18" charset="0"/>
+              </a:rPr>
+            </a:br>
+            <a:r>
+              <a:rPr lang="uk-UA" sz="1500" dirty="0">
+                <a:latin typeface="Times New Roman" panose="02020603050405020304" pitchFamily="18" charset="0"/>
+                <a:cs typeface="Times New Roman" panose="02020603050405020304" pitchFamily="18" charset="0"/>
+              </a:rPr>
+              <a:t> </a:t>
+            </a:r>
+            <a:r>
+              <a:rPr lang="en-US" sz="1500" dirty="0">
+                <a:latin typeface="Times New Roman" panose="02020603050405020304" pitchFamily="18" charset="0"/>
+                <a:cs typeface="Times New Roman" panose="02020603050405020304" pitchFamily="18" charset="0"/>
+              </a:rPr>
+              <a:t>The course has been developed in collaboration with our colleagues from the</a:t>
+            </a:r>
+            <a:r>
+              <a:rPr lang="uk-UA" sz="1500" dirty="0">
+                <a:latin typeface="Times New Roman" panose="02020603050405020304" pitchFamily="18" charset="0"/>
+                <a:cs typeface="Times New Roman" panose="02020603050405020304" pitchFamily="18" charset="0"/>
+              </a:rPr>
+              <a:t> </a:t>
+            </a:r>
+            <a:r>
+              <a:rPr lang="en-US" sz="1500" dirty="0">
+                <a:latin typeface="Times New Roman" panose="02020603050405020304" pitchFamily="18" charset="0"/>
+                <a:cs typeface="Times New Roman" panose="02020603050405020304" pitchFamily="18" charset="0"/>
+              </a:rPr>
+              <a:t>Otto-von-Guericke-University Magdeburg in Germany</a:t>
+            </a:r>
+            <a:br>
+              <a:rPr lang="en-US" sz="1500" dirty="0">
+                <a:latin typeface="Times New Roman" panose="02020603050405020304" pitchFamily="18" charset="0"/>
+                <a:cs typeface="Times New Roman" panose="02020603050405020304" pitchFamily="18" charset="0"/>
+              </a:rPr>
+            </a:br>
+            <a:br>
+              <a:rPr lang="en-US" sz="1500" dirty="0">
+                <a:latin typeface="Times New Roman" panose="02020603050405020304" pitchFamily="18" charset="0"/>
+                <a:cs typeface="Times New Roman" panose="02020603050405020304" pitchFamily="18" charset="0"/>
+              </a:rPr>
+            </a:br>
+            <a:r>
+              <a:rPr lang="uk-UA" sz="1500" dirty="0">
+                <a:latin typeface="Times New Roman" panose="02020603050405020304" pitchFamily="18" charset="0"/>
+                <a:cs typeface="Times New Roman" panose="02020603050405020304" pitchFamily="18" charset="0"/>
+              </a:rPr>
+              <a:t> </a:t>
+            </a:r>
+            <a:r>
+              <a:rPr lang="en-GB" sz="1500" dirty="0">
+                <a:latin typeface="Times New Roman" panose="02020603050405020304" pitchFamily="18" charset="0"/>
+                <a:cs typeface="Times New Roman" panose="02020603050405020304" pitchFamily="18" charset="0"/>
+              </a:rPr>
+              <a:t>We would like to </a:t>
+            </a:r>
+            <a:r>
+              <a:rPr lang="en-US" sz="1500" dirty="0">
+                <a:latin typeface="Times New Roman" panose="02020603050405020304" pitchFamily="18" charset="0"/>
+                <a:cs typeface="Times New Roman" panose="02020603050405020304" pitchFamily="18" charset="0"/>
+              </a:rPr>
+              <a:t>thank the DAAD for their financial and logistical support</a:t>
+            </a:r>
+            <a:endParaRPr lang="de-DE" sz="1500" dirty="0">
+              <a:latin typeface="Times New Roman" panose="02020603050405020304" pitchFamily="18" charset="0"/>
+              <a:cs typeface="Times New Roman" panose="02020603050405020304" pitchFamily="18" charset="0"/>
+            </a:endParaRPr>
+          </a:p>
+        </p:txBody>
+      </p:sp>
+    </p:spTree>
+    <p:extLst>
+      <p:ext uri="{BB962C8B-B14F-4D97-AF65-F5344CB8AC3E}">
+        <p14:creationId xmlns:p14="http://schemas.microsoft.com/office/powerpoint/2010/main" val="571661756"/>
+      </p:ext>
+    </p:extLst>
+  </p:cSld>
+  <p:clrMapOvr>
+    <a:masterClrMapping/>
+  </p:clrMapOvr>
+</p:sld>
+</file>
+
+<file path=ppt/slides/slide20.xml><?xml version="1.0" encoding="utf-8"?>
 <p:sld xmlns:a="http://schemas.openxmlformats.org/drawingml/2006/main" xmlns:r="http://schemas.openxmlformats.org/officeDocument/2006/relationships" xmlns:p="http://schemas.openxmlformats.org/presentationml/2006/main">
   <p:cSld>
     <p:spTree>
@@ -16932,378 +17176,7 @@
 </p:sld>
 </file>
 
-<file path=ppt/slides/slide2.xml><?xml version="1.0" encoding="utf-8"?>
-<p:sld xmlns:a="http://schemas.openxmlformats.org/drawingml/2006/main" xmlns:r="http://schemas.openxmlformats.org/officeDocument/2006/relationships" xmlns:p="http://schemas.openxmlformats.org/presentationml/2006/main">
-  <p:cSld>
-    <p:spTree>
-      <p:nvGrpSpPr>
-        <p:cNvPr id="1" name="Shape 94"/>
-        <p:cNvGrpSpPr/>
-        <p:nvPr/>
-      </p:nvGrpSpPr>
-      <p:grpSpPr>
-        <a:xfrm>
-          <a:off x="0" y="0"/>
-          <a:ext cx="0" cy="0"/>
-          <a:chOff x="0" y="0"/>
-          <a:chExt cx="0" cy="0"/>
-        </a:xfrm>
-      </p:grpSpPr>
-      <p:sp>
-        <p:nvSpPr>
-          <p:cNvPr id="95" name="Google Shape;95;p2"/>
-          <p:cNvSpPr txBox="1">
-            <a:spLocks noGrp="1"/>
-          </p:cNvSpPr>
-          <p:nvPr>
-            <p:ph type="title"/>
-          </p:nvPr>
-        </p:nvSpPr>
-        <p:spPr>
-          <a:xfrm>
-            <a:off x="381000" y="46038"/>
-            <a:ext cx="7162800" cy="839787"/>
-          </a:xfrm>
-          <a:prstGeom prst="rect">
-            <a:avLst/>
-          </a:prstGeom>
-          <a:noFill/>
-          <a:ln>
-            <a:noFill/>
-          </a:ln>
-        </p:spPr>
-        <p:txBody>
-          <a:bodyPr spcFirstLastPara="1" wrap="square" lIns="91425" tIns="45700" rIns="91425" bIns="45700" anchor="ctr" anchorCtr="0">
-            <a:normAutofit/>
-          </a:bodyPr>
-          <a:lstStyle/>
-          <a:p>
-            <a:pPr marL="0" lvl="0" indent="0" algn="ctr" rtl="0">
-              <a:spcBef>
-                <a:spcPts val="0"/>
-              </a:spcBef>
-              <a:spcAft>
-                <a:spcPts val="0"/>
-              </a:spcAft>
-              <a:buClr>
-                <a:schemeClr val="dk1"/>
-              </a:buClr>
-              <a:buSzPts val="4400"/>
-              <a:buFont typeface="Calibri"/>
-              <a:buNone/>
-            </a:pPr>
-            <a:r>
-              <a:rPr lang="ru-RU"/>
-              <a:t>Data visualization</a:t>
-            </a:r>
-            <a:endParaRPr/>
-          </a:p>
-        </p:txBody>
-      </p:sp>
-      <p:sp>
-        <p:nvSpPr>
-          <p:cNvPr id="96" name="Google Shape;96;p2"/>
-          <p:cNvSpPr txBox="1">
-            <a:spLocks noGrp="1"/>
-          </p:cNvSpPr>
-          <p:nvPr>
-            <p:ph type="body" idx="2"/>
-          </p:nvPr>
-        </p:nvSpPr>
-        <p:spPr>
-          <a:xfrm>
-            <a:off x="381000" y="1219200"/>
-            <a:ext cx="8382000" cy="2552700"/>
-          </a:xfrm>
-          <a:prstGeom prst="rect">
-            <a:avLst/>
-          </a:prstGeom>
-          <a:noFill/>
-          <a:ln>
-            <a:noFill/>
-          </a:ln>
-        </p:spPr>
-        <p:txBody>
-          <a:bodyPr spcFirstLastPara="1" wrap="square" lIns="91425" tIns="45700" rIns="91425" bIns="45700" anchor="t" anchorCtr="0">
-            <a:normAutofit fontScale="55000" lnSpcReduction="20000"/>
-          </a:bodyPr>
-          <a:lstStyle/>
-          <a:p>
-            <a:pPr marL="0" lvl="0" indent="0" algn="l" rtl="0">
-              <a:spcBef>
-                <a:spcPts val="0"/>
-              </a:spcBef>
-              <a:spcAft>
-                <a:spcPts val="0"/>
-              </a:spcAft>
-              <a:buClr>
-                <a:schemeClr val="dk1"/>
-              </a:buClr>
-              <a:buSzPct val="100000"/>
-              <a:buNone/>
-            </a:pPr>
-            <a:r>
-              <a:rPr lang="ru-RU" dirty="0" err="1"/>
-              <a:t>Lecturer</a:t>
-            </a:r>
-            <a:r>
-              <a:rPr lang="ru-RU" dirty="0"/>
-              <a:t>:</a:t>
-            </a:r>
-            <a:endParaRPr dirty="0"/>
-          </a:p>
-          <a:p>
-            <a:pPr marL="0" lvl="0" indent="0" algn="l" rtl="0">
-              <a:spcBef>
-                <a:spcPts val="888"/>
-              </a:spcBef>
-              <a:spcAft>
-                <a:spcPts val="0"/>
-              </a:spcAft>
-              <a:buClr>
-                <a:schemeClr val="dk1"/>
-              </a:buClr>
-              <a:buSzPct val="100000"/>
-              <a:buNone/>
-            </a:pPr>
-            <a:r>
-              <a:rPr lang="en-US" sz="4800" b="1" dirty="0"/>
-              <a:t>Oleksii </a:t>
-            </a:r>
-            <a:r>
-              <a:rPr lang="ru-RU" sz="4800" b="1" dirty="0"/>
-              <a:t>Vodka</a:t>
-            </a:r>
-            <a:endParaRPr dirty="0"/>
-          </a:p>
-          <a:p>
-            <a:pPr marL="0" lvl="0" indent="0" algn="l" rtl="0">
-              <a:spcBef>
-                <a:spcPts val="592"/>
-              </a:spcBef>
-              <a:spcAft>
-                <a:spcPts val="0"/>
-              </a:spcAft>
-              <a:buClr>
-                <a:schemeClr val="dk1"/>
-              </a:buClr>
-              <a:buSzPct val="100000"/>
-              <a:buNone/>
-            </a:pPr>
-            <a:r>
-              <a:rPr lang="ru-RU" dirty="0" err="1"/>
-              <a:t>Candidate</a:t>
-            </a:r>
-            <a:r>
-              <a:rPr lang="ru-RU" dirty="0"/>
-              <a:t> </a:t>
-            </a:r>
-            <a:r>
-              <a:rPr lang="ru-RU" dirty="0" err="1"/>
-              <a:t>of</a:t>
-            </a:r>
-            <a:r>
-              <a:rPr lang="ru-RU" dirty="0"/>
-              <a:t> </a:t>
-            </a:r>
-            <a:r>
-              <a:rPr lang="ru-RU" dirty="0" err="1"/>
-              <a:t>Technical</a:t>
-            </a:r>
-            <a:r>
-              <a:rPr lang="ru-RU" dirty="0"/>
-              <a:t> Sciences, </a:t>
-            </a:r>
-            <a:r>
-              <a:rPr lang="ru-RU" dirty="0" err="1"/>
-              <a:t>Associate</a:t>
-            </a:r>
-            <a:r>
-              <a:rPr lang="ru-RU" dirty="0"/>
-              <a:t> </a:t>
-            </a:r>
-            <a:r>
-              <a:rPr lang="ru-RU" dirty="0" err="1"/>
-              <a:t>Professor</a:t>
-            </a:r>
-            <a:r>
-              <a:rPr lang="ru-RU" dirty="0"/>
-              <a:t> </a:t>
-            </a:r>
-            <a:r>
-              <a:rPr lang="ru-RU" dirty="0" err="1"/>
-              <a:t>of</a:t>
-            </a:r>
-            <a:r>
-              <a:rPr lang="ru-RU" dirty="0"/>
-              <a:t> </a:t>
-            </a:r>
-            <a:r>
-              <a:rPr lang="ru-RU" dirty="0" err="1"/>
-              <a:t>the</a:t>
-            </a:r>
-            <a:r>
-              <a:rPr lang="ru-RU" dirty="0"/>
-              <a:t> </a:t>
-            </a:r>
-            <a:endParaRPr lang="en-US" dirty="0"/>
-          </a:p>
-          <a:p>
-            <a:pPr marL="0" lvl="0" indent="0" algn="l" rtl="0">
-              <a:spcBef>
-                <a:spcPts val="592"/>
-              </a:spcBef>
-              <a:spcAft>
-                <a:spcPts val="0"/>
-              </a:spcAft>
-              <a:buClr>
-                <a:schemeClr val="dk1"/>
-              </a:buClr>
-              <a:buSzPct val="100000"/>
-              <a:buNone/>
-            </a:pPr>
-            <a:endParaRPr lang="en-US" dirty="0"/>
-          </a:p>
-          <a:p>
-            <a:pPr marL="0" lvl="0" indent="0" algn="l" rtl="0">
-              <a:spcBef>
-                <a:spcPts val="592"/>
-              </a:spcBef>
-              <a:spcAft>
-                <a:spcPts val="0"/>
-              </a:spcAft>
-              <a:buClr>
-                <a:schemeClr val="dk1"/>
-              </a:buClr>
-              <a:buSzPct val="100000"/>
-              <a:buNone/>
-            </a:pPr>
-            <a:r>
-              <a:rPr lang="en-US" dirty="0">
-                <a:hlinkClick r:id="rId3"/>
-              </a:rPr>
-              <a:t>Oleksii.vodka@khpi.edu.ua</a:t>
-            </a:r>
-            <a:r>
-              <a:rPr lang="en-US" dirty="0"/>
-              <a:t> </a:t>
-            </a:r>
-          </a:p>
-          <a:p>
-            <a:pPr marL="0" lvl="0" indent="0" algn="l" rtl="0">
-              <a:spcBef>
-                <a:spcPts val="592"/>
-              </a:spcBef>
-              <a:spcAft>
-                <a:spcPts val="0"/>
-              </a:spcAft>
-              <a:buClr>
-                <a:schemeClr val="dk1"/>
-              </a:buClr>
-              <a:buSzPct val="100000"/>
-              <a:buNone/>
-            </a:pPr>
-            <a:endParaRPr lang="en-US" dirty="0"/>
-          </a:p>
-          <a:p>
-            <a:pPr marL="0" lvl="0" indent="0" algn="l" rtl="0">
-              <a:spcBef>
-                <a:spcPts val="592"/>
-              </a:spcBef>
-              <a:spcAft>
-                <a:spcPts val="0"/>
-              </a:spcAft>
-              <a:buClr>
-                <a:schemeClr val="dk1"/>
-              </a:buClr>
-              <a:buSzPct val="100000"/>
-              <a:buNone/>
-            </a:pPr>
-            <a:r>
-              <a:rPr lang="ru-RU" dirty="0"/>
-              <a:t>Department </a:t>
-            </a:r>
-            <a:endParaRPr dirty="0"/>
-          </a:p>
-          <a:p>
-            <a:pPr marL="0" lvl="0" indent="0" algn="l" rtl="0">
-              <a:spcBef>
-                <a:spcPts val="592"/>
-              </a:spcBef>
-              <a:spcAft>
-                <a:spcPts val="0"/>
-              </a:spcAft>
-              <a:buClr>
-                <a:schemeClr val="dk1"/>
-              </a:buClr>
-              <a:buSzPct val="100000"/>
-              <a:buNone/>
-            </a:pPr>
-            <a:r>
-              <a:rPr lang="en-US" dirty="0"/>
-              <a:t>Mathematical modeling and Intelligent Computation in Engineering (MME)</a:t>
-            </a:r>
-            <a:endParaRPr dirty="0"/>
-          </a:p>
-          <a:p>
-            <a:pPr marL="0" lvl="0" indent="0" algn="l" rtl="0">
-              <a:spcBef>
-                <a:spcPts val="592"/>
-              </a:spcBef>
-              <a:spcAft>
-                <a:spcPts val="0"/>
-              </a:spcAft>
-              <a:buClr>
-                <a:schemeClr val="dk1"/>
-              </a:buClr>
-              <a:buSzPct val="100000"/>
-              <a:buNone/>
-            </a:pPr>
-            <a:endParaRPr dirty="0"/>
-          </a:p>
-          <a:p>
-            <a:pPr marL="0" lvl="0" indent="0" algn="l" rtl="0">
-              <a:spcBef>
-                <a:spcPts val="592"/>
-              </a:spcBef>
-              <a:spcAft>
-                <a:spcPts val="0"/>
-              </a:spcAft>
-              <a:buClr>
-                <a:schemeClr val="dk1"/>
-              </a:buClr>
-              <a:buSzPct val="100000"/>
-              <a:buNone/>
-            </a:pPr>
-            <a:endParaRPr dirty="0"/>
-          </a:p>
-          <a:p>
-            <a:pPr marL="0" lvl="0" indent="0" algn="l" rtl="0">
-              <a:spcBef>
-                <a:spcPts val="592"/>
-              </a:spcBef>
-              <a:spcAft>
-                <a:spcPts val="0"/>
-              </a:spcAft>
-              <a:buClr>
-                <a:schemeClr val="dk1"/>
-              </a:buClr>
-              <a:buSzPct val="100000"/>
-              <a:buNone/>
-            </a:pPr>
-            <a:endParaRPr dirty="0"/>
-          </a:p>
-        </p:txBody>
-      </p:sp>
-    </p:spTree>
-  </p:cSld>
-  <p:clrMapOvr>
-    <a:masterClrMapping/>
-  </p:clrMapOvr>
-</p:sld>
-</file>
-
-<file path=ppt/slides/slide20.xml><?xml version="1.0" encoding="utf-8"?>
+<file path=ppt/slides/slide21.xml><?xml version="1.0" encoding="utf-8"?>
 <p:sld xmlns:a="http://schemas.openxmlformats.org/drawingml/2006/main" xmlns:r="http://schemas.openxmlformats.org/officeDocument/2006/relationships" xmlns:p="http://schemas.openxmlformats.org/presentationml/2006/main">
   <p:cSld>
     <p:spTree>
@@ -17456,7 +17329,7 @@
 </p:sld>
 </file>
 
-<file path=ppt/slides/slide21.xml><?xml version="1.0" encoding="utf-8"?>
+<file path=ppt/slides/slide22.xml><?xml version="1.0" encoding="utf-8"?>
 <p:sld xmlns:a="http://schemas.openxmlformats.org/drawingml/2006/main" xmlns:r="http://schemas.openxmlformats.org/officeDocument/2006/relationships" xmlns:p="http://schemas.openxmlformats.org/presentationml/2006/main">
   <p:cSld>
     <p:spTree>
@@ -17613,7 +17486,7 @@
 </p:sld>
 </file>
 
-<file path=ppt/slides/slide22.xml><?xml version="1.0" encoding="utf-8"?>
+<file path=ppt/slides/slide23.xml><?xml version="1.0" encoding="utf-8"?>
 <p:sld xmlns:a="http://schemas.openxmlformats.org/drawingml/2006/main" xmlns:r="http://schemas.openxmlformats.org/officeDocument/2006/relationships" xmlns:p="http://schemas.openxmlformats.org/presentationml/2006/main">
   <p:cSld>
     <p:spTree>
@@ -17816,7 +17689,7 @@
 </p:sld>
 </file>
 
-<file path=ppt/slides/slide23.xml><?xml version="1.0" encoding="utf-8"?>
+<file path=ppt/slides/slide24.xml><?xml version="1.0" encoding="utf-8"?>
 <p:sld xmlns:a="http://schemas.openxmlformats.org/drawingml/2006/main" xmlns:r="http://schemas.openxmlformats.org/officeDocument/2006/relationships" xmlns:p="http://schemas.openxmlformats.org/presentationml/2006/main">
   <p:cSld>
     <p:spTree>
@@ -17969,7 +17842,7 @@
 </p:sld>
 </file>
 
-<file path=ppt/slides/slide24.xml><?xml version="1.0" encoding="utf-8"?>
+<file path=ppt/slides/slide25.xml><?xml version="1.0" encoding="utf-8"?>
 <p:sld xmlns:a="http://schemas.openxmlformats.org/drawingml/2006/main" xmlns:r="http://schemas.openxmlformats.org/officeDocument/2006/relationships" xmlns:p="http://schemas.openxmlformats.org/presentationml/2006/main">
   <p:cSld>
     <p:spTree>
@@ -18149,7 +18022,7 @@
 </p:sld>
 </file>
 
-<file path=ppt/slides/slide25.xml><?xml version="1.0" encoding="utf-8"?>
+<file path=ppt/slides/slide26.xml><?xml version="1.0" encoding="utf-8"?>
 <p:sld xmlns:a="http://schemas.openxmlformats.org/drawingml/2006/main" xmlns:r="http://schemas.openxmlformats.org/officeDocument/2006/relationships" xmlns:p="http://schemas.openxmlformats.org/presentationml/2006/main">
   <p:cSld>
     <p:spTree>
@@ -18281,7 +18154,7 @@
 </p:sld>
 </file>
 
-<file path=ppt/slides/slide26.xml><?xml version="1.0" encoding="utf-8"?>
+<file path=ppt/slides/slide27.xml><?xml version="1.0" encoding="utf-8"?>
 <p:sld xmlns:a="http://schemas.openxmlformats.org/drawingml/2006/main" xmlns:r="http://schemas.openxmlformats.org/officeDocument/2006/relationships" xmlns:p="http://schemas.openxmlformats.org/presentationml/2006/main">
   <p:cSld>
     <p:spTree>
@@ -18559,7 +18432,7 @@
 </p:sld>
 </file>
 
-<file path=ppt/slides/slide27.xml><?xml version="1.0" encoding="utf-8"?>
+<file path=ppt/slides/slide28.xml><?xml version="1.0" encoding="utf-8"?>
 <p:sld xmlns:a="http://schemas.openxmlformats.org/drawingml/2006/main" xmlns:r="http://schemas.openxmlformats.org/officeDocument/2006/relationships" xmlns:p="http://schemas.openxmlformats.org/presentationml/2006/main">
   <p:cSld>
     <p:spTree>
@@ -18746,7 +18619,7 @@
 </p:sld>
 </file>
 
-<file path=ppt/slides/slide28.xml><?xml version="1.0" encoding="utf-8"?>
+<file path=ppt/slides/slide29.xml><?xml version="1.0" encoding="utf-8"?>
 <p:sld xmlns:a="http://schemas.openxmlformats.org/drawingml/2006/main" xmlns:r="http://schemas.openxmlformats.org/officeDocument/2006/relationships" xmlns:p="http://schemas.openxmlformats.org/presentationml/2006/main">
   <p:cSld>
     <p:spTree>
@@ -18933,7 +18806,378 @@
 </p:sld>
 </file>
 
-<file path=ppt/slides/slide29.xml><?xml version="1.0" encoding="utf-8"?>
+<file path=ppt/slides/slide3.xml><?xml version="1.0" encoding="utf-8"?>
+<p:sld xmlns:a="http://schemas.openxmlformats.org/drawingml/2006/main" xmlns:r="http://schemas.openxmlformats.org/officeDocument/2006/relationships" xmlns:p="http://schemas.openxmlformats.org/presentationml/2006/main">
+  <p:cSld>
+    <p:spTree>
+      <p:nvGrpSpPr>
+        <p:cNvPr id="1" name="Shape 94"/>
+        <p:cNvGrpSpPr/>
+        <p:nvPr/>
+      </p:nvGrpSpPr>
+      <p:grpSpPr>
+        <a:xfrm>
+          <a:off x="0" y="0"/>
+          <a:ext cx="0" cy="0"/>
+          <a:chOff x="0" y="0"/>
+          <a:chExt cx="0" cy="0"/>
+        </a:xfrm>
+      </p:grpSpPr>
+      <p:sp>
+        <p:nvSpPr>
+          <p:cNvPr id="95" name="Google Shape;95;p2"/>
+          <p:cNvSpPr txBox="1">
+            <a:spLocks noGrp="1"/>
+          </p:cNvSpPr>
+          <p:nvPr>
+            <p:ph type="title"/>
+          </p:nvPr>
+        </p:nvSpPr>
+        <p:spPr>
+          <a:xfrm>
+            <a:off x="381000" y="46038"/>
+            <a:ext cx="7162800" cy="839787"/>
+          </a:xfrm>
+          <a:prstGeom prst="rect">
+            <a:avLst/>
+          </a:prstGeom>
+          <a:noFill/>
+          <a:ln>
+            <a:noFill/>
+          </a:ln>
+        </p:spPr>
+        <p:txBody>
+          <a:bodyPr spcFirstLastPara="1" wrap="square" lIns="91425" tIns="45700" rIns="91425" bIns="45700" anchor="ctr" anchorCtr="0">
+            <a:normAutofit/>
+          </a:bodyPr>
+          <a:lstStyle/>
+          <a:p>
+            <a:pPr marL="0" lvl="0" indent="0" algn="ctr" rtl="0">
+              <a:spcBef>
+                <a:spcPts val="0"/>
+              </a:spcBef>
+              <a:spcAft>
+                <a:spcPts val="0"/>
+              </a:spcAft>
+              <a:buClr>
+                <a:schemeClr val="dk1"/>
+              </a:buClr>
+              <a:buSzPts val="4400"/>
+              <a:buFont typeface="Calibri"/>
+              <a:buNone/>
+            </a:pPr>
+            <a:r>
+              <a:rPr lang="ru-RU"/>
+              <a:t>Data visualization</a:t>
+            </a:r>
+            <a:endParaRPr/>
+          </a:p>
+        </p:txBody>
+      </p:sp>
+      <p:sp>
+        <p:nvSpPr>
+          <p:cNvPr id="96" name="Google Shape;96;p2"/>
+          <p:cNvSpPr txBox="1">
+            <a:spLocks noGrp="1"/>
+          </p:cNvSpPr>
+          <p:nvPr>
+            <p:ph type="body" idx="2"/>
+          </p:nvPr>
+        </p:nvSpPr>
+        <p:spPr>
+          <a:xfrm>
+            <a:off x="381000" y="1219200"/>
+            <a:ext cx="8382000" cy="2552700"/>
+          </a:xfrm>
+          <a:prstGeom prst="rect">
+            <a:avLst/>
+          </a:prstGeom>
+          <a:noFill/>
+          <a:ln>
+            <a:noFill/>
+          </a:ln>
+        </p:spPr>
+        <p:txBody>
+          <a:bodyPr spcFirstLastPara="1" wrap="square" lIns="91425" tIns="45700" rIns="91425" bIns="45700" anchor="t" anchorCtr="0">
+            <a:normAutofit fontScale="55000" lnSpcReduction="20000"/>
+          </a:bodyPr>
+          <a:lstStyle/>
+          <a:p>
+            <a:pPr marL="0" lvl="0" indent="0" algn="l" rtl="0">
+              <a:spcBef>
+                <a:spcPts val="0"/>
+              </a:spcBef>
+              <a:spcAft>
+                <a:spcPts val="0"/>
+              </a:spcAft>
+              <a:buClr>
+                <a:schemeClr val="dk1"/>
+              </a:buClr>
+              <a:buSzPct val="100000"/>
+              <a:buNone/>
+            </a:pPr>
+            <a:r>
+              <a:rPr lang="ru-RU" dirty="0" err="1"/>
+              <a:t>Lecturer</a:t>
+            </a:r>
+            <a:r>
+              <a:rPr lang="ru-RU" dirty="0"/>
+              <a:t>:</a:t>
+            </a:r>
+            <a:endParaRPr dirty="0"/>
+          </a:p>
+          <a:p>
+            <a:pPr marL="0" lvl="0" indent="0" algn="l" rtl="0">
+              <a:spcBef>
+                <a:spcPts val="888"/>
+              </a:spcBef>
+              <a:spcAft>
+                <a:spcPts val="0"/>
+              </a:spcAft>
+              <a:buClr>
+                <a:schemeClr val="dk1"/>
+              </a:buClr>
+              <a:buSzPct val="100000"/>
+              <a:buNone/>
+            </a:pPr>
+            <a:r>
+              <a:rPr lang="en-US" sz="4800" b="1" dirty="0"/>
+              <a:t>Oleksii </a:t>
+            </a:r>
+            <a:r>
+              <a:rPr lang="ru-RU" sz="4800" b="1" dirty="0"/>
+              <a:t>Vodka</a:t>
+            </a:r>
+            <a:endParaRPr dirty="0"/>
+          </a:p>
+          <a:p>
+            <a:pPr marL="0" lvl="0" indent="0" algn="l" rtl="0">
+              <a:spcBef>
+                <a:spcPts val="592"/>
+              </a:spcBef>
+              <a:spcAft>
+                <a:spcPts val="0"/>
+              </a:spcAft>
+              <a:buClr>
+                <a:schemeClr val="dk1"/>
+              </a:buClr>
+              <a:buSzPct val="100000"/>
+              <a:buNone/>
+            </a:pPr>
+            <a:r>
+              <a:rPr lang="ru-RU" dirty="0" err="1"/>
+              <a:t>Candidate</a:t>
+            </a:r>
+            <a:r>
+              <a:rPr lang="ru-RU" dirty="0"/>
+              <a:t> </a:t>
+            </a:r>
+            <a:r>
+              <a:rPr lang="ru-RU" dirty="0" err="1"/>
+              <a:t>of</a:t>
+            </a:r>
+            <a:r>
+              <a:rPr lang="ru-RU" dirty="0"/>
+              <a:t> </a:t>
+            </a:r>
+            <a:r>
+              <a:rPr lang="ru-RU" dirty="0" err="1"/>
+              <a:t>Technical</a:t>
+            </a:r>
+            <a:r>
+              <a:rPr lang="ru-RU" dirty="0"/>
+              <a:t> Sciences, </a:t>
+            </a:r>
+            <a:r>
+              <a:rPr lang="ru-RU" dirty="0" err="1"/>
+              <a:t>Associate</a:t>
+            </a:r>
+            <a:r>
+              <a:rPr lang="ru-RU" dirty="0"/>
+              <a:t> </a:t>
+            </a:r>
+            <a:r>
+              <a:rPr lang="ru-RU" dirty="0" err="1"/>
+              <a:t>Professor</a:t>
+            </a:r>
+            <a:r>
+              <a:rPr lang="ru-RU" dirty="0"/>
+              <a:t> </a:t>
+            </a:r>
+            <a:r>
+              <a:rPr lang="ru-RU" dirty="0" err="1"/>
+              <a:t>of</a:t>
+            </a:r>
+            <a:r>
+              <a:rPr lang="ru-RU" dirty="0"/>
+              <a:t> </a:t>
+            </a:r>
+            <a:r>
+              <a:rPr lang="ru-RU" dirty="0" err="1"/>
+              <a:t>the</a:t>
+            </a:r>
+            <a:r>
+              <a:rPr lang="ru-RU" dirty="0"/>
+              <a:t> </a:t>
+            </a:r>
+            <a:endParaRPr lang="en-US" dirty="0"/>
+          </a:p>
+          <a:p>
+            <a:pPr marL="0" lvl="0" indent="0" algn="l" rtl="0">
+              <a:spcBef>
+                <a:spcPts val="592"/>
+              </a:spcBef>
+              <a:spcAft>
+                <a:spcPts val="0"/>
+              </a:spcAft>
+              <a:buClr>
+                <a:schemeClr val="dk1"/>
+              </a:buClr>
+              <a:buSzPct val="100000"/>
+              <a:buNone/>
+            </a:pPr>
+            <a:endParaRPr lang="en-US" dirty="0"/>
+          </a:p>
+          <a:p>
+            <a:pPr marL="0" lvl="0" indent="0" algn="l" rtl="0">
+              <a:spcBef>
+                <a:spcPts val="592"/>
+              </a:spcBef>
+              <a:spcAft>
+                <a:spcPts val="0"/>
+              </a:spcAft>
+              <a:buClr>
+                <a:schemeClr val="dk1"/>
+              </a:buClr>
+              <a:buSzPct val="100000"/>
+              <a:buNone/>
+            </a:pPr>
+            <a:r>
+              <a:rPr lang="en-US" dirty="0">
+                <a:hlinkClick r:id="rId3"/>
+              </a:rPr>
+              <a:t>Oleksii.vodka@khpi.edu.ua</a:t>
+            </a:r>
+            <a:r>
+              <a:rPr lang="en-US" dirty="0"/>
+              <a:t> </a:t>
+            </a:r>
+          </a:p>
+          <a:p>
+            <a:pPr marL="0" lvl="0" indent="0" algn="l" rtl="0">
+              <a:spcBef>
+                <a:spcPts val="592"/>
+              </a:spcBef>
+              <a:spcAft>
+                <a:spcPts val="0"/>
+              </a:spcAft>
+              <a:buClr>
+                <a:schemeClr val="dk1"/>
+              </a:buClr>
+              <a:buSzPct val="100000"/>
+              <a:buNone/>
+            </a:pPr>
+            <a:endParaRPr lang="en-US" dirty="0"/>
+          </a:p>
+          <a:p>
+            <a:pPr marL="0" lvl="0" indent="0" algn="l" rtl="0">
+              <a:spcBef>
+                <a:spcPts val="592"/>
+              </a:spcBef>
+              <a:spcAft>
+                <a:spcPts val="0"/>
+              </a:spcAft>
+              <a:buClr>
+                <a:schemeClr val="dk1"/>
+              </a:buClr>
+              <a:buSzPct val="100000"/>
+              <a:buNone/>
+            </a:pPr>
+            <a:r>
+              <a:rPr lang="ru-RU" dirty="0"/>
+              <a:t>Department </a:t>
+            </a:r>
+            <a:endParaRPr dirty="0"/>
+          </a:p>
+          <a:p>
+            <a:pPr marL="0" lvl="0" indent="0" algn="l" rtl="0">
+              <a:spcBef>
+                <a:spcPts val="592"/>
+              </a:spcBef>
+              <a:spcAft>
+                <a:spcPts val="0"/>
+              </a:spcAft>
+              <a:buClr>
+                <a:schemeClr val="dk1"/>
+              </a:buClr>
+              <a:buSzPct val="100000"/>
+              <a:buNone/>
+            </a:pPr>
+            <a:r>
+              <a:rPr lang="en-US" dirty="0"/>
+              <a:t>Mathematical modeling and Intelligent Computation in Engineering (MME)</a:t>
+            </a:r>
+            <a:endParaRPr dirty="0"/>
+          </a:p>
+          <a:p>
+            <a:pPr marL="0" lvl="0" indent="0" algn="l" rtl="0">
+              <a:spcBef>
+                <a:spcPts val="592"/>
+              </a:spcBef>
+              <a:spcAft>
+                <a:spcPts val="0"/>
+              </a:spcAft>
+              <a:buClr>
+                <a:schemeClr val="dk1"/>
+              </a:buClr>
+              <a:buSzPct val="100000"/>
+              <a:buNone/>
+            </a:pPr>
+            <a:endParaRPr dirty="0"/>
+          </a:p>
+          <a:p>
+            <a:pPr marL="0" lvl="0" indent="0" algn="l" rtl="0">
+              <a:spcBef>
+                <a:spcPts val="592"/>
+              </a:spcBef>
+              <a:spcAft>
+                <a:spcPts val="0"/>
+              </a:spcAft>
+              <a:buClr>
+                <a:schemeClr val="dk1"/>
+              </a:buClr>
+              <a:buSzPct val="100000"/>
+              <a:buNone/>
+            </a:pPr>
+            <a:endParaRPr dirty="0"/>
+          </a:p>
+          <a:p>
+            <a:pPr marL="0" lvl="0" indent="0" algn="l" rtl="0">
+              <a:spcBef>
+                <a:spcPts val="592"/>
+              </a:spcBef>
+              <a:spcAft>
+                <a:spcPts val="0"/>
+              </a:spcAft>
+              <a:buClr>
+                <a:schemeClr val="dk1"/>
+              </a:buClr>
+              <a:buSzPct val="100000"/>
+              <a:buNone/>
+            </a:pPr>
+            <a:endParaRPr dirty="0"/>
+          </a:p>
+        </p:txBody>
+      </p:sp>
+    </p:spTree>
+  </p:cSld>
+  <p:clrMapOvr>
+    <a:masterClrMapping/>
+  </p:clrMapOvr>
+</p:sld>
+</file>
+
+<file path=ppt/slides/slide30.xml><?xml version="1.0" encoding="utf-8"?>
 <p:sld xmlns:a="http://schemas.openxmlformats.org/drawingml/2006/main" xmlns:r="http://schemas.openxmlformats.org/officeDocument/2006/relationships" xmlns:p="http://schemas.openxmlformats.org/presentationml/2006/main">
   <p:cSld>
     <p:spTree>
@@ -19106,233 +19350,7 @@
 </p:sld>
 </file>
 
-<file path=ppt/slides/slide3.xml><?xml version="1.0" encoding="utf-8"?>
-<p:sld xmlns:a="http://schemas.openxmlformats.org/drawingml/2006/main" xmlns:r="http://schemas.openxmlformats.org/officeDocument/2006/relationships" xmlns:p="http://schemas.openxmlformats.org/presentationml/2006/main">
-  <p:cSld>
-    <p:spTree>
-      <p:nvGrpSpPr>
-        <p:cNvPr id="1" name="Shape 100"/>
-        <p:cNvGrpSpPr/>
-        <p:nvPr/>
-      </p:nvGrpSpPr>
-      <p:grpSpPr>
-        <a:xfrm>
-          <a:off x="0" y="0"/>
-          <a:ext cx="0" cy="0"/>
-          <a:chOff x="0" y="0"/>
-          <a:chExt cx="0" cy="0"/>
-        </a:xfrm>
-      </p:grpSpPr>
-      <p:sp>
-        <p:nvSpPr>
-          <p:cNvPr id="101" name="Google Shape;101;p3"/>
-          <p:cNvSpPr txBox="1">
-            <a:spLocks noGrp="1"/>
-          </p:cNvSpPr>
-          <p:nvPr>
-            <p:ph type="title"/>
-          </p:nvPr>
-        </p:nvSpPr>
-        <p:spPr>
-          <a:xfrm>
-            <a:off x="457200" y="274638"/>
-            <a:ext cx="8229600" cy="1143000"/>
-          </a:xfrm>
-          <a:prstGeom prst="rect">
-            <a:avLst/>
-          </a:prstGeom>
-          <a:noFill/>
-          <a:ln>
-            <a:noFill/>
-          </a:ln>
-        </p:spPr>
-        <p:txBody>
-          <a:bodyPr spcFirstLastPara="1" wrap="square" lIns="91425" tIns="45700" rIns="91425" bIns="45700" anchor="ctr" anchorCtr="0">
-            <a:normAutofit/>
-          </a:bodyPr>
-          <a:lstStyle/>
-          <a:p>
-            <a:pPr marL="0" lvl="0" indent="0" algn="ctr" rtl="0">
-              <a:spcBef>
-                <a:spcPts val="0"/>
-              </a:spcBef>
-              <a:spcAft>
-                <a:spcPts val="0"/>
-              </a:spcAft>
-              <a:buClr>
-                <a:schemeClr val="dk1"/>
-              </a:buClr>
-              <a:buSzPts val="4400"/>
-              <a:buFont typeface="Calibri"/>
-              <a:buNone/>
-            </a:pPr>
-            <a:r>
-              <a:rPr lang="ru-RU"/>
-              <a:t>Course outline</a:t>
-            </a:r>
-            <a:endParaRPr/>
-          </a:p>
-        </p:txBody>
-      </p:sp>
-      <p:sp>
-        <p:nvSpPr>
-          <p:cNvPr id="102" name="Google Shape;102;p3"/>
-          <p:cNvSpPr txBox="1">
-            <a:spLocks noGrp="1"/>
-          </p:cNvSpPr>
-          <p:nvPr>
-            <p:ph type="body" idx="1"/>
-          </p:nvPr>
-        </p:nvSpPr>
-        <p:spPr>
-          <a:xfrm>
-            <a:off x="457200" y="1600200"/>
-            <a:ext cx="8229600" cy="4525963"/>
-          </a:xfrm>
-          <a:prstGeom prst="rect">
-            <a:avLst/>
-          </a:prstGeom>
-          <a:noFill/>
-          <a:ln>
-            <a:noFill/>
-          </a:ln>
-        </p:spPr>
-        <p:txBody>
-          <a:bodyPr spcFirstLastPara="1" wrap="square" lIns="91425" tIns="45700" rIns="91425" bIns="45700" anchor="t" anchorCtr="0">
-            <a:normAutofit/>
-          </a:bodyPr>
-          <a:lstStyle/>
-          <a:p>
-            <a:pPr marL="342900" lvl="0" indent="-342900" algn="l" rtl="0">
-              <a:spcBef>
-                <a:spcPts val="0"/>
-              </a:spcBef>
-              <a:spcAft>
-                <a:spcPts val="0"/>
-              </a:spcAft>
-              <a:buClr>
-                <a:schemeClr val="dk1"/>
-              </a:buClr>
-              <a:buSzPts val="3200"/>
-              <a:buChar char="•"/>
-            </a:pPr>
-            <a:r>
-              <a:rPr lang="ru-RU"/>
-              <a:t>Visualization of numerical data</a:t>
-            </a:r>
-            <a:endParaRPr/>
-          </a:p>
-          <a:p>
-            <a:pPr marL="342900" lvl="0" indent="-342900" algn="l" rtl="0">
-              <a:spcBef>
-                <a:spcPts val="640"/>
-              </a:spcBef>
-              <a:spcAft>
-                <a:spcPts val="0"/>
-              </a:spcAft>
-              <a:buClr>
-                <a:schemeClr val="dk1"/>
-              </a:buClr>
-              <a:buSzPts val="3200"/>
-              <a:buChar char="•"/>
-            </a:pPr>
-            <a:r>
-              <a:rPr lang="ru-RU"/>
-              <a:t>Visualization of nonnumeric data</a:t>
-            </a:r>
-            <a:endParaRPr/>
-          </a:p>
-          <a:p>
-            <a:pPr marL="742950" lvl="1" indent="-285750" algn="l" rtl="0">
-              <a:spcBef>
-                <a:spcPts val="560"/>
-              </a:spcBef>
-              <a:spcAft>
-                <a:spcPts val="0"/>
-              </a:spcAft>
-              <a:buClr>
-                <a:schemeClr val="dk1"/>
-              </a:buClr>
-              <a:buSzPts val="2800"/>
-              <a:buChar char="–"/>
-            </a:pPr>
-            <a:r>
-              <a:rPr lang="ru-RU"/>
-              <a:t>Binary tree visualization</a:t>
-            </a:r>
-            <a:endParaRPr/>
-          </a:p>
-          <a:p>
-            <a:pPr marL="742950" lvl="1" indent="-285750" algn="l" rtl="0">
-              <a:spcBef>
-                <a:spcPts val="560"/>
-              </a:spcBef>
-              <a:spcAft>
-                <a:spcPts val="0"/>
-              </a:spcAft>
-              <a:buClr>
-                <a:schemeClr val="dk1"/>
-              </a:buClr>
-              <a:buSzPts val="2800"/>
-              <a:buChar char="–"/>
-            </a:pPr>
-            <a:r>
-              <a:rPr lang="ru-RU"/>
-              <a:t>Graph visualization</a:t>
-            </a:r>
-            <a:endParaRPr/>
-          </a:p>
-          <a:p>
-            <a:pPr marL="342900" lvl="0" indent="-342900" algn="l" rtl="0">
-              <a:spcBef>
-                <a:spcPts val="640"/>
-              </a:spcBef>
-              <a:spcAft>
-                <a:spcPts val="0"/>
-              </a:spcAft>
-              <a:buClr>
-                <a:schemeClr val="dk1"/>
-              </a:buClr>
-              <a:buSzPts val="3200"/>
-              <a:buChar char="•"/>
-            </a:pPr>
-            <a:r>
-              <a:rPr lang="ru-RU"/>
-              <a:t>Dimensionality reduction algorithms in data visualization tasks</a:t>
-            </a:r>
-            <a:endParaRPr/>
-          </a:p>
-          <a:p>
-            <a:pPr marL="342900" lvl="0" indent="-342900" algn="l" rtl="0">
-              <a:spcBef>
-                <a:spcPts val="640"/>
-              </a:spcBef>
-              <a:spcAft>
-                <a:spcPts val="0"/>
-              </a:spcAft>
-              <a:buClr>
-                <a:schemeClr val="dk1"/>
-              </a:buClr>
-              <a:buSzPts val="3200"/>
-              <a:buChar char="•"/>
-            </a:pPr>
-            <a:r>
-              <a:rPr lang="ru-RU"/>
-              <a:t>Visualization of text data (tex/latex)</a:t>
-            </a:r>
-            <a:endParaRPr/>
-          </a:p>
-        </p:txBody>
-      </p:sp>
-    </p:spTree>
-  </p:cSld>
-  <p:clrMapOvr>
-    <a:masterClrMapping/>
-  </p:clrMapOvr>
-</p:sld>
-</file>
-
-<file path=ppt/slides/slide30.xml><?xml version="1.0" encoding="utf-8"?>
+<file path=ppt/slides/slide31.xml><?xml version="1.0" encoding="utf-8"?>
 <p:sld xmlns:a="http://schemas.openxmlformats.org/drawingml/2006/main" xmlns:r="http://schemas.openxmlformats.org/officeDocument/2006/relationships" xmlns:p="http://schemas.openxmlformats.org/presentationml/2006/main">
   <p:cSld>
     <p:spTree>
@@ -19512,7 +19530,7 @@
 </p:sld>
 </file>
 
-<file path=ppt/slides/slide31.xml><?xml version="1.0" encoding="utf-8"?>
+<file path=ppt/slides/slide32.xml><?xml version="1.0" encoding="utf-8"?>
 <p:sld xmlns:a="http://schemas.openxmlformats.org/drawingml/2006/main" xmlns:r="http://schemas.openxmlformats.org/officeDocument/2006/relationships" xmlns:p="http://schemas.openxmlformats.org/presentationml/2006/main">
   <p:cSld>
     <p:spTree>
@@ -19661,7 +19679,7 @@
 </p:sld>
 </file>
 
-<file path=ppt/slides/slide32.xml><?xml version="1.0" encoding="utf-8"?>
+<file path=ppt/slides/slide33.xml><?xml version="1.0" encoding="utf-8"?>
 <p:sld xmlns:a="http://schemas.openxmlformats.org/drawingml/2006/main" xmlns:r="http://schemas.openxmlformats.org/officeDocument/2006/relationships" xmlns:p="http://schemas.openxmlformats.org/presentationml/2006/main">
   <p:cSld>
     <p:spTree>
@@ -19810,7 +19828,7 @@
 </p:sld>
 </file>
 
-<file path=ppt/slides/slide33.xml><?xml version="1.0" encoding="utf-8"?>
+<file path=ppt/slides/slide34.xml><?xml version="1.0" encoding="utf-8"?>
 <p:sld xmlns:a="http://schemas.openxmlformats.org/drawingml/2006/main" xmlns:r="http://schemas.openxmlformats.org/officeDocument/2006/relationships" xmlns:p="http://schemas.openxmlformats.org/presentationml/2006/main">
   <p:cSld>
     <p:spTree>
@@ -19959,7 +19977,7 @@
 </p:sld>
 </file>
 
-<file path=ppt/slides/slide34.xml><?xml version="1.0" encoding="utf-8"?>
+<file path=ppt/slides/slide35.xml><?xml version="1.0" encoding="utf-8"?>
 <p:sld xmlns:a="http://schemas.openxmlformats.org/drawingml/2006/main" xmlns:r="http://schemas.openxmlformats.org/officeDocument/2006/relationships" xmlns:p="http://schemas.openxmlformats.org/presentationml/2006/main">
   <p:cSld>
     <p:spTree>
@@ -20108,7 +20126,7 @@
 </p:sld>
 </file>
 
-<file path=ppt/slides/slide35.xml><?xml version="1.0" encoding="utf-8"?>
+<file path=ppt/slides/slide36.xml><?xml version="1.0" encoding="utf-8"?>
 <p:sld xmlns:a="http://schemas.openxmlformats.org/drawingml/2006/main" xmlns:r="http://schemas.openxmlformats.org/officeDocument/2006/relationships" xmlns:p="http://schemas.openxmlformats.org/presentationml/2006/main">
   <p:cSld>
     <p:spTree>
@@ -20285,7 +20303,7 @@
 </p:sld>
 </file>
 
-<file path=ppt/slides/slide36.xml><?xml version="1.0" encoding="utf-8"?>
+<file path=ppt/slides/slide37.xml><?xml version="1.0" encoding="utf-8"?>
 <p:sld xmlns:a="http://schemas.openxmlformats.org/drawingml/2006/main" xmlns:r="http://schemas.openxmlformats.org/officeDocument/2006/relationships" xmlns:p="http://schemas.openxmlformats.org/presentationml/2006/main">
   <p:cSld>
     <p:spTree>
@@ -20461,7 +20479,7 @@
 </p:sld>
 </file>
 
-<file path=ppt/slides/slide37.xml><?xml version="1.0" encoding="utf-8"?>
+<file path=ppt/slides/slide38.xml><?xml version="1.0" encoding="utf-8"?>
 <p:sld xmlns:a="http://schemas.openxmlformats.org/drawingml/2006/main" xmlns:r="http://schemas.openxmlformats.org/officeDocument/2006/relationships" xmlns:p="http://schemas.openxmlformats.org/presentationml/2006/main">
   <p:cSld>
     <p:spTree>
@@ -20565,7 +20583,7 @@
 </p:sld>
 </file>
 
-<file path=ppt/slides/slide38.xml><?xml version="1.0" encoding="utf-8"?>
+<file path=ppt/slides/slide39.xml><?xml version="1.0" encoding="utf-8"?>
 <p:sld xmlns:a="http://schemas.openxmlformats.org/drawingml/2006/main" xmlns:r="http://schemas.openxmlformats.org/officeDocument/2006/relationships" xmlns:p="http://schemas.openxmlformats.org/presentationml/2006/main">
   <p:cSld>
     <p:spTree>
@@ -20715,6 +20733,232 @@
 </file>
 
 <file path=ppt/slides/slide4.xml><?xml version="1.0" encoding="utf-8"?>
+<p:sld xmlns:a="http://schemas.openxmlformats.org/drawingml/2006/main" xmlns:r="http://schemas.openxmlformats.org/officeDocument/2006/relationships" xmlns:p="http://schemas.openxmlformats.org/presentationml/2006/main">
+  <p:cSld>
+    <p:spTree>
+      <p:nvGrpSpPr>
+        <p:cNvPr id="1" name="Shape 100"/>
+        <p:cNvGrpSpPr/>
+        <p:nvPr/>
+      </p:nvGrpSpPr>
+      <p:grpSpPr>
+        <a:xfrm>
+          <a:off x="0" y="0"/>
+          <a:ext cx="0" cy="0"/>
+          <a:chOff x="0" y="0"/>
+          <a:chExt cx="0" cy="0"/>
+        </a:xfrm>
+      </p:grpSpPr>
+      <p:sp>
+        <p:nvSpPr>
+          <p:cNvPr id="101" name="Google Shape;101;p3"/>
+          <p:cNvSpPr txBox="1">
+            <a:spLocks noGrp="1"/>
+          </p:cNvSpPr>
+          <p:nvPr>
+            <p:ph type="title"/>
+          </p:nvPr>
+        </p:nvSpPr>
+        <p:spPr>
+          <a:xfrm>
+            <a:off x="457200" y="274638"/>
+            <a:ext cx="8229600" cy="1143000"/>
+          </a:xfrm>
+          <a:prstGeom prst="rect">
+            <a:avLst/>
+          </a:prstGeom>
+          <a:noFill/>
+          <a:ln>
+            <a:noFill/>
+          </a:ln>
+        </p:spPr>
+        <p:txBody>
+          <a:bodyPr spcFirstLastPara="1" wrap="square" lIns="91425" tIns="45700" rIns="91425" bIns="45700" anchor="ctr" anchorCtr="0">
+            <a:normAutofit/>
+          </a:bodyPr>
+          <a:lstStyle/>
+          <a:p>
+            <a:pPr marL="0" lvl="0" indent="0" algn="ctr" rtl="0">
+              <a:spcBef>
+                <a:spcPts val="0"/>
+              </a:spcBef>
+              <a:spcAft>
+                <a:spcPts val="0"/>
+              </a:spcAft>
+              <a:buClr>
+                <a:schemeClr val="dk1"/>
+              </a:buClr>
+              <a:buSzPts val="4400"/>
+              <a:buFont typeface="Calibri"/>
+              <a:buNone/>
+            </a:pPr>
+            <a:r>
+              <a:rPr lang="ru-RU"/>
+              <a:t>Course outline</a:t>
+            </a:r>
+            <a:endParaRPr/>
+          </a:p>
+        </p:txBody>
+      </p:sp>
+      <p:sp>
+        <p:nvSpPr>
+          <p:cNvPr id="102" name="Google Shape;102;p3"/>
+          <p:cNvSpPr txBox="1">
+            <a:spLocks noGrp="1"/>
+          </p:cNvSpPr>
+          <p:nvPr>
+            <p:ph type="body" idx="1"/>
+          </p:nvPr>
+        </p:nvSpPr>
+        <p:spPr>
+          <a:xfrm>
+            <a:off x="457200" y="1600200"/>
+            <a:ext cx="8229600" cy="4525963"/>
+          </a:xfrm>
+          <a:prstGeom prst="rect">
+            <a:avLst/>
+          </a:prstGeom>
+          <a:noFill/>
+          <a:ln>
+            <a:noFill/>
+          </a:ln>
+        </p:spPr>
+        <p:txBody>
+          <a:bodyPr spcFirstLastPara="1" wrap="square" lIns="91425" tIns="45700" rIns="91425" bIns="45700" anchor="t" anchorCtr="0">
+            <a:normAutofit/>
+          </a:bodyPr>
+          <a:lstStyle/>
+          <a:p>
+            <a:pPr marL="342900" lvl="0" indent="-342900" algn="l" rtl="0">
+              <a:spcBef>
+                <a:spcPts val="0"/>
+              </a:spcBef>
+              <a:spcAft>
+                <a:spcPts val="0"/>
+              </a:spcAft>
+              <a:buClr>
+                <a:schemeClr val="dk1"/>
+              </a:buClr>
+              <a:buSzPts val="3200"/>
+              <a:buChar char="•"/>
+            </a:pPr>
+            <a:r>
+              <a:rPr lang="ru-RU"/>
+              <a:t>Visualization of numerical data</a:t>
+            </a:r>
+            <a:endParaRPr/>
+          </a:p>
+          <a:p>
+            <a:pPr marL="342900" lvl="0" indent="-342900" algn="l" rtl="0">
+              <a:spcBef>
+                <a:spcPts val="640"/>
+              </a:spcBef>
+              <a:spcAft>
+                <a:spcPts val="0"/>
+              </a:spcAft>
+              <a:buClr>
+                <a:schemeClr val="dk1"/>
+              </a:buClr>
+              <a:buSzPts val="3200"/>
+              <a:buChar char="•"/>
+            </a:pPr>
+            <a:r>
+              <a:rPr lang="ru-RU"/>
+              <a:t>Visualization of nonnumeric data</a:t>
+            </a:r>
+            <a:endParaRPr/>
+          </a:p>
+          <a:p>
+            <a:pPr marL="742950" lvl="1" indent="-285750" algn="l" rtl="0">
+              <a:spcBef>
+                <a:spcPts val="560"/>
+              </a:spcBef>
+              <a:spcAft>
+                <a:spcPts val="0"/>
+              </a:spcAft>
+              <a:buClr>
+                <a:schemeClr val="dk1"/>
+              </a:buClr>
+              <a:buSzPts val="2800"/>
+              <a:buChar char="–"/>
+            </a:pPr>
+            <a:r>
+              <a:rPr lang="ru-RU"/>
+              <a:t>Binary tree visualization</a:t>
+            </a:r>
+            <a:endParaRPr/>
+          </a:p>
+          <a:p>
+            <a:pPr marL="742950" lvl="1" indent="-285750" algn="l" rtl="0">
+              <a:spcBef>
+                <a:spcPts val="560"/>
+              </a:spcBef>
+              <a:spcAft>
+                <a:spcPts val="0"/>
+              </a:spcAft>
+              <a:buClr>
+                <a:schemeClr val="dk1"/>
+              </a:buClr>
+              <a:buSzPts val="2800"/>
+              <a:buChar char="–"/>
+            </a:pPr>
+            <a:r>
+              <a:rPr lang="ru-RU"/>
+              <a:t>Graph visualization</a:t>
+            </a:r>
+            <a:endParaRPr/>
+          </a:p>
+          <a:p>
+            <a:pPr marL="342900" lvl="0" indent="-342900" algn="l" rtl="0">
+              <a:spcBef>
+                <a:spcPts val="640"/>
+              </a:spcBef>
+              <a:spcAft>
+                <a:spcPts val="0"/>
+              </a:spcAft>
+              <a:buClr>
+                <a:schemeClr val="dk1"/>
+              </a:buClr>
+              <a:buSzPts val="3200"/>
+              <a:buChar char="•"/>
+            </a:pPr>
+            <a:r>
+              <a:rPr lang="ru-RU"/>
+              <a:t>Dimensionality reduction algorithms in data visualization tasks</a:t>
+            </a:r>
+            <a:endParaRPr/>
+          </a:p>
+          <a:p>
+            <a:pPr marL="342900" lvl="0" indent="-342900" algn="l" rtl="0">
+              <a:spcBef>
+                <a:spcPts val="640"/>
+              </a:spcBef>
+              <a:spcAft>
+                <a:spcPts val="0"/>
+              </a:spcAft>
+              <a:buClr>
+                <a:schemeClr val="dk1"/>
+              </a:buClr>
+              <a:buSzPts val="3200"/>
+              <a:buChar char="•"/>
+            </a:pPr>
+            <a:r>
+              <a:rPr lang="ru-RU"/>
+              <a:t>Visualization of text data (tex/latex)</a:t>
+            </a:r>
+            <a:endParaRPr/>
+          </a:p>
+        </p:txBody>
+      </p:sp>
+    </p:spTree>
+  </p:cSld>
+  <p:clrMapOvr>
+    <a:masterClrMapping/>
+  </p:clrMapOvr>
+</p:sld>
+</file>
+
+<file path=ppt/slides/slide5.xml><?xml version="1.0" encoding="utf-8"?>
 <p:sld xmlns:a="http://schemas.openxmlformats.org/drawingml/2006/main" xmlns:r="http://schemas.openxmlformats.org/officeDocument/2006/relationships" xmlns:p="http://schemas.openxmlformats.org/presentationml/2006/main">
   <p:cSld>
     <p:spTree>
@@ -20943,7 +21187,7 @@
 </p:sld>
 </file>
 
-<file path=ppt/slides/slide5.xml><?xml version="1.0" encoding="utf-8"?>
+<file path=ppt/slides/slide6.xml><?xml version="1.0" encoding="utf-8"?>
 <p:sld xmlns:a="http://schemas.openxmlformats.org/drawingml/2006/main" xmlns:r="http://schemas.openxmlformats.org/officeDocument/2006/relationships" xmlns:p="http://schemas.openxmlformats.org/presentationml/2006/main">
   <p:cSld>
     <p:spTree>
@@ -21244,7 +21488,7 @@
 </p:sld>
 </file>
 
-<file path=ppt/slides/slide6.xml><?xml version="1.0" encoding="utf-8"?>
+<file path=ppt/slides/slide7.xml><?xml version="1.0" encoding="utf-8"?>
 <p:sld xmlns:a="http://schemas.openxmlformats.org/drawingml/2006/main" xmlns:r="http://schemas.openxmlformats.org/officeDocument/2006/relationships" xmlns:p="http://schemas.openxmlformats.org/presentationml/2006/main">
   <p:cSld>
     <p:spTree>
@@ -21446,7 +21690,7 @@
 </p:sld>
 </file>
 
-<file path=ppt/slides/slide7.xml><?xml version="1.0" encoding="utf-8"?>
+<file path=ppt/slides/slide8.xml><?xml version="1.0" encoding="utf-8"?>
 <p:sld xmlns:a="http://schemas.openxmlformats.org/drawingml/2006/main" xmlns:r="http://schemas.openxmlformats.org/officeDocument/2006/relationships" xmlns:p="http://schemas.openxmlformats.org/presentationml/2006/main">
   <p:cSld>
     <p:spTree>
@@ -21710,7 +21954,7 @@
 </p:sld>
 </file>
 
-<file path=ppt/slides/slide8.xml><?xml version="1.0" encoding="utf-8"?>
+<file path=ppt/slides/slide9.xml><?xml version="1.0" encoding="utf-8"?>
 <p:sld xmlns:a="http://schemas.openxmlformats.org/drawingml/2006/main" xmlns:r="http://schemas.openxmlformats.org/officeDocument/2006/relationships" xmlns:p="http://schemas.openxmlformats.org/presentationml/2006/main">
   <p:cSld>
     <p:spTree>
@@ -21824,186 +22068,6 @@
           </a:p>
         </p:txBody>
       </p:sp>
-    </p:spTree>
-  </p:cSld>
-  <p:clrMapOvr>
-    <a:masterClrMapping/>
-  </p:clrMapOvr>
-</p:sld>
-</file>
-
-<file path=ppt/slides/slide9.xml><?xml version="1.0" encoding="utf-8"?>
-<p:sld xmlns:a="http://schemas.openxmlformats.org/drawingml/2006/main" xmlns:r="http://schemas.openxmlformats.org/officeDocument/2006/relationships" xmlns:p="http://schemas.openxmlformats.org/presentationml/2006/main">
-  <p:cSld>
-    <p:spTree>
-      <p:nvGrpSpPr>
-        <p:cNvPr id="1" name="Shape 137"/>
-        <p:cNvGrpSpPr/>
-        <p:nvPr/>
-      </p:nvGrpSpPr>
-      <p:grpSpPr>
-        <a:xfrm>
-          <a:off x="0" y="0"/>
-          <a:ext cx="0" cy="0"/>
-          <a:chOff x="0" y="0"/>
-          <a:chExt cx="0" cy="0"/>
-        </a:xfrm>
-      </p:grpSpPr>
-      <p:sp>
-        <p:nvSpPr>
-          <p:cNvPr id="138" name="Google Shape;138;p9"/>
-          <p:cNvSpPr txBox="1">
-            <a:spLocks noGrp="1"/>
-          </p:cNvSpPr>
-          <p:nvPr>
-            <p:ph type="title"/>
-          </p:nvPr>
-        </p:nvSpPr>
-        <p:spPr>
-          <a:xfrm>
-            <a:off x="457200" y="274638"/>
-            <a:ext cx="8229600" cy="1143000"/>
-          </a:xfrm>
-          <a:prstGeom prst="rect">
-            <a:avLst/>
-          </a:prstGeom>
-          <a:noFill/>
-          <a:ln>
-            <a:noFill/>
-          </a:ln>
-        </p:spPr>
-        <p:txBody>
-          <a:bodyPr spcFirstLastPara="1" wrap="square" lIns="91425" tIns="45700" rIns="91425" bIns="45700" anchor="ctr" anchorCtr="0">
-            <a:normAutofit/>
-          </a:bodyPr>
-          <a:lstStyle/>
-          <a:p>
-            <a:pPr marL="0" lvl="0" indent="0" algn="ctr" rtl="0">
-              <a:spcBef>
-                <a:spcPts val="0"/>
-              </a:spcBef>
-              <a:spcAft>
-                <a:spcPts val="0"/>
-              </a:spcAft>
-              <a:buClr>
-                <a:schemeClr val="dk1"/>
-              </a:buClr>
-              <a:buSzPts val="4400"/>
-              <a:buFont typeface="Calibri"/>
-              <a:buNone/>
-            </a:pPr>
-            <a:r>
-              <a:rPr lang="ru-RU"/>
-              <a:t>Line Chart</a:t>
-            </a:r>
-            <a:endParaRPr/>
-          </a:p>
-        </p:txBody>
-      </p:sp>
-      <p:sp>
-        <p:nvSpPr>
-          <p:cNvPr id="139" name="Google Shape;139;p9"/>
-          <p:cNvSpPr txBox="1">
-            <a:spLocks noGrp="1"/>
-          </p:cNvSpPr>
-          <p:nvPr>
-            <p:ph type="body" idx="1"/>
-          </p:nvPr>
-        </p:nvSpPr>
-        <p:spPr>
-          <a:xfrm>
-            <a:off x="457200" y="1600200"/>
-            <a:ext cx="8229600" cy="4525963"/>
-          </a:xfrm>
-          <a:prstGeom prst="rect">
-            <a:avLst/>
-          </a:prstGeom>
-          <a:noFill/>
-          <a:ln>
-            <a:noFill/>
-          </a:ln>
-        </p:spPr>
-        <p:txBody>
-          <a:bodyPr spcFirstLastPara="1" wrap="square" lIns="91425" tIns="45700" rIns="91425" bIns="45700" anchor="t" anchorCtr="0">
-            <a:normAutofit/>
-          </a:bodyPr>
-          <a:lstStyle/>
-          <a:p>
-            <a:pPr marL="342900" lvl="0" indent="-342900" algn="l" rtl="0">
-              <a:spcBef>
-                <a:spcPts val="0"/>
-              </a:spcBef>
-              <a:spcAft>
-                <a:spcPts val="0"/>
-              </a:spcAft>
-              <a:buClr>
-                <a:schemeClr val="dk1"/>
-              </a:buClr>
-              <a:buSzPts val="3200"/>
-              <a:buChar char="•"/>
-            </a:pPr>
-            <a:r>
-              <a:rPr lang="ru-RU"/>
-              <a:t>The line chart is good in many cases</a:t>
-            </a:r>
-            <a:endParaRPr/>
-          </a:p>
-        </p:txBody>
-      </p:sp>
-      <p:pic>
-        <p:nvPicPr>
-          <p:cNvPr id="140" name="Google Shape;140;p9" descr="eMvuX0TAyxc0BgRacSJIW0oQ-SASQuwO1lGHbrpO"/>
-          <p:cNvPicPr preferRelativeResize="0"/>
-          <p:nvPr/>
-        </p:nvPicPr>
-        <p:blipFill rotWithShape="1">
-          <a:blip r:embed="rId3">
-            <a:alphaModFix/>
-          </a:blip>
-          <a:srcRect/>
-          <a:stretch/>
-        </p:blipFill>
-        <p:spPr>
-          <a:xfrm>
-            <a:off x="683568" y="4316640"/>
-            <a:ext cx="7933953" cy="1861406"/>
-          </a:xfrm>
-          <a:prstGeom prst="rect">
-            <a:avLst/>
-          </a:prstGeom>
-          <a:noFill/>
-          <a:ln>
-            <a:noFill/>
-          </a:ln>
-        </p:spPr>
-      </p:pic>
-      <p:pic>
-        <p:nvPicPr>
-          <p:cNvPr id="141" name="Google Shape;141;p9" descr="https://netology.ru/ckfinder/userfiles/images/2(68).png"/>
-          <p:cNvPicPr preferRelativeResize="0"/>
-          <p:nvPr/>
-        </p:nvPicPr>
-        <p:blipFill rotWithShape="1">
-          <a:blip r:embed="rId4">
-            <a:alphaModFix/>
-          </a:blip>
-          <a:srcRect/>
-          <a:stretch/>
-        </p:blipFill>
-        <p:spPr>
-          <a:xfrm>
-            <a:off x="3707904" y="2201905"/>
-            <a:ext cx="5153050" cy="2258872"/>
-          </a:xfrm>
-          <a:prstGeom prst="rect">
-            <a:avLst/>
-          </a:prstGeom>
-          <a:noFill/>
-          <a:ln>
-            <a:noFill/>
-          </a:ln>
-        </p:spPr>
-      </p:pic>
     </p:spTree>
   </p:cSld>
   <p:clrMapOvr>
